--- a/TechTalk.pptx
+++ b/TechTalk.pptx
@@ -6,34 +6,35 @@
     <p:sldMasterId id="2147483660" r:id="rId2"/>
   </p:sldMasterIdLst>
   <p:notesMasterIdLst>
-    <p:notesMasterId r:id="rId28"/>
+    <p:notesMasterId r:id="rId29"/>
   </p:notesMasterIdLst>
   <p:sldIdLst>
     <p:sldId id="256" r:id="rId3"/>
     <p:sldId id="334" r:id="rId4"/>
     <p:sldId id="335" r:id="rId5"/>
-    <p:sldId id="325" r:id="rId6"/>
-    <p:sldId id="324" r:id="rId7"/>
-    <p:sldId id="333" r:id="rId8"/>
-    <p:sldId id="331" r:id="rId9"/>
-    <p:sldId id="321" r:id="rId10"/>
-    <p:sldId id="332" r:id="rId11"/>
-    <p:sldId id="326" r:id="rId12"/>
-    <p:sldId id="329" r:id="rId13"/>
-    <p:sldId id="327" r:id="rId14"/>
-    <p:sldId id="328" r:id="rId15"/>
-    <p:sldId id="283" r:id="rId16"/>
-    <p:sldId id="330" r:id="rId17"/>
-    <p:sldId id="323" r:id="rId18"/>
-    <p:sldId id="315" r:id="rId19"/>
-    <p:sldId id="319" r:id="rId20"/>
-    <p:sldId id="318" r:id="rId21"/>
-    <p:sldId id="316" r:id="rId22"/>
-    <p:sldId id="320" r:id="rId23"/>
-    <p:sldId id="322" r:id="rId24"/>
-    <p:sldId id="314" r:id="rId25"/>
-    <p:sldId id="292" r:id="rId26"/>
-    <p:sldId id="258" r:id="rId27"/>
+    <p:sldId id="336" r:id="rId6"/>
+    <p:sldId id="325" r:id="rId7"/>
+    <p:sldId id="324" r:id="rId8"/>
+    <p:sldId id="333" r:id="rId9"/>
+    <p:sldId id="331" r:id="rId10"/>
+    <p:sldId id="321" r:id="rId11"/>
+    <p:sldId id="332" r:id="rId12"/>
+    <p:sldId id="326" r:id="rId13"/>
+    <p:sldId id="329" r:id="rId14"/>
+    <p:sldId id="327" r:id="rId15"/>
+    <p:sldId id="328" r:id="rId16"/>
+    <p:sldId id="283" r:id="rId17"/>
+    <p:sldId id="330" r:id="rId18"/>
+    <p:sldId id="323" r:id="rId19"/>
+    <p:sldId id="315" r:id="rId20"/>
+    <p:sldId id="319" r:id="rId21"/>
+    <p:sldId id="318" r:id="rId22"/>
+    <p:sldId id="316" r:id="rId23"/>
+    <p:sldId id="320" r:id="rId24"/>
+    <p:sldId id="322" r:id="rId25"/>
+    <p:sldId id="314" r:id="rId26"/>
+    <p:sldId id="292" r:id="rId27"/>
+    <p:sldId id="258" r:id="rId28"/>
   </p:sldIdLst>
   <p:sldSz cx="12192000" cy="6858000"/>
   <p:notesSz cx="6858000" cy="9144000"/>
@@ -234,7 +235,7 @@
           <a:p>
             <a:fld id="{289D7669-2C4F-4057-B198-13E596C98571}" type="datetimeFigureOut">
               <a:rPr lang="en-IN" smtClean="0"/>
-              <a:t>11-09-2022</a:t>
+              <a:t>17-12-2022</a:t>
             </a:fld>
             <a:endParaRPr lang="en-IN"/>
           </a:p>
@@ -651,7 +652,7 @@
           <a:p>
             <a:fld id="{AAAFDAC1-E73E-4D41-B9D9-D9AB5226AECC}" type="datetimeFigureOut">
               <a:rPr lang="en-IN" smtClean="0"/>
-              <a:t>11-09-2022</a:t>
+              <a:t>17-12-2022</a:t>
             </a:fld>
             <a:endParaRPr lang="en-IN"/>
           </a:p>
@@ -851,7 +852,7 @@
           <a:p>
             <a:fld id="{AAAFDAC1-E73E-4D41-B9D9-D9AB5226AECC}" type="datetimeFigureOut">
               <a:rPr lang="en-IN" smtClean="0"/>
-              <a:t>11-09-2022</a:t>
+              <a:t>17-12-2022</a:t>
             </a:fld>
             <a:endParaRPr lang="en-IN"/>
           </a:p>
@@ -1061,7 +1062,7 @@
           <a:p>
             <a:fld id="{AAAFDAC1-E73E-4D41-B9D9-D9AB5226AECC}" type="datetimeFigureOut">
               <a:rPr lang="en-IN" smtClean="0"/>
-              <a:t>11-09-2022</a:t>
+              <a:t>17-12-2022</a:t>
             </a:fld>
             <a:endParaRPr lang="en-IN"/>
           </a:p>
@@ -1281,7 +1282,7 @@
           <a:p>
             <a:fld id="{5C55C9EC-A943-4027-9290-5A7F0DEB51E2}" type="datetimeFigureOut">
               <a:rPr lang="en-US" smtClean="0"/>
-              <a:t>9/11/2022</a:t>
+              <a:t>12/17/2022</a:t>
             </a:fld>
             <a:endParaRPr lang="en-US"/>
           </a:p>
@@ -1479,7 +1480,7 @@
           <a:p>
             <a:fld id="{5C55C9EC-A943-4027-9290-5A7F0DEB51E2}" type="datetimeFigureOut">
               <a:rPr lang="en-US" smtClean="0"/>
-              <a:t>9/11/2022</a:t>
+              <a:t>12/17/2022</a:t>
             </a:fld>
             <a:endParaRPr lang="en-US"/>
           </a:p>
@@ -1754,7 +1755,7 @@
           <a:p>
             <a:fld id="{5C55C9EC-A943-4027-9290-5A7F0DEB51E2}" type="datetimeFigureOut">
               <a:rPr lang="en-US" smtClean="0"/>
-              <a:t>9/11/2022</a:t>
+              <a:t>12/17/2022</a:t>
             </a:fld>
             <a:endParaRPr lang="en-US"/>
           </a:p>
@@ -2019,7 +2020,7 @@
           <a:p>
             <a:fld id="{5C55C9EC-A943-4027-9290-5A7F0DEB51E2}" type="datetimeFigureOut">
               <a:rPr lang="en-US" smtClean="0"/>
-              <a:t>9/11/2022</a:t>
+              <a:t>12/17/2022</a:t>
             </a:fld>
             <a:endParaRPr lang="en-US"/>
           </a:p>
@@ -2431,7 +2432,7 @@
           <a:p>
             <a:fld id="{5C55C9EC-A943-4027-9290-5A7F0DEB51E2}" type="datetimeFigureOut">
               <a:rPr lang="en-US" smtClean="0"/>
-              <a:t>9/11/2022</a:t>
+              <a:t>12/17/2022</a:t>
             </a:fld>
             <a:endParaRPr lang="en-US"/>
           </a:p>
@@ -2572,7 +2573,7 @@
           <a:p>
             <a:fld id="{5C55C9EC-A943-4027-9290-5A7F0DEB51E2}" type="datetimeFigureOut">
               <a:rPr lang="en-US" smtClean="0"/>
-              <a:t>9/11/2022</a:t>
+              <a:t>12/17/2022</a:t>
             </a:fld>
             <a:endParaRPr lang="en-US"/>
           </a:p>
@@ -2685,7 +2686,7 @@
           <a:p>
             <a:fld id="{5C55C9EC-A943-4027-9290-5A7F0DEB51E2}" type="datetimeFigureOut">
               <a:rPr lang="en-US" smtClean="0"/>
-              <a:t>9/11/2022</a:t>
+              <a:t>12/17/2022</a:t>
             </a:fld>
             <a:endParaRPr lang="en-US"/>
           </a:p>
@@ -2996,7 +2997,7 @@
           <a:p>
             <a:fld id="{5C55C9EC-A943-4027-9290-5A7F0DEB51E2}" type="datetimeFigureOut">
               <a:rPr lang="en-US" smtClean="0"/>
-              <a:t>9/11/2022</a:t>
+              <a:t>12/17/2022</a:t>
             </a:fld>
             <a:endParaRPr lang="en-US"/>
           </a:p>
@@ -3196,7 +3197,7 @@
           <a:p>
             <a:fld id="{AAAFDAC1-E73E-4D41-B9D9-D9AB5226AECC}" type="datetimeFigureOut">
               <a:rPr lang="en-IN" smtClean="0"/>
-              <a:t>11-09-2022</a:t>
+              <a:t>17-12-2022</a:t>
             </a:fld>
             <a:endParaRPr lang="en-IN"/>
           </a:p>
@@ -3484,7 +3485,7 @@
           <a:p>
             <a:fld id="{5C55C9EC-A943-4027-9290-5A7F0DEB51E2}" type="datetimeFigureOut">
               <a:rPr lang="en-US" smtClean="0"/>
-              <a:t>9/11/2022</a:t>
+              <a:t>12/17/2022</a:t>
             </a:fld>
             <a:endParaRPr lang="en-US"/>
           </a:p>
@@ -3682,7 +3683,7 @@
           <a:p>
             <a:fld id="{5C55C9EC-A943-4027-9290-5A7F0DEB51E2}" type="datetimeFigureOut">
               <a:rPr lang="en-US" smtClean="0"/>
-              <a:t>9/11/2022</a:t>
+              <a:t>12/17/2022</a:t>
             </a:fld>
             <a:endParaRPr lang="en-US"/>
           </a:p>
@@ -3890,7 +3891,7 @@
           <a:p>
             <a:fld id="{5C55C9EC-A943-4027-9290-5A7F0DEB51E2}" type="datetimeFigureOut">
               <a:rPr lang="en-US" smtClean="0"/>
-              <a:t>9/11/2022</a:t>
+              <a:t>12/17/2022</a:t>
             </a:fld>
             <a:endParaRPr lang="en-US"/>
           </a:p>
@@ -4166,7 +4167,7 @@
           <a:p>
             <a:fld id="{AAAFDAC1-E73E-4D41-B9D9-D9AB5226AECC}" type="datetimeFigureOut">
               <a:rPr lang="en-IN" smtClean="0"/>
-              <a:t>11-09-2022</a:t>
+              <a:t>17-12-2022</a:t>
             </a:fld>
             <a:endParaRPr lang="en-IN"/>
           </a:p>
@@ -4434,7 +4435,7 @@
           <a:p>
             <a:fld id="{AAAFDAC1-E73E-4D41-B9D9-D9AB5226AECC}" type="datetimeFigureOut">
               <a:rPr lang="en-IN" smtClean="0"/>
-              <a:t>11-09-2022</a:t>
+              <a:t>17-12-2022</a:t>
             </a:fld>
             <a:endParaRPr lang="en-IN"/>
           </a:p>
@@ -4849,7 +4850,7 @@
           <a:p>
             <a:fld id="{AAAFDAC1-E73E-4D41-B9D9-D9AB5226AECC}" type="datetimeFigureOut">
               <a:rPr lang="en-IN" smtClean="0"/>
-              <a:t>11-09-2022</a:t>
+              <a:t>17-12-2022</a:t>
             </a:fld>
             <a:endParaRPr lang="en-IN"/>
           </a:p>
@@ -4991,7 +4992,7 @@
           <a:p>
             <a:fld id="{AAAFDAC1-E73E-4D41-B9D9-D9AB5226AECC}" type="datetimeFigureOut">
               <a:rPr lang="en-IN" smtClean="0"/>
-              <a:t>11-09-2022</a:t>
+              <a:t>17-12-2022</a:t>
             </a:fld>
             <a:endParaRPr lang="en-IN"/>
           </a:p>
@@ -5104,7 +5105,7 @@
           <a:p>
             <a:fld id="{AAAFDAC1-E73E-4D41-B9D9-D9AB5226AECC}" type="datetimeFigureOut">
               <a:rPr lang="en-IN" smtClean="0"/>
-              <a:t>11-09-2022</a:t>
+              <a:t>17-12-2022</a:t>
             </a:fld>
             <a:endParaRPr lang="en-IN"/>
           </a:p>
@@ -5417,7 +5418,7 @@
           <a:p>
             <a:fld id="{AAAFDAC1-E73E-4D41-B9D9-D9AB5226AECC}" type="datetimeFigureOut">
               <a:rPr lang="en-IN" smtClean="0"/>
-              <a:t>11-09-2022</a:t>
+              <a:t>17-12-2022</a:t>
             </a:fld>
             <a:endParaRPr lang="en-IN"/>
           </a:p>
@@ -5706,7 +5707,7 @@
           <a:p>
             <a:fld id="{AAAFDAC1-E73E-4D41-B9D9-D9AB5226AECC}" type="datetimeFigureOut">
               <a:rPr lang="en-IN" smtClean="0"/>
-              <a:t>11-09-2022</a:t>
+              <a:t>17-12-2022</a:t>
             </a:fld>
             <a:endParaRPr lang="en-IN"/>
           </a:p>
@@ -5949,7 +5950,7 @@
           <a:p>
             <a:fld id="{AAAFDAC1-E73E-4D41-B9D9-D9AB5226AECC}" type="datetimeFigureOut">
               <a:rPr lang="en-IN" smtClean="0"/>
-              <a:t>11-09-2022</a:t>
+              <a:t>17-12-2022</a:t>
             </a:fld>
             <a:endParaRPr lang="en-IN"/>
           </a:p>
@@ -6517,7 +6518,7 @@
           <a:p>
             <a:fld id="{5C55C9EC-A943-4027-9290-5A7F0DEB51E2}" type="datetimeFigureOut">
               <a:rPr lang="en-US" smtClean="0"/>
-              <a:t>9/11/2022</a:t>
+              <a:t>12/17/2022</a:t>
             </a:fld>
             <a:endParaRPr lang="en-US"/>
           </a:p>
@@ -7480,6 +7481,177 @@
 <file path=ppt/slides/slide10.xml><?xml version="1.0" encoding="utf-8"?>
 <p:sld xmlns:a="http://schemas.openxmlformats.org/drawingml/2006/main" xmlns:r="http://schemas.openxmlformats.org/officeDocument/2006/relationships" xmlns:p="http://schemas.openxmlformats.org/presentationml/2006/main">
   <p:cSld>
+    <p:bg>
+      <p:bgPr>
+        <a:solidFill>
+          <a:schemeClr val="accent5">
+            <a:lumMod val="20000"/>
+            <a:lumOff val="80000"/>
+          </a:schemeClr>
+        </a:solidFill>
+        <a:effectLst/>
+      </p:bgPr>
+    </p:bg>
+    <p:spTree>
+      <p:nvGrpSpPr>
+        <p:cNvPr id="1" name=""/>
+        <p:cNvGrpSpPr/>
+        <p:nvPr/>
+      </p:nvGrpSpPr>
+      <p:grpSpPr>
+        <a:xfrm>
+          <a:off x="0" y="0"/>
+          <a:ext cx="0" cy="0"/>
+          <a:chOff x="0" y="0"/>
+          <a:chExt cx="0" cy="0"/>
+        </a:xfrm>
+      </p:grpSpPr>
+      <p:pic>
+        <p:nvPicPr>
+          <p:cNvPr id="1026" name="Picture 2">
+            <a:extLst>
+              <a:ext uri="{FF2B5EF4-FFF2-40B4-BE49-F238E27FC236}">
+                <a16:creationId xmlns:a16="http://schemas.microsoft.com/office/drawing/2014/main" id="{114AC09B-4FB4-447F-87C2-858B6AE606C0}"/>
+              </a:ext>
+            </a:extLst>
+          </p:cNvPr>
+          <p:cNvPicPr>
+            <a:picLocks noChangeAspect="1" noChangeArrowheads="1"/>
+          </p:cNvPicPr>
+          <p:nvPr/>
+        </p:nvPicPr>
+        <p:blipFill>
+          <a:blip r:embed="rId2">
+            <a:extLst>
+              <a:ext uri="{28A0092B-C50C-407E-A947-70E740481C1C}">
+                <a14:useLocalDpi xmlns:a14="http://schemas.microsoft.com/office/drawing/2010/main" val="0"/>
+              </a:ext>
+            </a:extLst>
+          </a:blip>
+          <a:srcRect/>
+          <a:stretch>
+            <a:fillRect/>
+          </a:stretch>
+        </p:blipFill>
+        <p:spPr bwMode="auto">
+          <a:xfrm>
+            <a:off x="3484995" y="1856682"/>
+            <a:ext cx="2811030" cy="2811030"/>
+          </a:xfrm>
+          <a:prstGeom prst="rect">
+            <a:avLst/>
+          </a:prstGeom>
+          <a:noFill/>
+          <a:extLst>
+            <a:ext uri="{909E8E84-426E-40DD-AFC4-6F175D3DCCD1}">
+              <a14:hiddenFill xmlns:a14="http://schemas.microsoft.com/office/drawing/2010/main">
+                <a:solidFill>
+                  <a:srgbClr val="FFFFFF"/>
+                </a:solidFill>
+              </a14:hiddenFill>
+            </a:ext>
+          </a:extLst>
+        </p:spPr>
+      </p:pic>
+      <p:pic>
+        <p:nvPicPr>
+          <p:cNvPr id="1030" name="Picture 6">
+            <a:extLst>
+              <a:ext uri="{FF2B5EF4-FFF2-40B4-BE49-F238E27FC236}">
+                <a16:creationId xmlns:a16="http://schemas.microsoft.com/office/drawing/2014/main" id="{9280C375-3CEC-43CA-B3C7-267E730B4AAE}"/>
+              </a:ext>
+            </a:extLst>
+          </p:cNvPr>
+          <p:cNvPicPr>
+            <a:picLocks noChangeAspect="1" noChangeArrowheads="1"/>
+          </p:cNvPicPr>
+          <p:nvPr/>
+        </p:nvPicPr>
+        <p:blipFill>
+          <a:blip r:embed="rId3">
+            <a:extLst>
+              <a:ext uri="{28A0092B-C50C-407E-A947-70E740481C1C}">
+                <a14:useLocalDpi xmlns:a14="http://schemas.microsoft.com/office/drawing/2010/main" val="0"/>
+              </a:ext>
+            </a:extLst>
+          </a:blip>
+          <a:srcRect/>
+          <a:stretch>
+            <a:fillRect/>
+          </a:stretch>
+        </p:blipFill>
+        <p:spPr bwMode="auto">
+          <a:xfrm>
+            <a:off x="3726554" y="2102334"/>
+            <a:ext cx="776287" cy="776287"/>
+          </a:xfrm>
+          <a:prstGeom prst="rect">
+            <a:avLst/>
+          </a:prstGeom>
+          <a:noFill/>
+          <a:extLst>
+            <a:ext uri="{909E8E84-426E-40DD-AFC4-6F175D3DCCD1}">
+              <a14:hiddenFill xmlns:a14="http://schemas.microsoft.com/office/drawing/2010/main">
+                <a:solidFill>
+                  <a:srgbClr val="FFFFFF"/>
+                </a:solidFill>
+              </a14:hiddenFill>
+            </a:ext>
+          </a:extLst>
+        </p:spPr>
+      </p:pic>
+      <p:pic>
+        <p:nvPicPr>
+          <p:cNvPr id="9" name="Picture 8">
+            <a:extLst>
+              <a:ext uri="{FF2B5EF4-FFF2-40B4-BE49-F238E27FC236}">
+                <a16:creationId xmlns:a16="http://schemas.microsoft.com/office/drawing/2014/main" id="{A4C4AC82-9F06-4A21-B109-0B897DD9827F}"/>
+              </a:ext>
+            </a:extLst>
+          </p:cNvPr>
+          <p:cNvPicPr>
+            <a:picLocks noChangeAspect="1"/>
+          </p:cNvPicPr>
+          <p:nvPr/>
+        </p:nvPicPr>
+        <p:blipFill>
+          <a:blip r:embed="rId4">
+            <a:extLst>
+              <a:ext uri="{28A0092B-C50C-407E-A947-70E740481C1C}">
+                <a14:useLocalDpi xmlns:a14="http://schemas.microsoft.com/office/drawing/2010/main" val="0"/>
+              </a:ext>
+            </a:extLst>
+          </a:blip>
+          <a:stretch>
+            <a:fillRect/>
+          </a:stretch>
+        </p:blipFill>
+        <p:spPr>
+          <a:xfrm>
+            <a:off x="5543550" y="3943350"/>
+            <a:ext cx="304800" cy="304800"/>
+          </a:xfrm>
+          <a:prstGeom prst="rect">
+            <a:avLst/>
+          </a:prstGeom>
+        </p:spPr>
+      </p:pic>
+    </p:spTree>
+    <p:extLst>
+      <p:ext uri="{BB962C8B-B14F-4D97-AF65-F5344CB8AC3E}">
+        <p14:creationId xmlns:p14="http://schemas.microsoft.com/office/powerpoint/2010/main" val="2364268692"/>
+      </p:ext>
+    </p:extLst>
+  </p:cSld>
+  <p:clrMapOvr>
+    <a:masterClrMapping/>
+  </p:clrMapOvr>
+</p:sld>
+</file>
+
+<file path=ppt/slides/slide11.xml><?xml version="1.0" encoding="utf-8"?>
+<p:sld xmlns:a="http://schemas.openxmlformats.org/drawingml/2006/main" xmlns:r="http://schemas.openxmlformats.org/officeDocument/2006/relationships" xmlns:p="http://schemas.openxmlformats.org/presentationml/2006/main">
+  <p:cSld>
     <p:spTree>
       <p:nvGrpSpPr>
         <p:cNvPr id="1" name=""/>
@@ -9296,7 +9468,7 @@
 </p:sld>
 </file>
 
-<file path=ppt/slides/slide11.xml><?xml version="1.0" encoding="utf-8"?>
+<file path=ppt/slides/slide12.xml><?xml version="1.0" encoding="utf-8"?>
 <p:sld xmlns:a="http://schemas.openxmlformats.org/drawingml/2006/main" xmlns:r="http://schemas.openxmlformats.org/officeDocument/2006/relationships" xmlns:p="http://schemas.openxmlformats.org/presentationml/2006/main">
   <p:cSld>
     <p:spTree>
@@ -11000,514 +11172,6 @@
     <p:extLst>
       <p:ext uri="{BB962C8B-B14F-4D97-AF65-F5344CB8AC3E}">
         <p14:creationId xmlns:p14="http://schemas.microsoft.com/office/powerpoint/2010/main" val="3440689209"/>
-      </p:ext>
-    </p:extLst>
-  </p:cSld>
-  <p:clrMapOvr>
-    <a:masterClrMapping/>
-  </p:clrMapOvr>
-</p:sld>
-</file>
-
-<file path=ppt/slides/slide12.xml><?xml version="1.0" encoding="utf-8"?>
-<p:sld xmlns:a="http://schemas.openxmlformats.org/drawingml/2006/main" xmlns:r="http://schemas.openxmlformats.org/officeDocument/2006/relationships" xmlns:p="http://schemas.openxmlformats.org/presentationml/2006/main">
-  <p:cSld>
-    <p:spTree>
-      <p:nvGrpSpPr>
-        <p:cNvPr id="1" name=""/>
-        <p:cNvGrpSpPr/>
-        <p:nvPr/>
-      </p:nvGrpSpPr>
-      <p:grpSpPr>
-        <a:xfrm>
-          <a:off x="0" y="0"/>
-          <a:ext cx="0" cy="0"/>
-          <a:chOff x="0" y="0"/>
-          <a:chExt cx="0" cy="0"/>
-        </a:xfrm>
-      </p:grpSpPr>
-      <p:sp>
-        <p:nvSpPr>
-          <p:cNvPr id="4" name="Rectangle 3">
-            <a:extLst>
-              <a:ext uri="{FF2B5EF4-FFF2-40B4-BE49-F238E27FC236}">
-                <a16:creationId xmlns:a16="http://schemas.microsoft.com/office/drawing/2014/main" id="{055C22F7-3FD1-4C1B-8D0C-0C2F7FB61DBE}"/>
-              </a:ext>
-            </a:extLst>
-          </p:cNvPr>
-          <p:cNvSpPr/>
-          <p:nvPr/>
-        </p:nvSpPr>
-        <p:spPr>
-          <a:xfrm>
-            <a:off x="0" y="8878"/>
-            <a:ext cx="12183122" cy="497150"/>
-          </a:xfrm>
-          <a:prstGeom prst="rect">
-            <a:avLst/>
-          </a:prstGeom>
-          <a:solidFill>
-            <a:srgbClr val="0070C0"/>
-          </a:solidFill>
-        </p:spPr>
-        <p:style>
-          <a:lnRef idx="2">
-            <a:schemeClr val="accent1">
-              <a:shade val="50000"/>
-            </a:schemeClr>
-          </a:lnRef>
-          <a:fillRef idx="1">
-            <a:schemeClr val="accent1"/>
-          </a:fillRef>
-          <a:effectRef idx="0">
-            <a:schemeClr val="accent1"/>
-          </a:effectRef>
-          <a:fontRef idx="minor">
-            <a:schemeClr val="lt1"/>
-          </a:fontRef>
-        </p:style>
-        <p:txBody>
-          <a:bodyPr rtlCol="0" anchor="ctr"/>
-          <a:lstStyle/>
-          <a:p>
-            <a:pPr algn="ctr"/>
-            <a:r>
-              <a:rPr lang="en-US" b="1" dirty="0">
-                <a:latin typeface="Verdana" panose="020B0604030504040204" pitchFamily="34" charset="0"/>
-                <a:ea typeface="Verdana" panose="020B0604030504040204" pitchFamily="34" charset="0"/>
-              </a:rPr>
-              <a:t>Information</a:t>
-            </a:r>
-            <a:endParaRPr lang="en-IN" b="1" dirty="0">
-              <a:latin typeface="Verdana" panose="020B0604030504040204" pitchFamily="34" charset="0"/>
-              <a:ea typeface="Verdana" panose="020B0604030504040204" pitchFamily="34" charset="0"/>
-            </a:endParaRPr>
-          </a:p>
-        </p:txBody>
-      </p:sp>
-      <p:sp>
-        <p:nvSpPr>
-          <p:cNvPr id="7" name="Rectangle 6">
-            <a:extLst>
-              <a:ext uri="{FF2B5EF4-FFF2-40B4-BE49-F238E27FC236}">
-                <a16:creationId xmlns:a16="http://schemas.microsoft.com/office/drawing/2014/main" id="{B10720DE-FD2A-4FE5-B9FB-74854D01A659}"/>
-              </a:ext>
-            </a:extLst>
-          </p:cNvPr>
-          <p:cNvSpPr/>
-          <p:nvPr/>
-        </p:nvSpPr>
-        <p:spPr>
-          <a:xfrm>
-            <a:off x="0" y="3915050"/>
-            <a:ext cx="12183122" cy="57703"/>
-          </a:xfrm>
-          <a:prstGeom prst="rect">
-            <a:avLst/>
-          </a:prstGeom>
-          <a:solidFill>
-            <a:srgbClr val="0070C0"/>
-          </a:solidFill>
-        </p:spPr>
-        <p:style>
-          <a:lnRef idx="2">
-            <a:schemeClr val="accent1">
-              <a:shade val="50000"/>
-            </a:schemeClr>
-          </a:lnRef>
-          <a:fillRef idx="1">
-            <a:schemeClr val="accent1"/>
-          </a:fillRef>
-          <a:effectRef idx="0">
-            <a:schemeClr val="accent1"/>
-          </a:effectRef>
-          <a:fontRef idx="minor">
-            <a:schemeClr val="lt1"/>
-          </a:fontRef>
-        </p:style>
-        <p:txBody>
-          <a:bodyPr rtlCol="0" anchor="ctr"/>
-          <a:lstStyle/>
-          <a:p>
-            <a:pPr algn="ctr"/>
-            <a:endParaRPr lang="en-IN" sz="1000" dirty="0">
-              <a:latin typeface="Verdana" panose="020B0604030504040204" pitchFamily="34" charset="0"/>
-              <a:ea typeface="Verdana" panose="020B0604030504040204" pitchFamily="34" charset="0"/>
-            </a:endParaRPr>
-          </a:p>
-        </p:txBody>
-      </p:sp>
-      <p:sp>
-        <p:nvSpPr>
-          <p:cNvPr id="8" name="Footer Placeholder 7">
-            <a:extLst>
-              <a:ext uri="{FF2B5EF4-FFF2-40B4-BE49-F238E27FC236}">
-                <a16:creationId xmlns:a16="http://schemas.microsoft.com/office/drawing/2014/main" id="{DD2A19CA-EC18-432D-8F8F-17079808F38B}"/>
-              </a:ext>
-            </a:extLst>
-          </p:cNvPr>
-          <p:cNvSpPr>
-            <a:spLocks noGrp="1"/>
-          </p:cNvSpPr>
-          <p:nvPr>
-            <p:ph type="ftr" sz="quarter" idx="11"/>
-          </p:nvPr>
-        </p:nvSpPr>
-        <p:spPr>
-          <a:xfrm>
-            <a:off x="4038600" y="3959378"/>
-            <a:ext cx="4114800" cy="365125"/>
-          </a:xfrm>
-        </p:spPr>
-        <p:txBody>
-          <a:bodyPr/>
-          <a:lstStyle/>
-          <a:p>
-            <a:r>
-              <a:rPr lang="en-IN" b="1" dirty="0">
-                <a:solidFill>
-                  <a:srgbClr val="002060"/>
-                </a:solidFill>
-                <a:latin typeface="Verdana" panose="020B0604030504040204" pitchFamily="34" charset="0"/>
-                <a:ea typeface="Verdana" panose="020B0604030504040204" pitchFamily="34" charset="0"/>
-              </a:rPr>
-              <a:t>29-Sep-2021</a:t>
-            </a:r>
-          </a:p>
-        </p:txBody>
-      </p:sp>
-      <p:sp>
-        <p:nvSpPr>
-          <p:cNvPr id="9" name="Slide Number Placeholder 8">
-            <a:extLst>
-              <a:ext uri="{FF2B5EF4-FFF2-40B4-BE49-F238E27FC236}">
-                <a16:creationId xmlns:a16="http://schemas.microsoft.com/office/drawing/2014/main" id="{8162625C-0B1F-42E0-BE7C-D99A08FED7A3}"/>
-              </a:ext>
-            </a:extLst>
-          </p:cNvPr>
-          <p:cNvSpPr>
-            <a:spLocks noGrp="1"/>
-          </p:cNvSpPr>
-          <p:nvPr>
-            <p:ph type="sldNum" sz="quarter" idx="12"/>
-          </p:nvPr>
-        </p:nvSpPr>
-        <p:spPr>
-          <a:xfrm>
-            <a:off x="8610600" y="3959378"/>
-            <a:ext cx="2743200" cy="365125"/>
-          </a:xfrm>
-        </p:spPr>
-        <p:txBody>
-          <a:bodyPr/>
-          <a:lstStyle/>
-          <a:p>
-            <a:r>
-              <a:rPr lang="en-IN" b="1" dirty="0">
-                <a:solidFill>
-                  <a:srgbClr val="002060"/>
-                </a:solidFill>
-                <a:latin typeface="Verdana" panose="020B0604030504040204" pitchFamily="34" charset="0"/>
-                <a:ea typeface="Verdana" panose="020B0604030504040204" pitchFamily="34" charset="0"/>
-              </a:rPr>
-              <a:t>1</a:t>
-            </a:r>
-          </a:p>
-        </p:txBody>
-      </p:sp>
-      <p:sp>
-        <p:nvSpPr>
-          <p:cNvPr id="12" name="Footer Placeholder 7">
-            <a:extLst>
-              <a:ext uri="{FF2B5EF4-FFF2-40B4-BE49-F238E27FC236}">
-                <a16:creationId xmlns:a16="http://schemas.microsoft.com/office/drawing/2014/main" id="{64C57949-E349-47D3-A505-A098233AF49D}"/>
-              </a:ext>
-            </a:extLst>
-          </p:cNvPr>
-          <p:cNvSpPr txBox="1">
-            <a:spLocks/>
-          </p:cNvSpPr>
-          <p:nvPr/>
-        </p:nvSpPr>
-        <p:spPr>
-          <a:xfrm>
-            <a:off x="133897" y="3960852"/>
-            <a:ext cx="4114800" cy="365125"/>
-          </a:xfrm>
-          <a:prstGeom prst="rect">
-            <a:avLst/>
-          </a:prstGeom>
-        </p:spPr>
-        <p:txBody>
-          <a:bodyPr vert="horz" lIns="91440" tIns="45720" rIns="91440" bIns="45720" rtlCol="0" anchor="ctr"/>
-          <a:lstStyle>
-            <a:defPPr>
-              <a:defRPr lang="en-US"/>
-            </a:defPPr>
-            <a:lvl1pPr marL="0" algn="ctr" defTabSz="914400" rtl="0" eaLnBrk="1" latinLnBrk="0" hangingPunct="1">
-              <a:defRPr sz="1200" kern="1200">
-                <a:solidFill>
-                  <a:schemeClr val="tx1">
-                    <a:tint val="75000"/>
-                  </a:schemeClr>
-                </a:solidFill>
-                <a:latin typeface="+mn-lt"/>
-                <a:ea typeface="+mn-ea"/>
-                <a:cs typeface="+mn-cs"/>
-              </a:defRPr>
-            </a:lvl1pPr>
-            <a:lvl2pPr marL="457200" algn="l" defTabSz="914400" rtl="0" eaLnBrk="1" latinLnBrk="0" hangingPunct="1">
-              <a:defRPr sz="1800" kern="1200">
-                <a:solidFill>
-                  <a:schemeClr val="tx1"/>
-                </a:solidFill>
-                <a:latin typeface="+mn-lt"/>
-                <a:ea typeface="+mn-ea"/>
-                <a:cs typeface="+mn-cs"/>
-              </a:defRPr>
-            </a:lvl2pPr>
-            <a:lvl3pPr marL="914400" algn="l" defTabSz="914400" rtl="0" eaLnBrk="1" latinLnBrk="0" hangingPunct="1">
-              <a:defRPr sz="1800" kern="1200">
-                <a:solidFill>
-                  <a:schemeClr val="tx1"/>
-                </a:solidFill>
-                <a:latin typeface="+mn-lt"/>
-                <a:ea typeface="+mn-ea"/>
-                <a:cs typeface="+mn-cs"/>
-              </a:defRPr>
-            </a:lvl3pPr>
-            <a:lvl4pPr marL="1371600" algn="l" defTabSz="914400" rtl="0" eaLnBrk="1" latinLnBrk="0" hangingPunct="1">
-              <a:defRPr sz="1800" kern="1200">
-                <a:solidFill>
-                  <a:schemeClr val="tx1"/>
-                </a:solidFill>
-                <a:latin typeface="+mn-lt"/>
-                <a:ea typeface="+mn-ea"/>
-                <a:cs typeface="+mn-cs"/>
-              </a:defRPr>
-            </a:lvl4pPr>
-            <a:lvl5pPr marL="1828800" algn="l" defTabSz="914400" rtl="0" eaLnBrk="1" latinLnBrk="0" hangingPunct="1">
-              <a:defRPr sz="1800" kern="1200">
-                <a:solidFill>
-                  <a:schemeClr val="tx1"/>
-                </a:solidFill>
-                <a:latin typeface="+mn-lt"/>
-                <a:ea typeface="+mn-ea"/>
-                <a:cs typeface="+mn-cs"/>
-              </a:defRPr>
-            </a:lvl5pPr>
-            <a:lvl6pPr marL="2286000" algn="l" defTabSz="914400" rtl="0" eaLnBrk="1" latinLnBrk="0" hangingPunct="1">
-              <a:defRPr sz="1800" kern="1200">
-                <a:solidFill>
-                  <a:schemeClr val="tx1"/>
-                </a:solidFill>
-                <a:latin typeface="+mn-lt"/>
-                <a:ea typeface="+mn-ea"/>
-                <a:cs typeface="+mn-cs"/>
-              </a:defRPr>
-            </a:lvl6pPr>
-            <a:lvl7pPr marL="2743200" algn="l" defTabSz="914400" rtl="0" eaLnBrk="1" latinLnBrk="0" hangingPunct="1">
-              <a:defRPr sz="1800" kern="1200">
-                <a:solidFill>
-                  <a:schemeClr val="tx1"/>
-                </a:solidFill>
-                <a:latin typeface="+mn-lt"/>
-                <a:ea typeface="+mn-ea"/>
-                <a:cs typeface="+mn-cs"/>
-              </a:defRPr>
-            </a:lvl7pPr>
-            <a:lvl8pPr marL="3200400" algn="l" defTabSz="914400" rtl="0" eaLnBrk="1" latinLnBrk="0" hangingPunct="1">
-              <a:defRPr sz="1800" kern="1200">
-                <a:solidFill>
-                  <a:schemeClr val="tx1"/>
-                </a:solidFill>
-                <a:latin typeface="+mn-lt"/>
-                <a:ea typeface="+mn-ea"/>
-                <a:cs typeface="+mn-cs"/>
-              </a:defRPr>
-            </a:lvl8pPr>
-            <a:lvl9pPr marL="3657600" algn="l" defTabSz="914400" rtl="0" eaLnBrk="1" latinLnBrk="0" hangingPunct="1">
-              <a:defRPr sz="1800" kern="1200">
-                <a:solidFill>
-                  <a:schemeClr val="tx1"/>
-                </a:solidFill>
-                <a:latin typeface="+mn-lt"/>
-                <a:ea typeface="+mn-ea"/>
-                <a:cs typeface="+mn-cs"/>
-              </a:defRPr>
-            </a:lvl9pPr>
-          </a:lstStyle>
-          <a:p>
-            <a:r>
-              <a:rPr lang="en-IN" b="1" dirty="0">
-                <a:solidFill>
-                  <a:srgbClr val="002060"/>
-                </a:solidFill>
-                <a:latin typeface="Verdana" panose="020B0604030504040204" pitchFamily="34" charset="0"/>
-                <a:ea typeface="Verdana" panose="020B0604030504040204" pitchFamily="34" charset="0"/>
-              </a:rPr>
-              <a:t>Microsoft Reactor Bengaluru</a:t>
-            </a:r>
-          </a:p>
-        </p:txBody>
-      </p:sp>
-      <p:sp>
-        <p:nvSpPr>
-          <p:cNvPr id="10" name="TextBox 9">
-            <a:extLst>
-              <a:ext uri="{FF2B5EF4-FFF2-40B4-BE49-F238E27FC236}">
-                <a16:creationId xmlns:a16="http://schemas.microsoft.com/office/drawing/2014/main" id="{19953791-0C49-4113-A95A-639979BFF9A6}"/>
-              </a:ext>
-            </a:extLst>
-          </p:cNvPr>
-          <p:cNvSpPr txBox="1"/>
-          <p:nvPr/>
-        </p:nvSpPr>
-        <p:spPr>
-          <a:xfrm>
-            <a:off x="80629" y="557824"/>
-            <a:ext cx="12037390" cy="2800062"/>
-          </a:xfrm>
-          <a:prstGeom prst="rect">
-            <a:avLst/>
-          </a:prstGeom>
-          <a:noFill/>
-        </p:spPr>
-        <p:txBody>
-          <a:bodyPr wrap="square" rtlCol="0">
-            <a:spAutoFit/>
-          </a:bodyPr>
-          <a:lstStyle/>
-          <a:p>
-            <a:pPr marL="628650" lvl="1" indent="-171450">
-              <a:lnSpc>
-                <a:spcPct val="150000"/>
-              </a:lnSpc>
-              <a:buFont typeface="Wingdings" panose="05000000000000000000" pitchFamily="2" charset="2"/>
-              <a:buChar char="Ø"/>
-            </a:pPr>
-            <a:r>
-              <a:rPr lang="en-US" sz="2000" dirty="0">
-                <a:solidFill>
-                  <a:srgbClr val="002060"/>
-                </a:solidFill>
-                <a:latin typeface="Verdana" panose="020B0604030504040204" pitchFamily="34" charset="0"/>
-                <a:ea typeface="Verdana" panose="020B0604030504040204" pitchFamily="34" charset="0"/>
-              </a:rPr>
-              <a:t> All the sessions will be hands on.</a:t>
-            </a:r>
-          </a:p>
-          <a:p>
-            <a:pPr marL="628650" lvl="1" indent="-171450">
-              <a:lnSpc>
-                <a:spcPct val="150000"/>
-              </a:lnSpc>
-              <a:buFont typeface="Wingdings" panose="05000000000000000000" pitchFamily="2" charset="2"/>
-              <a:buChar char="Ø"/>
-            </a:pPr>
-            <a:r>
-              <a:rPr lang="en-US" sz="2000" dirty="0">
-                <a:solidFill>
-                  <a:srgbClr val="002060"/>
-                </a:solidFill>
-                <a:latin typeface="Verdana" panose="020B0604030504040204" pitchFamily="34" charset="0"/>
-                <a:ea typeface="Verdana" panose="020B0604030504040204" pitchFamily="34" charset="0"/>
-              </a:rPr>
-              <a:t> Will have parking lots for queries and other topics.</a:t>
-            </a:r>
-          </a:p>
-          <a:p>
-            <a:pPr marL="628650" lvl="1" indent="-171450">
-              <a:lnSpc>
-                <a:spcPct val="150000"/>
-              </a:lnSpc>
-              <a:buFont typeface="Wingdings" panose="05000000000000000000" pitchFamily="2" charset="2"/>
-              <a:buChar char="Ø"/>
-            </a:pPr>
-            <a:r>
-              <a:rPr lang="en-US" sz="2000" dirty="0">
-                <a:solidFill>
-                  <a:srgbClr val="002060"/>
-                </a:solidFill>
-                <a:latin typeface="Verdana" panose="020B0604030504040204" pitchFamily="34" charset="0"/>
-                <a:ea typeface="Verdana" panose="020B0604030504040204" pitchFamily="34" charset="0"/>
-              </a:rPr>
-              <a:t> Some of the concepts we will introduced and revisited in next sessions.</a:t>
-            </a:r>
-          </a:p>
-          <a:p>
-            <a:pPr marL="628650" lvl="1" indent="-171450">
-              <a:lnSpc>
-                <a:spcPct val="150000"/>
-              </a:lnSpc>
-              <a:buFont typeface="Wingdings" panose="05000000000000000000" pitchFamily="2" charset="2"/>
-              <a:buChar char="Ø"/>
-            </a:pPr>
-            <a:r>
-              <a:rPr lang="en-US" sz="2000" dirty="0">
-                <a:solidFill>
-                  <a:srgbClr val="002060"/>
-                </a:solidFill>
-                <a:latin typeface="Verdana" panose="020B0604030504040204" pitchFamily="34" charset="0"/>
-                <a:ea typeface="Verdana" panose="020B0604030504040204" pitchFamily="34" charset="0"/>
-              </a:rPr>
-              <a:t> There are multiple ways to do, we will use one of the ways.</a:t>
-            </a:r>
-          </a:p>
-          <a:p>
-            <a:pPr marL="628650" lvl="1" indent="-171450">
-              <a:lnSpc>
-                <a:spcPct val="150000"/>
-              </a:lnSpc>
-              <a:buFont typeface="Wingdings" panose="05000000000000000000" pitchFamily="2" charset="2"/>
-              <a:buChar char="Ø"/>
-            </a:pPr>
-            <a:r>
-              <a:rPr lang="en-US" sz="2000" dirty="0">
-                <a:solidFill>
-                  <a:srgbClr val="002060"/>
-                </a:solidFill>
-                <a:latin typeface="Verdana" panose="020B0604030504040204" pitchFamily="34" charset="0"/>
-                <a:ea typeface="Verdana" panose="020B0604030504040204" pitchFamily="34" charset="0"/>
-              </a:rPr>
-              <a:t> The focus was more on concepts and demos are kept simple. </a:t>
-            </a:r>
-          </a:p>
-          <a:p>
-            <a:pPr marL="628650" lvl="1" indent="-171450">
-              <a:lnSpc>
-                <a:spcPct val="150000"/>
-              </a:lnSpc>
-              <a:buFont typeface="Wingdings" panose="05000000000000000000" pitchFamily="2" charset="2"/>
-              <a:buChar char="Ø"/>
-            </a:pPr>
-            <a:r>
-              <a:rPr lang="en-US" sz="2000" dirty="0">
-                <a:solidFill>
-                  <a:srgbClr val="00B0F0"/>
-                </a:solidFill>
-                <a:latin typeface="Verdana" panose="020B0604030504040204" pitchFamily="34" charset="0"/>
-                <a:ea typeface="Verdana" panose="020B0604030504040204" pitchFamily="34" charset="0"/>
-              </a:rPr>
-              <a:t> </a:t>
-            </a:r>
-            <a:r>
-              <a:rPr lang="en-US" sz="2000" dirty="0">
-                <a:solidFill>
-                  <a:srgbClr val="0070C0"/>
-                </a:solidFill>
-                <a:latin typeface="Verdana" panose="020B0604030504040204" pitchFamily="34" charset="0"/>
-                <a:ea typeface="Verdana" panose="020B0604030504040204" pitchFamily="34" charset="0"/>
-              </a:rPr>
-              <a:t>I am still a learner. What!!! … wait … Yes, I am still a learner.</a:t>
-            </a:r>
-          </a:p>
-        </p:txBody>
-      </p:sp>
-    </p:spTree>
-    <p:extLst>
-      <p:ext uri="{BB962C8B-B14F-4D97-AF65-F5344CB8AC3E}">
-        <p14:creationId xmlns:p14="http://schemas.microsoft.com/office/powerpoint/2010/main" val="3396452104"/>
       </p:ext>
     </p:extLst>
   </p:cSld>
@@ -11679,7 +11343,7 @@
                 <a:latin typeface="Verdana" panose="020B0604030504040204" pitchFamily="34" charset="0"/>
                 <a:ea typeface="Verdana" panose="020B0604030504040204" pitchFamily="34" charset="0"/>
               </a:rPr>
-              <a:t>23-Oct-2021</a:t>
+              <a:t>29-Sep-2021</a:t>
             </a:r>
           </a:p>
         </p:txBody>
@@ -11854,7 +11518,7 @@
                 <a:latin typeface="Verdana" panose="020B0604030504040204" pitchFamily="34" charset="0"/>
                 <a:ea typeface="Verdana" panose="020B0604030504040204" pitchFamily="34" charset="0"/>
               </a:rPr>
-              <a:t>Power Platform Classmates</a:t>
+              <a:t>Microsoft Reactor Bengaluru</a:t>
             </a:r>
           </a:p>
         </p:txBody>
@@ -11897,22 +11561,12 @@
             <a:r>
               <a:rPr lang="en-US" sz="2000" dirty="0">
                 <a:solidFill>
-                  <a:srgbClr val="0070C0"/>
+                  <a:srgbClr val="002060"/>
                 </a:solidFill>
                 <a:latin typeface="Verdana" panose="020B0604030504040204" pitchFamily="34" charset="0"/>
                 <a:ea typeface="Verdana" panose="020B0604030504040204" pitchFamily="34" charset="0"/>
               </a:rPr>
-              <a:t> I am still a learner. What!!! … Yes, I am still a learner. Apologize if I do any mistake.</a:t>
-            </a:r>
-            <a:r>
-              <a:rPr lang="en-US" sz="2000" dirty="0">
-                <a:solidFill>
-                  <a:srgbClr val="002060"/>
-                </a:solidFill>
-                <a:latin typeface="Verdana" panose="020B0604030504040204" pitchFamily="34" charset="0"/>
-                <a:ea typeface="Verdana" panose="020B0604030504040204" pitchFamily="34" charset="0"/>
-              </a:rPr>
-              <a:t> </a:t>
+              <a:t> All the sessions will be hands on.</a:t>
             </a:r>
           </a:p>
           <a:p>
@@ -11931,7 +11585,7 @@
                 <a:latin typeface="Verdana" panose="020B0604030504040204" pitchFamily="34" charset="0"/>
                 <a:ea typeface="Verdana" panose="020B0604030504040204" pitchFamily="34" charset="0"/>
               </a:rPr>
-              <a:t> All the sessions will be hands on.</a:t>
+              <a:t> Will have parking lots for queries and other topics.</a:t>
             </a:r>
           </a:p>
           <a:p>
@@ -11950,7 +11604,7 @@
                 <a:latin typeface="Verdana" panose="020B0604030504040204" pitchFamily="34" charset="0"/>
                 <a:ea typeface="Verdana" panose="020B0604030504040204" pitchFamily="34" charset="0"/>
               </a:rPr>
-              <a:t> Will have parking lots for queries and other topics.</a:t>
+              <a:t> Some of the concepts we will introduced and revisited in next sessions.</a:t>
             </a:r>
           </a:p>
           <a:p>
@@ -11969,7 +11623,7 @@
                 <a:latin typeface="Verdana" panose="020B0604030504040204" pitchFamily="34" charset="0"/>
                 <a:ea typeface="Verdana" panose="020B0604030504040204" pitchFamily="34" charset="0"/>
               </a:rPr>
-              <a:t> Some of the concepts we will introduced and revisited in next sessions.</a:t>
+              <a:t> There are multiple ways to do, we will use one of the ways.</a:t>
             </a:r>
           </a:p>
           <a:p>
@@ -11988,7 +11642,7 @@
                 <a:latin typeface="Verdana" panose="020B0604030504040204" pitchFamily="34" charset="0"/>
                 <a:ea typeface="Verdana" panose="020B0604030504040204" pitchFamily="34" charset="0"/>
               </a:rPr>
-              <a:t> There are multiple ways to do, we will use one of the ways.</a:t>
+              <a:t> The focus was more on concepts and demos are kept simple. </a:t>
             </a:r>
           </a:p>
           <a:p>
@@ -12002,12 +11656,22 @@
             <a:r>
               <a:rPr lang="en-US" sz="2000" dirty="0">
                 <a:solidFill>
-                  <a:srgbClr val="002060"/>
+                  <a:srgbClr val="00B0F0"/>
                 </a:solidFill>
                 <a:latin typeface="Verdana" panose="020B0604030504040204" pitchFamily="34" charset="0"/>
                 <a:ea typeface="Verdana" panose="020B0604030504040204" pitchFamily="34" charset="0"/>
               </a:rPr>
-              <a:t> The focus was more on concepts and demos are kept simple. </a:t>
+              <a:t> </a:t>
+            </a:r>
+            <a:r>
+              <a:rPr lang="en-US" sz="2000" dirty="0">
+                <a:solidFill>
+                  <a:srgbClr val="0070C0"/>
+                </a:solidFill>
+                <a:latin typeface="Verdana" panose="020B0604030504040204" pitchFamily="34" charset="0"/>
+                <a:ea typeface="Verdana" panose="020B0604030504040204" pitchFamily="34" charset="0"/>
+              </a:rPr>
+              <a:t>I am still a learner. What!!! … wait … Yes, I am still a learner.</a:t>
             </a:r>
           </a:p>
         </p:txBody>
@@ -12015,7 +11679,7 @@
     </p:spTree>
     <p:extLst>
       <p:ext uri="{BB962C8B-B14F-4D97-AF65-F5344CB8AC3E}">
-        <p14:creationId xmlns:p14="http://schemas.microsoft.com/office/powerpoint/2010/main" val="979920044"/>
+        <p14:creationId xmlns:p14="http://schemas.microsoft.com/office/powerpoint/2010/main" val="3396452104"/>
       </p:ext>
     </p:extLst>
   </p:cSld>
@@ -12187,7 +11851,7 @@
                 <a:latin typeface="Verdana" panose="020B0604030504040204" pitchFamily="34" charset="0"/>
                 <a:ea typeface="Verdana" panose="020B0604030504040204" pitchFamily="34" charset="0"/>
               </a:rPr>
-              <a:t>17-Apr-2021</a:t>
+              <a:t>23-Oct-2021</a:t>
             </a:r>
           </a:p>
         </p:txBody>
@@ -12362,7 +12026,7 @@
                 <a:latin typeface="Verdana" panose="020B0604030504040204" pitchFamily="34" charset="0"/>
                 <a:ea typeface="Verdana" panose="020B0604030504040204" pitchFamily="34" charset="0"/>
               </a:rPr>
-              <a:t>Global Azure 2021 - India</a:t>
+              <a:t>Power Platform Classmates</a:t>
             </a:r>
           </a:p>
         </p:txBody>
@@ -12405,12 +12069,22 @@
             <a:r>
               <a:rPr lang="en-US" sz="2000" dirty="0">
                 <a:solidFill>
-                  <a:srgbClr val="002060"/>
+                  <a:srgbClr val="0070C0"/>
                 </a:solidFill>
                 <a:latin typeface="Verdana" panose="020B0604030504040204" pitchFamily="34" charset="0"/>
                 <a:ea typeface="Verdana" panose="020B0604030504040204" pitchFamily="34" charset="0"/>
               </a:rPr>
-              <a:t> All the sessions will be hands on.</a:t>
+              <a:t> I am still a learner. What!!! … Yes, I am still a learner. Apologize if I do any mistake.</a:t>
+            </a:r>
+            <a:r>
+              <a:rPr lang="en-US" sz="2000" dirty="0">
+                <a:solidFill>
+                  <a:srgbClr val="002060"/>
+                </a:solidFill>
+                <a:latin typeface="Verdana" panose="020B0604030504040204" pitchFamily="34" charset="0"/>
+                <a:ea typeface="Verdana" panose="020B0604030504040204" pitchFamily="34" charset="0"/>
+              </a:rPr>
+              <a:t> </a:t>
             </a:r>
           </a:p>
           <a:p>
@@ -12429,7 +12103,7 @@
                 <a:latin typeface="Verdana" panose="020B0604030504040204" pitchFamily="34" charset="0"/>
                 <a:ea typeface="Verdana" panose="020B0604030504040204" pitchFamily="34" charset="0"/>
               </a:rPr>
-              <a:t> Will have parking lots for queries and other topics.</a:t>
+              <a:t> All the sessions will be hands on.</a:t>
             </a:r>
           </a:p>
           <a:p>
@@ -12448,7 +12122,7 @@
                 <a:latin typeface="Verdana" panose="020B0604030504040204" pitchFamily="34" charset="0"/>
                 <a:ea typeface="Verdana" panose="020B0604030504040204" pitchFamily="34" charset="0"/>
               </a:rPr>
-              <a:t> Some of the concepts we will introduced and revisited in next sessions.</a:t>
+              <a:t> Will have parking lots for queries and other topics.</a:t>
             </a:r>
           </a:p>
           <a:p>
@@ -12467,7 +12141,7 @@
                 <a:latin typeface="Verdana" panose="020B0604030504040204" pitchFamily="34" charset="0"/>
                 <a:ea typeface="Verdana" panose="020B0604030504040204" pitchFamily="34" charset="0"/>
               </a:rPr>
-              <a:t> There are multiple ways to do, we will use one of the ways.</a:t>
+              <a:t> Some of the concepts we will introduced and revisited in next sessions.</a:t>
             </a:r>
           </a:p>
           <a:p>
@@ -12486,7 +12160,7 @@
                 <a:latin typeface="Verdana" panose="020B0604030504040204" pitchFamily="34" charset="0"/>
                 <a:ea typeface="Verdana" panose="020B0604030504040204" pitchFamily="34" charset="0"/>
               </a:rPr>
-              <a:t> The focus was more on concepts and demos are kept simple. </a:t>
+              <a:t> There are multiple ways to do, we will use one of the ways.</a:t>
             </a:r>
           </a:p>
           <a:p>
@@ -12500,22 +12174,12 @@
             <a:r>
               <a:rPr lang="en-US" sz="2000" dirty="0">
                 <a:solidFill>
-                  <a:srgbClr val="00B0F0"/>
+                  <a:srgbClr val="002060"/>
                 </a:solidFill>
                 <a:latin typeface="Verdana" panose="020B0604030504040204" pitchFamily="34" charset="0"/>
                 <a:ea typeface="Verdana" panose="020B0604030504040204" pitchFamily="34" charset="0"/>
               </a:rPr>
-              <a:t> </a:t>
-            </a:r>
-            <a:r>
-              <a:rPr lang="en-US" sz="2000" dirty="0">
-                <a:solidFill>
-                  <a:srgbClr val="0070C0"/>
-                </a:solidFill>
-                <a:latin typeface="Verdana" panose="020B0604030504040204" pitchFamily="34" charset="0"/>
-                <a:ea typeface="Verdana" panose="020B0604030504040204" pitchFamily="34" charset="0"/>
-              </a:rPr>
-              <a:t>I am still a learner. What!!! … wait … Yes, I am still a learner.</a:t>
+              <a:t> The focus was more on concepts and demos are kept simple. </a:t>
             </a:r>
           </a:p>
         </p:txBody>
@@ -12523,7 +12187,7 @@
     </p:spTree>
     <p:extLst>
       <p:ext uri="{BB962C8B-B14F-4D97-AF65-F5344CB8AC3E}">
-        <p14:creationId xmlns:p14="http://schemas.microsoft.com/office/powerpoint/2010/main" val="787546932"/>
+        <p14:creationId xmlns:p14="http://schemas.microsoft.com/office/powerpoint/2010/main" val="979920044"/>
       </p:ext>
     </p:extLst>
   </p:cSld>
@@ -12695,7 +12359,7 @@
                 <a:latin typeface="Verdana" panose="020B0604030504040204" pitchFamily="34" charset="0"/>
                 <a:ea typeface="Verdana" panose="020B0604030504040204" pitchFamily="34" charset="0"/>
               </a:rPr>
-              <a:t>31-Oct-2021</a:t>
+              <a:t>17-Apr-2021</a:t>
             </a:r>
           </a:p>
         </p:txBody>
@@ -12870,7 +12534,7 @@
                 <a:latin typeface="Verdana" panose="020B0604030504040204" pitchFamily="34" charset="0"/>
                 <a:ea typeface="Verdana" panose="020B0604030504040204" pitchFamily="34" charset="0"/>
               </a:rPr>
-              <a:t>https://www.azconf.dev</a:t>
+              <a:t>Global Azure 2021 - India</a:t>
             </a:r>
           </a:p>
         </p:txBody>
@@ -12913,22 +12577,12 @@
             <a:r>
               <a:rPr lang="en-US" sz="2000" dirty="0">
                 <a:solidFill>
-                  <a:srgbClr val="00B0F0"/>
+                  <a:srgbClr val="002060"/>
                 </a:solidFill>
                 <a:latin typeface="Verdana" panose="020B0604030504040204" pitchFamily="34" charset="0"/>
                 <a:ea typeface="Verdana" panose="020B0604030504040204" pitchFamily="34" charset="0"/>
               </a:rPr>
-              <a:t> </a:t>
-            </a:r>
-            <a:r>
-              <a:rPr lang="en-US" sz="2000" dirty="0">
-                <a:solidFill>
-                  <a:srgbClr val="0070C0"/>
-                </a:solidFill>
-                <a:latin typeface="Verdana" panose="020B0604030504040204" pitchFamily="34" charset="0"/>
-                <a:ea typeface="Verdana" panose="020B0604030504040204" pitchFamily="34" charset="0"/>
-              </a:rPr>
-              <a:t>I am still a learner. Apologize if I do any mistake.</a:t>
+              <a:t> All the sessions will be hands on.</a:t>
             </a:r>
           </a:p>
           <a:p>
@@ -12947,7 +12601,7 @@
                 <a:latin typeface="Verdana" panose="020B0604030504040204" pitchFamily="34" charset="0"/>
                 <a:ea typeface="Verdana" panose="020B0604030504040204" pitchFamily="34" charset="0"/>
               </a:rPr>
-              <a:t> All the sessions will be hands on.</a:t>
+              <a:t> Will have parking lots for queries and other topics.</a:t>
             </a:r>
           </a:p>
           <a:p>
@@ -12966,7 +12620,7 @@
                 <a:latin typeface="Verdana" panose="020B0604030504040204" pitchFamily="34" charset="0"/>
                 <a:ea typeface="Verdana" panose="020B0604030504040204" pitchFamily="34" charset="0"/>
               </a:rPr>
-              <a:t> Will have parking lots for queries and other topics.</a:t>
+              <a:t> Some of the concepts we will introduced and revisited in next sessions.</a:t>
             </a:r>
           </a:p>
           <a:p>
@@ -12985,7 +12639,7 @@
                 <a:latin typeface="Verdana" panose="020B0604030504040204" pitchFamily="34" charset="0"/>
                 <a:ea typeface="Verdana" panose="020B0604030504040204" pitchFamily="34" charset="0"/>
               </a:rPr>
-              <a:t> Some of the concepts we will introduced and revisited in next sessions.</a:t>
+              <a:t> There are multiple ways to do, we will use one of the ways.</a:t>
             </a:r>
           </a:p>
           <a:p>
@@ -13004,7 +12658,7 @@
                 <a:latin typeface="Verdana" panose="020B0604030504040204" pitchFamily="34" charset="0"/>
                 <a:ea typeface="Verdana" panose="020B0604030504040204" pitchFamily="34" charset="0"/>
               </a:rPr>
-              <a:t> There are multiple ways to do, we will use one of the ways.</a:t>
+              <a:t> The focus was more on concepts and demos are kept simple. </a:t>
             </a:r>
           </a:p>
           <a:p>
@@ -13018,12 +12672,22 @@
             <a:r>
               <a:rPr lang="en-US" sz="2000" dirty="0">
                 <a:solidFill>
-                  <a:srgbClr val="002060"/>
+                  <a:srgbClr val="00B0F0"/>
                 </a:solidFill>
                 <a:latin typeface="Verdana" panose="020B0604030504040204" pitchFamily="34" charset="0"/>
                 <a:ea typeface="Verdana" panose="020B0604030504040204" pitchFamily="34" charset="0"/>
               </a:rPr>
-              <a:t> The focus was more on concepts and demos are kept simple. </a:t>
+              <a:t> </a:t>
+            </a:r>
+            <a:r>
+              <a:rPr lang="en-US" sz="2000" dirty="0">
+                <a:solidFill>
+                  <a:srgbClr val="0070C0"/>
+                </a:solidFill>
+                <a:latin typeface="Verdana" panose="020B0604030504040204" pitchFamily="34" charset="0"/>
+                <a:ea typeface="Verdana" panose="020B0604030504040204" pitchFamily="34" charset="0"/>
+              </a:rPr>
+              <a:t>I am still a learner. What!!! … wait … Yes, I am still a learner.</a:t>
             </a:r>
           </a:p>
         </p:txBody>
@@ -13031,7 +12695,7 @@
     </p:spTree>
     <p:extLst>
       <p:ext uri="{BB962C8B-B14F-4D97-AF65-F5344CB8AC3E}">
-        <p14:creationId xmlns:p14="http://schemas.microsoft.com/office/powerpoint/2010/main" val="2304697054"/>
+        <p14:creationId xmlns:p14="http://schemas.microsoft.com/office/powerpoint/2010/main" val="787546932"/>
       </p:ext>
     </p:extLst>
   </p:cSld>
@@ -13058,51 +12722,337 @@
           <a:chExt cx="0" cy="0"/>
         </a:xfrm>
       </p:grpSpPr>
-      <p:pic>
-        <p:nvPicPr>
-          <p:cNvPr id="5" name="Picture 4" descr="A red apple on a stack of books&#10;&#10;Description automatically generated with medium confidence">
-            <a:extLst>
-              <a:ext uri="{FF2B5EF4-FFF2-40B4-BE49-F238E27FC236}">
-                <a16:creationId xmlns:a16="http://schemas.microsoft.com/office/drawing/2014/main" id="{81A5933F-DAA0-4AD3-9838-80F463FF8841}"/>
-              </a:ext>
-            </a:extLst>
-          </p:cNvPr>
-          <p:cNvPicPr>
-            <a:picLocks noChangeAspect="1"/>
-          </p:cNvPicPr>
+      <p:sp>
+        <p:nvSpPr>
+          <p:cNvPr id="4" name="Rectangle 3">
+            <a:extLst>
+              <a:ext uri="{FF2B5EF4-FFF2-40B4-BE49-F238E27FC236}">
+                <a16:creationId xmlns:a16="http://schemas.microsoft.com/office/drawing/2014/main" id="{055C22F7-3FD1-4C1B-8D0C-0C2F7FB61DBE}"/>
+              </a:ext>
+            </a:extLst>
+          </p:cNvPr>
+          <p:cNvSpPr/>
           <p:nvPr/>
-        </p:nvPicPr>
-        <p:blipFill>
-          <a:blip r:embed="rId2">
-            <a:extLst>
-              <a:ext uri="{28A0092B-C50C-407E-A947-70E740481C1C}">
-                <a14:useLocalDpi xmlns:a14="http://schemas.microsoft.com/office/drawing/2010/main" val="0"/>
-              </a:ext>
-              <a:ext uri="{837473B0-CC2E-450A-ABE3-18F120FF3D39}">
-                <a1611:picAttrSrcUrl xmlns:a1611="http://schemas.microsoft.com/office/drawing/2016/11/main" r:id="rId3"/>
-              </a:ext>
-            </a:extLst>
-          </a:blip>
-          <a:stretch>
-            <a:fillRect/>
-          </a:stretch>
-        </p:blipFill>
-        <p:spPr>
-          <a:xfrm>
-            <a:off x="1521714" y="0"/>
-            <a:ext cx="9148572" cy="6858000"/>
+        </p:nvSpPr>
+        <p:spPr>
+          <a:xfrm>
+            <a:off x="0" y="8878"/>
+            <a:ext cx="12183122" cy="497150"/>
           </a:xfrm>
           <a:prstGeom prst="rect">
             <a:avLst/>
           </a:prstGeom>
-        </p:spPr>
-      </p:pic>
-      <p:sp>
-        <p:nvSpPr>
-          <p:cNvPr id="6" name="TextBox 5">
-            <a:extLst>
-              <a:ext uri="{FF2B5EF4-FFF2-40B4-BE49-F238E27FC236}">
-                <a16:creationId xmlns:a16="http://schemas.microsoft.com/office/drawing/2014/main" id="{A3E95AFB-5E75-4C67-832D-11F336889263}"/>
+          <a:solidFill>
+            <a:srgbClr val="0070C0"/>
+          </a:solidFill>
+        </p:spPr>
+        <p:style>
+          <a:lnRef idx="2">
+            <a:schemeClr val="accent1">
+              <a:shade val="50000"/>
+            </a:schemeClr>
+          </a:lnRef>
+          <a:fillRef idx="1">
+            <a:schemeClr val="accent1"/>
+          </a:fillRef>
+          <a:effectRef idx="0">
+            <a:schemeClr val="accent1"/>
+          </a:effectRef>
+          <a:fontRef idx="minor">
+            <a:schemeClr val="lt1"/>
+          </a:fontRef>
+        </p:style>
+        <p:txBody>
+          <a:bodyPr rtlCol="0" anchor="ctr"/>
+          <a:lstStyle/>
+          <a:p>
+            <a:pPr algn="ctr"/>
+            <a:r>
+              <a:rPr lang="en-US" b="1" dirty="0">
+                <a:latin typeface="Verdana" panose="020B0604030504040204" pitchFamily="34" charset="0"/>
+                <a:ea typeface="Verdana" panose="020B0604030504040204" pitchFamily="34" charset="0"/>
+              </a:rPr>
+              <a:t>Information</a:t>
+            </a:r>
+            <a:endParaRPr lang="en-IN" b="1" dirty="0">
+              <a:latin typeface="Verdana" panose="020B0604030504040204" pitchFamily="34" charset="0"/>
+              <a:ea typeface="Verdana" panose="020B0604030504040204" pitchFamily="34" charset="0"/>
+            </a:endParaRPr>
+          </a:p>
+        </p:txBody>
+      </p:sp>
+      <p:sp>
+        <p:nvSpPr>
+          <p:cNvPr id="7" name="Rectangle 6">
+            <a:extLst>
+              <a:ext uri="{FF2B5EF4-FFF2-40B4-BE49-F238E27FC236}">
+                <a16:creationId xmlns:a16="http://schemas.microsoft.com/office/drawing/2014/main" id="{B10720DE-FD2A-4FE5-B9FB-74854D01A659}"/>
+              </a:ext>
+            </a:extLst>
+          </p:cNvPr>
+          <p:cNvSpPr/>
+          <p:nvPr/>
+        </p:nvSpPr>
+        <p:spPr>
+          <a:xfrm>
+            <a:off x="0" y="3915050"/>
+            <a:ext cx="12183122" cy="57703"/>
+          </a:xfrm>
+          <a:prstGeom prst="rect">
+            <a:avLst/>
+          </a:prstGeom>
+          <a:solidFill>
+            <a:srgbClr val="0070C0"/>
+          </a:solidFill>
+        </p:spPr>
+        <p:style>
+          <a:lnRef idx="2">
+            <a:schemeClr val="accent1">
+              <a:shade val="50000"/>
+            </a:schemeClr>
+          </a:lnRef>
+          <a:fillRef idx="1">
+            <a:schemeClr val="accent1"/>
+          </a:fillRef>
+          <a:effectRef idx="0">
+            <a:schemeClr val="accent1"/>
+          </a:effectRef>
+          <a:fontRef idx="minor">
+            <a:schemeClr val="lt1"/>
+          </a:fontRef>
+        </p:style>
+        <p:txBody>
+          <a:bodyPr rtlCol="0" anchor="ctr"/>
+          <a:lstStyle/>
+          <a:p>
+            <a:pPr algn="ctr"/>
+            <a:endParaRPr lang="en-IN" sz="1000" dirty="0">
+              <a:latin typeface="Verdana" panose="020B0604030504040204" pitchFamily="34" charset="0"/>
+              <a:ea typeface="Verdana" panose="020B0604030504040204" pitchFamily="34" charset="0"/>
+            </a:endParaRPr>
+          </a:p>
+        </p:txBody>
+      </p:sp>
+      <p:sp>
+        <p:nvSpPr>
+          <p:cNvPr id="8" name="Footer Placeholder 7">
+            <a:extLst>
+              <a:ext uri="{FF2B5EF4-FFF2-40B4-BE49-F238E27FC236}">
+                <a16:creationId xmlns:a16="http://schemas.microsoft.com/office/drawing/2014/main" id="{DD2A19CA-EC18-432D-8F8F-17079808F38B}"/>
+              </a:ext>
+            </a:extLst>
+          </p:cNvPr>
+          <p:cNvSpPr>
+            <a:spLocks noGrp="1"/>
+          </p:cNvSpPr>
+          <p:nvPr>
+            <p:ph type="ftr" sz="quarter" idx="11"/>
+          </p:nvPr>
+        </p:nvSpPr>
+        <p:spPr>
+          <a:xfrm>
+            <a:off x="4038600" y="3959378"/>
+            <a:ext cx="4114800" cy="365125"/>
+          </a:xfrm>
+        </p:spPr>
+        <p:txBody>
+          <a:bodyPr/>
+          <a:lstStyle/>
+          <a:p>
+            <a:r>
+              <a:rPr lang="en-IN" b="1" dirty="0">
+                <a:solidFill>
+                  <a:srgbClr val="002060"/>
+                </a:solidFill>
+                <a:latin typeface="Verdana" panose="020B0604030504040204" pitchFamily="34" charset="0"/>
+                <a:ea typeface="Verdana" panose="020B0604030504040204" pitchFamily="34" charset="0"/>
+              </a:rPr>
+              <a:t>31-Oct-2021</a:t>
+            </a:r>
+          </a:p>
+        </p:txBody>
+      </p:sp>
+      <p:sp>
+        <p:nvSpPr>
+          <p:cNvPr id="9" name="Slide Number Placeholder 8">
+            <a:extLst>
+              <a:ext uri="{FF2B5EF4-FFF2-40B4-BE49-F238E27FC236}">
+                <a16:creationId xmlns:a16="http://schemas.microsoft.com/office/drawing/2014/main" id="{8162625C-0B1F-42E0-BE7C-D99A08FED7A3}"/>
+              </a:ext>
+            </a:extLst>
+          </p:cNvPr>
+          <p:cNvSpPr>
+            <a:spLocks noGrp="1"/>
+          </p:cNvSpPr>
+          <p:nvPr>
+            <p:ph type="sldNum" sz="quarter" idx="12"/>
+          </p:nvPr>
+        </p:nvSpPr>
+        <p:spPr>
+          <a:xfrm>
+            <a:off x="8610600" y="3959378"/>
+            <a:ext cx="2743200" cy="365125"/>
+          </a:xfrm>
+        </p:spPr>
+        <p:txBody>
+          <a:bodyPr/>
+          <a:lstStyle/>
+          <a:p>
+            <a:r>
+              <a:rPr lang="en-IN" b="1" dirty="0">
+                <a:solidFill>
+                  <a:srgbClr val="002060"/>
+                </a:solidFill>
+                <a:latin typeface="Verdana" panose="020B0604030504040204" pitchFamily="34" charset="0"/>
+                <a:ea typeface="Verdana" panose="020B0604030504040204" pitchFamily="34" charset="0"/>
+              </a:rPr>
+              <a:t>1</a:t>
+            </a:r>
+          </a:p>
+        </p:txBody>
+      </p:sp>
+      <p:sp>
+        <p:nvSpPr>
+          <p:cNvPr id="12" name="Footer Placeholder 7">
+            <a:extLst>
+              <a:ext uri="{FF2B5EF4-FFF2-40B4-BE49-F238E27FC236}">
+                <a16:creationId xmlns:a16="http://schemas.microsoft.com/office/drawing/2014/main" id="{64C57949-E349-47D3-A505-A098233AF49D}"/>
+              </a:ext>
+            </a:extLst>
+          </p:cNvPr>
+          <p:cNvSpPr txBox="1">
+            <a:spLocks/>
+          </p:cNvSpPr>
+          <p:nvPr/>
+        </p:nvSpPr>
+        <p:spPr>
+          <a:xfrm>
+            <a:off x="133897" y="3960852"/>
+            <a:ext cx="4114800" cy="365125"/>
+          </a:xfrm>
+          <a:prstGeom prst="rect">
+            <a:avLst/>
+          </a:prstGeom>
+        </p:spPr>
+        <p:txBody>
+          <a:bodyPr vert="horz" lIns="91440" tIns="45720" rIns="91440" bIns="45720" rtlCol="0" anchor="ctr"/>
+          <a:lstStyle>
+            <a:defPPr>
+              <a:defRPr lang="en-US"/>
+            </a:defPPr>
+            <a:lvl1pPr marL="0" algn="ctr" defTabSz="914400" rtl="0" eaLnBrk="1" latinLnBrk="0" hangingPunct="1">
+              <a:defRPr sz="1200" kern="1200">
+                <a:solidFill>
+                  <a:schemeClr val="tx1">
+                    <a:tint val="75000"/>
+                  </a:schemeClr>
+                </a:solidFill>
+                <a:latin typeface="+mn-lt"/>
+                <a:ea typeface="+mn-ea"/>
+                <a:cs typeface="+mn-cs"/>
+              </a:defRPr>
+            </a:lvl1pPr>
+            <a:lvl2pPr marL="457200" algn="l" defTabSz="914400" rtl="0" eaLnBrk="1" latinLnBrk="0" hangingPunct="1">
+              <a:defRPr sz="1800" kern="1200">
+                <a:solidFill>
+                  <a:schemeClr val="tx1"/>
+                </a:solidFill>
+                <a:latin typeface="+mn-lt"/>
+                <a:ea typeface="+mn-ea"/>
+                <a:cs typeface="+mn-cs"/>
+              </a:defRPr>
+            </a:lvl2pPr>
+            <a:lvl3pPr marL="914400" algn="l" defTabSz="914400" rtl="0" eaLnBrk="1" latinLnBrk="0" hangingPunct="1">
+              <a:defRPr sz="1800" kern="1200">
+                <a:solidFill>
+                  <a:schemeClr val="tx1"/>
+                </a:solidFill>
+                <a:latin typeface="+mn-lt"/>
+                <a:ea typeface="+mn-ea"/>
+                <a:cs typeface="+mn-cs"/>
+              </a:defRPr>
+            </a:lvl3pPr>
+            <a:lvl4pPr marL="1371600" algn="l" defTabSz="914400" rtl="0" eaLnBrk="1" latinLnBrk="0" hangingPunct="1">
+              <a:defRPr sz="1800" kern="1200">
+                <a:solidFill>
+                  <a:schemeClr val="tx1"/>
+                </a:solidFill>
+                <a:latin typeface="+mn-lt"/>
+                <a:ea typeface="+mn-ea"/>
+                <a:cs typeface="+mn-cs"/>
+              </a:defRPr>
+            </a:lvl4pPr>
+            <a:lvl5pPr marL="1828800" algn="l" defTabSz="914400" rtl="0" eaLnBrk="1" latinLnBrk="0" hangingPunct="1">
+              <a:defRPr sz="1800" kern="1200">
+                <a:solidFill>
+                  <a:schemeClr val="tx1"/>
+                </a:solidFill>
+                <a:latin typeface="+mn-lt"/>
+                <a:ea typeface="+mn-ea"/>
+                <a:cs typeface="+mn-cs"/>
+              </a:defRPr>
+            </a:lvl5pPr>
+            <a:lvl6pPr marL="2286000" algn="l" defTabSz="914400" rtl="0" eaLnBrk="1" latinLnBrk="0" hangingPunct="1">
+              <a:defRPr sz="1800" kern="1200">
+                <a:solidFill>
+                  <a:schemeClr val="tx1"/>
+                </a:solidFill>
+                <a:latin typeface="+mn-lt"/>
+                <a:ea typeface="+mn-ea"/>
+                <a:cs typeface="+mn-cs"/>
+              </a:defRPr>
+            </a:lvl6pPr>
+            <a:lvl7pPr marL="2743200" algn="l" defTabSz="914400" rtl="0" eaLnBrk="1" latinLnBrk="0" hangingPunct="1">
+              <a:defRPr sz="1800" kern="1200">
+                <a:solidFill>
+                  <a:schemeClr val="tx1"/>
+                </a:solidFill>
+                <a:latin typeface="+mn-lt"/>
+                <a:ea typeface="+mn-ea"/>
+                <a:cs typeface="+mn-cs"/>
+              </a:defRPr>
+            </a:lvl7pPr>
+            <a:lvl8pPr marL="3200400" algn="l" defTabSz="914400" rtl="0" eaLnBrk="1" latinLnBrk="0" hangingPunct="1">
+              <a:defRPr sz="1800" kern="1200">
+                <a:solidFill>
+                  <a:schemeClr val="tx1"/>
+                </a:solidFill>
+                <a:latin typeface="+mn-lt"/>
+                <a:ea typeface="+mn-ea"/>
+                <a:cs typeface="+mn-cs"/>
+              </a:defRPr>
+            </a:lvl8pPr>
+            <a:lvl9pPr marL="3657600" algn="l" defTabSz="914400" rtl="0" eaLnBrk="1" latinLnBrk="0" hangingPunct="1">
+              <a:defRPr sz="1800" kern="1200">
+                <a:solidFill>
+                  <a:schemeClr val="tx1"/>
+                </a:solidFill>
+                <a:latin typeface="+mn-lt"/>
+                <a:ea typeface="+mn-ea"/>
+                <a:cs typeface="+mn-cs"/>
+              </a:defRPr>
+            </a:lvl9pPr>
+          </a:lstStyle>
+          <a:p>
+            <a:r>
+              <a:rPr lang="en-IN" b="1" dirty="0">
+                <a:solidFill>
+                  <a:srgbClr val="002060"/>
+                </a:solidFill>
+                <a:latin typeface="Verdana" panose="020B0604030504040204" pitchFamily="34" charset="0"/>
+                <a:ea typeface="Verdana" panose="020B0604030504040204" pitchFamily="34" charset="0"/>
+              </a:rPr>
+              <a:t>https://www.azconf.dev</a:t>
+            </a:r>
+          </a:p>
+        </p:txBody>
+      </p:sp>
+      <p:sp>
+        <p:nvSpPr>
+          <p:cNvPr id="10" name="TextBox 9">
+            <a:extLst>
+              <a:ext uri="{FF2B5EF4-FFF2-40B4-BE49-F238E27FC236}">
+                <a16:creationId xmlns:a16="http://schemas.microsoft.com/office/drawing/2014/main" id="{19953791-0C49-4113-A95A-639979BFF9A6}"/>
               </a:ext>
             </a:extLst>
           </p:cNvPr>
@@ -13111,8 +13061,8 @@
         </p:nvSpPr>
         <p:spPr>
           <a:xfrm>
-            <a:off x="1521714" y="6858000"/>
-            <a:ext cx="9148572" cy="230832"/>
+            <a:off x="80629" y="557824"/>
+            <a:ext cx="12037390" cy="2800062"/>
           </a:xfrm>
           <a:prstGeom prst="rect">
             <a:avLst/>
@@ -13125,621 +13075,135 @@
           </a:bodyPr>
           <a:lstStyle/>
           <a:p>
-            <a:r>
-              <a:rPr lang="en-US" sz="900">
-                <a:hlinkClick r:id="rId3" tooltip="https://freephotoshop.org/2011/01/apple-and-books-free-picture/"/>
-              </a:rPr>
-              <a:t>This Photo</a:t>
-            </a:r>
-            <a:r>
-              <a:rPr lang="en-US" sz="900"/>
-              <a:t> by Unknown Author is licensed under </a:t>
-            </a:r>
-            <a:r>
-              <a:rPr lang="en-US" sz="900">
-                <a:hlinkClick r:id="rId4" tooltip="https://creativecommons.org/licenses/by/3.0/"/>
-              </a:rPr>
-              <a:t>CC BY</a:t>
-            </a:r>
-            <a:endParaRPr lang="en-US" sz="900"/>
-          </a:p>
-        </p:txBody>
-      </p:sp>
-      <p:pic>
-        <p:nvPicPr>
-          <p:cNvPr id="8" name="Picture 7" descr="A group of books on a table&#10;&#10;Description automatically generated with medium confidence">
-            <a:extLst>
-              <a:ext uri="{FF2B5EF4-FFF2-40B4-BE49-F238E27FC236}">
-                <a16:creationId xmlns:a16="http://schemas.microsoft.com/office/drawing/2014/main" id="{3EDD19C3-E954-4988-81B1-6B6232561BF1}"/>
-              </a:ext>
-            </a:extLst>
-          </p:cNvPr>
-          <p:cNvPicPr>
-            <a:picLocks noChangeAspect="1"/>
-          </p:cNvPicPr>
-          <p:nvPr/>
-        </p:nvPicPr>
-        <p:blipFill>
-          <a:blip r:embed="rId5">
-            <a:extLst>
-              <a:ext uri="{28A0092B-C50C-407E-A947-70E740481C1C}">
-                <a14:useLocalDpi xmlns:a14="http://schemas.microsoft.com/office/drawing/2010/main" val="0"/>
-              </a:ext>
-              <a:ext uri="{837473B0-CC2E-450A-ABE3-18F120FF3D39}">
-                <a1611:picAttrSrcUrl xmlns:a1611="http://schemas.microsoft.com/office/drawing/2016/11/main" r:id="rId6"/>
-              </a:ext>
-            </a:extLst>
-          </a:blip>
-          <a:stretch>
-            <a:fillRect/>
-          </a:stretch>
-        </p:blipFill>
-        <p:spPr>
-          <a:xfrm>
-            <a:off x="1674000" y="531000"/>
-            <a:ext cx="9144000" cy="6096000"/>
-          </a:xfrm>
-          <a:prstGeom prst="rect">
-            <a:avLst/>
-          </a:prstGeom>
-        </p:spPr>
-      </p:pic>
-      <p:pic>
-        <p:nvPicPr>
-          <p:cNvPr id="10" name="Picture 9" descr="A stack of books on a table&#10;&#10;Description automatically generated with medium confidence">
-            <a:extLst>
-              <a:ext uri="{FF2B5EF4-FFF2-40B4-BE49-F238E27FC236}">
-                <a16:creationId xmlns:a16="http://schemas.microsoft.com/office/drawing/2014/main" id="{16AA303E-7DF5-460E-816B-6A2E3232DF43}"/>
-              </a:ext>
-            </a:extLst>
-          </p:cNvPr>
-          <p:cNvPicPr>
-            <a:picLocks noChangeAspect="1"/>
-          </p:cNvPicPr>
-          <p:nvPr/>
-        </p:nvPicPr>
-        <p:blipFill>
-          <a:blip r:embed="rId7">
-            <a:extLst>
-              <a:ext uri="{28A0092B-C50C-407E-A947-70E740481C1C}">
-                <a14:useLocalDpi xmlns:a14="http://schemas.microsoft.com/office/drawing/2010/main" val="0"/>
-              </a:ext>
-              <a:ext uri="{837473B0-CC2E-450A-ABE3-18F120FF3D39}">
-                <a1611:picAttrSrcUrl xmlns:a1611="http://schemas.microsoft.com/office/drawing/2016/11/main" r:id="rId8"/>
-              </a:ext>
-            </a:extLst>
-          </a:blip>
-          <a:stretch>
-            <a:fillRect/>
-          </a:stretch>
-        </p:blipFill>
-        <p:spPr>
-          <a:xfrm>
-            <a:off x="1519200" y="485737"/>
-            <a:ext cx="9753600" cy="6486525"/>
-          </a:xfrm>
-          <a:prstGeom prst="rect">
-            <a:avLst/>
-          </a:prstGeom>
-        </p:spPr>
-      </p:pic>
-      <p:sp>
-        <p:nvSpPr>
-          <p:cNvPr id="11" name="TextBox 10">
-            <a:extLst>
-              <a:ext uri="{FF2B5EF4-FFF2-40B4-BE49-F238E27FC236}">
-                <a16:creationId xmlns:a16="http://schemas.microsoft.com/office/drawing/2014/main" id="{FACF8A59-DE2B-4F4F-B5A6-FD9D98DB63ED}"/>
-              </a:ext>
-            </a:extLst>
-          </p:cNvPr>
-          <p:cNvSpPr txBox="1"/>
-          <p:nvPr/>
-        </p:nvSpPr>
-        <p:spPr>
-          <a:xfrm>
-            <a:off x="1519200" y="6972262"/>
-            <a:ext cx="9753600" cy="230832"/>
-          </a:xfrm>
-          <a:prstGeom prst="rect">
-            <a:avLst/>
-          </a:prstGeom>
-          <a:noFill/>
-        </p:spPr>
-        <p:txBody>
-          <a:bodyPr wrap="square" rtlCol="0">
-            <a:spAutoFit/>
-          </a:bodyPr>
-          <a:lstStyle/>
-          <a:p>
-            <a:r>
-              <a:rPr lang="en-US" sz="900">
-                <a:hlinkClick r:id="rId8" tooltip="http://www.flickr.com/photos/ccacnorthlib/4131838228"/>
-              </a:rPr>
-              <a:t>This Photo</a:t>
-            </a:r>
-            <a:r>
-              <a:rPr lang="en-US" sz="900"/>
-              <a:t> by Unknown Author is licensed under </a:t>
-            </a:r>
-            <a:r>
-              <a:rPr lang="en-US" sz="900">
-                <a:hlinkClick r:id="rId4" tooltip="https://creativecommons.org/licenses/by/3.0/"/>
-              </a:rPr>
-              <a:t>CC BY</a:t>
-            </a:r>
-            <a:endParaRPr lang="en-US" sz="900"/>
-          </a:p>
-        </p:txBody>
-      </p:sp>
-      <p:pic>
-        <p:nvPicPr>
-          <p:cNvPr id="13" name="Picture 12" descr="A stack of books&#10;&#10;Description automatically generated with medium confidence">
-            <a:extLst>
-              <a:ext uri="{FF2B5EF4-FFF2-40B4-BE49-F238E27FC236}">
-                <a16:creationId xmlns:a16="http://schemas.microsoft.com/office/drawing/2014/main" id="{2FF84994-5AF6-4A1E-9F8B-231343FFBED1}"/>
-              </a:ext>
-            </a:extLst>
-          </p:cNvPr>
-          <p:cNvPicPr>
-            <a:picLocks noChangeAspect="1"/>
-          </p:cNvPicPr>
-          <p:nvPr/>
-        </p:nvPicPr>
-        <p:blipFill>
-          <a:blip r:embed="rId9">
-            <a:extLst>
-              <a:ext uri="{28A0092B-C50C-407E-A947-70E740481C1C}">
-                <a14:useLocalDpi xmlns:a14="http://schemas.microsoft.com/office/drawing/2010/main" val="0"/>
-              </a:ext>
-              <a:ext uri="{837473B0-CC2E-450A-ABE3-18F120FF3D39}">
-                <a1611:picAttrSrcUrl xmlns:a1611="http://schemas.microsoft.com/office/drawing/2016/11/main" r:id="rId10"/>
-              </a:ext>
-            </a:extLst>
-          </a:blip>
-          <a:stretch>
-            <a:fillRect/>
-          </a:stretch>
-        </p:blipFill>
-        <p:spPr>
-          <a:xfrm>
-            <a:off x="3117000" y="450000"/>
-            <a:ext cx="6858000" cy="6858000"/>
-          </a:xfrm>
-          <a:prstGeom prst="rect">
-            <a:avLst/>
-          </a:prstGeom>
-        </p:spPr>
-      </p:pic>
-      <p:sp>
-        <p:nvSpPr>
-          <p:cNvPr id="14" name="TextBox 13">
-            <a:extLst>
-              <a:ext uri="{FF2B5EF4-FFF2-40B4-BE49-F238E27FC236}">
-                <a16:creationId xmlns:a16="http://schemas.microsoft.com/office/drawing/2014/main" id="{0FF79CCC-4992-451C-8129-3FEBE66F754B}"/>
-              </a:ext>
-            </a:extLst>
-          </p:cNvPr>
-          <p:cNvSpPr txBox="1"/>
-          <p:nvPr/>
-        </p:nvSpPr>
-        <p:spPr>
-          <a:xfrm>
-            <a:off x="3117000" y="7308000"/>
-            <a:ext cx="6858000" cy="230832"/>
-          </a:xfrm>
-          <a:prstGeom prst="rect">
-            <a:avLst/>
-          </a:prstGeom>
-          <a:noFill/>
-        </p:spPr>
-        <p:txBody>
-          <a:bodyPr wrap="square" rtlCol="0">
-            <a:spAutoFit/>
-          </a:bodyPr>
-          <a:lstStyle/>
-          <a:p>
-            <a:r>
-              <a:rPr lang="en-US" sz="900">
-                <a:hlinkClick r:id="rId10" tooltip="http://saltyselections.blogspot.com/2010/06/ufo-search-engine-ebooks-manuals.html"/>
-              </a:rPr>
-              <a:t>This Photo</a:t>
-            </a:r>
-            <a:r>
-              <a:rPr lang="en-US" sz="900"/>
-              <a:t> by Unknown Author is licensed under </a:t>
-            </a:r>
-            <a:r>
-              <a:rPr lang="en-US" sz="900">
-                <a:hlinkClick r:id="rId11" tooltip="https://creativecommons.org/licenses/by-sa/3.0/"/>
-              </a:rPr>
-              <a:t>CC BY-SA</a:t>
-            </a:r>
-            <a:endParaRPr lang="en-US" sz="900"/>
-          </a:p>
-        </p:txBody>
-      </p:sp>
-      <p:pic>
-        <p:nvPicPr>
-          <p:cNvPr id="16" name="Picture 15" descr="A stack of books&#10;&#10;Description automatically generated">
-            <a:extLst>
-              <a:ext uri="{FF2B5EF4-FFF2-40B4-BE49-F238E27FC236}">
-                <a16:creationId xmlns:a16="http://schemas.microsoft.com/office/drawing/2014/main" id="{22A0A9FF-6A48-4BB2-8398-5E1AC620F676}"/>
-              </a:ext>
-            </a:extLst>
-          </p:cNvPr>
-          <p:cNvPicPr>
-            <a:picLocks noChangeAspect="1"/>
-          </p:cNvPicPr>
-          <p:nvPr/>
-        </p:nvPicPr>
-        <p:blipFill>
-          <a:blip r:embed="rId12">
-            <a:extLst>
-              <a:ext uri="{28A0092B-C50C-407E-A947-70E740481C1C}">
-                <a14:useLocalDpi xmlns:a14="http://schemas.microsoft.com/office/drawing/2010/main" val="0"/>
-              </a:ext>
-              <a:ext uri="{837473B0-CC2E-450A-ABE3-18F120FF3D39}">
-                <a1611:picAttrSrcUrl xmlns:a1611="http://schemas.microsoft.com/office/drawing/2016/11/main" r:id="rId13"/>
-              </a:ext>
-            </a:extLst>
-          </a:blip>
-          <a:stretch>
-            <a:fillRect/>
-          </a:stretch>
-        </p:blipFill>
-        <p:spPr>
-          <a:xfrm>
-            <a:off x="5119612" y="1743000"/>
-            <a:ext cx="3152775" cy="4572000"/>
-          </a:xfrm>
-          <a:prstGeom prst="rect">
-            <a:avLst/>
-          </a:prstGeom>
-        </p:spPr>
-      </p:pic>
-      <p:sp>
-        <p:nvSpPr>
-          <p:cNvPr id="17" name="TextBox 16">
-            <a:extLst>
-              <a:ext uri="{FF2B5EF4-FFF2-40B4-BE49-F238E27FC236}">
-                <a16:creationId xmlns:a16="http://schemas.microsoft.com/office/drawing/2014/main" id="{59B989B0-5387-46A6-B558-3F6EA5738327}"/>
-              </a:ext>
-            </a:extLst>
-          </p:cNvPr>
-          <p:cNvSpPr txBox="1"/>
-          <p:nvPr/>
-        </p:nvSpPr>
-        <p:spPr>
-          <a:xfrm>
-            <a:off x="5119612" y="6315000"/>
-            <a:ext cx="3152775" cy="230832"/>
-          </a:xfrm>
-          <a:prstGeom prst="rect">
-            <a:avLst/>
-          </a:prstGeom>
-          <a:noFill/>
-        </p:spPr>
-        <p:txBody>
-          <a:bodyPr wrap="square" rtlCol="0">
-            <a:spAutoFit/>
-          </a:bodyPr>
-          <a:lstStyle/>
-          <a:p>
-            <a:r>
-              <a:rPr lang="en-US" sz="900">
-                <a:hlinkClick r:id="rId13" tooltip="http://englishedrissis.blogspot.com/2011/04/world-book-day.html"/>
-              </a:rPr>
-              <a:t>This Photo</a:t>
-            </a:r>
-            <a:r>
-              <a:rPr lang="en-US" sz="900"/>
-              <a:t> by Unknown Author is licensed under </a:t>
-            </a:r>
-            <a:r>
-              <a:rPr lang="en-US" sz="900">
-                <a:hlinkClick r:id="rId14" tooltip="https://creativecommons.org/licenses/by-nc-sa/3.0/"/>
-              </a:rPr>
-              <a:t>CC BY-SA-NC</a:t>
-            </a:r>
-            <a:endParaRPr lang="en-US" sz="900"/>
-          </a:p>
-        </p:txBody>
-      </p:sp>
-      <p:pic>
-        <p:nvPicPr>
-          <p:cNvPr id="19" name="Picture 18" descr="A pile of colored pencils&#10;&#10;Description automatically generated with low confidence">
-            <a:extLst>
-              <a:ext uri="{FF2B5EF4-FFF2-40B4-BE49-F238E27FC236}">
-                <a16:creationId xmlns:a16="http://schemas.microsoft.com/office/drawing/2014/main" id="{4AA73D39-9B74-4853-92B4-A635E4357914}"/>
-              </a:ext>
-            </a:extLst>
-          </p:cNvPr>
-          <p:cNvPicPr>
-            <a:picLocks noChangeAspect="1"/>
-          </p:cNvPicPr>
-          <p:nvPr/>
-        </p:nvPicPr>
-        <p:blipFill>
-          <a:blip r:embed="rId15">
-            <a:extLst>
-              <a:ext uri="{28A0092B-C50C-407E-A947-70E740481C1C}">
-                <a14:useLocalDpi xmlns:a14="http://schemas.microsoft.com/office/drawing/2010/main" val="0"/>
-              </a:ext>
-              <a:ext uri="{837473B0-CC2E-450A-ABE3-18F120FF3D39}">
-                <a1611:picAttrSrcUrl xmlns:a1611="http://schemas.microsoft.com/office/drawing/2016/11/main" r:id="rId16"/>
-              </a:ext>
-            </a:extLst>
-          </a:blip>
-          <a:stretch>
-            <a:fillRect/>
-          </a:stretch>
-        </p:blipFill>
-        <p:spPr>
-          <a:xfrm>
-            <a:off x="4667950" y="1956500"/>
-            <a:ext cx="4356100" cy="4445000"/>
-          </a:xfrm>
-          <a:prstGeom prst="rect">
-            <a:avLst/>
-          </a:prstGeom>
-        </p:spPr>
-      </p:pic>
-      <p:sp>
-        <p:nvSpPr>
-          <p:cNvPr id="20" name="TextBox 19">
-            <a:extLst>
-              <a:ext uri="{FF2B5EF4-FFF2-40B4-BE49-F238E27FC236}">
-                <a16:creationId xmlns:a16="http://schemas.microsoft.com/office/drawing/2014/main" id="{4AAB6739-7C74-4BB8-9E4D-0838BC8CD672}"/>
-              </a:ext>
-            </a:extLst>
-          </p:cNvPr>
-          <p:cNvSpPr txBox="1"/>
-          <p:nvPr/>
-        </p:nvSpPr>
-        <p:spPr>
-          <a:xfrm>
-            <a:off x="4667950" y="6401500"/>
-            <a:ext cx="4356100" cy="230832"/>
-          </a:xfrm>
-          <a:prstGeom prst="rect">
-            <a:avLst/>
-          </a:prstGeom>
-          <a:noFill/>
-        </p:spPr>
-        <p:txBody>
-          <a:bodyPr wrap="square" rtlCol="0">
-            <a:spAutoFit/>
-          </a:bodyPr>
-          <a:lstStyle/>
-          <a:p>
-            <a:r>
-              <a:rPr lang="en-US" sz="900">
-                <a:hlinkClick r:id="rId16" tooltip="http://myedmondsnews.com/2011/12/edmonds-booktalk-my-nine-favorite-books-of-the-year/"/>
-              </a:rPr>
-              <a:t>This Photo</a:t>
-            </a:r>
-            <a:r>
-              <a:rPr lang="en-US" sz="900"/>
-              <a:t> by Unknown Author is licensed under </a:t>
-            </a:r>
-            <a:r>
-              <a:rPr lang="en-US" sz="900">
-                <a:hlinkClick r:id="rId4" tooltip="https://creativecommons.org/licenses/by/3.0/"/>
-              </a:rPr>
-              <a:t>CC BY</a:t>
-            </a:r>
-            <a:endParaRPr lang="en-US" sz="900"/>
-          </a:p>
-        </p:txBody>
-      </p:sp>
-      <p:pic>
-        <p:nvPicPr>
-          <p:cNvPr id="22" name="Picture 21" descr="A stack of books&#10;&#10;Description automatically generated with medium confidence">
-            <a:extLst>
-              <a:ext uri="{FF2B5EF4-FFF2-40B4-BE49-F238E27FC236}">
-                <a16:creationId xmlns:a16="http://schemas.microsoft.com/office/drawing/2014/main" id="{3785DD88-AC2F-4222-BD7F-E398E81B4A93}"/>
-              </a:ext>
-            </a:extLst>
-          </p:cNvPr>
-          <p:cNvPicPr>
-            <a:picLocks noChangeAspect="1"/>
-          </p:cNvPicPr>
-          <p:nvPr/>
-        </p:nvPicPr>
-        <p:blipFill>
-          <a:blip r:embed="rId17">
-            <a:extLst>
-              <a:ext uri="{28A0092B-C50C-407E-A947-70E740481C1C}">
-                <a14:useLocalDpi xmlns:a14="http://schemas.microsoft.com/office/drawing/2010/main" val="0"/>
-              </a:ext>
-              <a:ext uri="{837473B0-CC2E-450A-ABE3-18F120FF3D39}">
-                <a1611:picAttrSrcUrl xmlns:a1611="http://schemas.microsoft.com/office/drawing/2016/11/main" r:id="rId18"/>
-              </a:ext>
-            </a:extLst>
-          </a:blip>
-          <a:stretch>
-            <a:fillRect/>
-          </a:stretch>
-        </p:blipFill>
-        <p:spPr>
-          <a:xfrm>
-            <a:off x="2422241" y="900000"/>
-            <a:ext cx="9147517" cy="6858000"/>
-          </a:xfrm>
-          <a:prstGeom prst="rect">
-            <a:avLst/>
-          </a:prstGeom>
-        </p:spPr>
-      </p:pic>
-      <p:pic>
-        <p:nvPicPr>
-          <p:cNvPr id="24" name="Picture 23" descr="A stack of books&#10;&#10;Description automatically generated">
-            <a:extLst>
-              <a:ext uri="{FF2B5EF4-FFF2-40B4-BE49-F238E27FC236}">
-                <a16:creationId xmlns:a16="http://schemas.microsoft.com/office/drawing/2014/main" id="{2FCC35E6-23C1-4008-826D-FF18F375781E}"/>
-              </a:ext>
-            </a:extLst>
-          </p:cNvPr>
-          <p:cNvPicPr>
-            <a:picLocks noChangeAspect="1"/>
-          </p:cNvPicPr>
-          <p:nvPr/>
-        </p:nvPicPr>
-        <p:blipFill>
-          <a:blip r:embed="rId19">
-            <a:extLst>
-              <a:ext uri="{28A0092B-C50C-407E-A947-70E740481C1C}">
-                <a14:useLocalDpi xmlns:a14="http://schemas.microsoft.com/office/drawing/2010/main" val="0"/>
-              </a:ext>
-              <a:ext uri="{837473B0-CC2E-450A-ABE3-18F120FF3D39}">
-                <a1611:picAttrSrcUrl xmlns:a1611="http://schemas.microsoft.com/office/drawing/2016/11/main" r:id="rId20"/>
-              </a:ext>
-            </a:extLst>
-          </a:blip>
-          <a:stretch>
-            <a:fillRect/>
-          </a:stretch>
-        </p:blipFill>
-        <p:spPr>
-          <a:xfrm>
-            <a:off x="2574000" y="1050000"/>
-            <a:ext cx="9144000" cy="6858000"/>
-          </a:xfrm>
-          <a:prstGeom prst="rect">
-            <a:avLst/>
-          </a:prstGeom>
-        </p:spPr>
-      </p:pic>
-      <p:pic>
-        <p:nvPicPr>
-          <p:cNvPr id="26" name="Picture 25" descr="A stack of books&#10;&#10;Description automatically generated with low confidence">
-            <a:extLst>
-              <a:ext uri="{FF2B5EF4-FFF2-40B4-BE49-F238E27FC236}">
-                <a16:creationId xmlns:a16="http://schemas.microsoft.com/office/drawing/2014/main" id="{EB873B45-6534-426C-8AB5-B4D7A9AB0737}"/>
-              </a:ext>
-            </a:extLst>
-          </p:cNvPr>
-          <p:cNvPicPr>
-            <a:picLocks noChangeAspect="1"/>
-          </p:cNvPicPr>
-          <p:nvPr/>
-        </p:nvPicPr>
-        <p:blipFill>
-          <a:blip r:embed="rId21">
-            <a:extLst>
-              <a:ext uri="{28A0092B-C50C-407E-A947-70E740481C1C}">
-                <a14:useLocalDpi xmlns:a14="http://schemas.microsoft.com/office/drawing/2010/main" val="0"/>
-              </a:ext>
-              <a:ext uri="{837473B0-CC2E-450A-ABE3-18F120FF3D39}">
-                <a1611:picAttrSrcUrl xmlns:a1611="http://schemas.microsoft.com/office/drawing/2016/11/main" r:id="rId22"/>
-              </a:ext>
-            </a:extLst>
-          </a:blip>
-          <a:stretch>
-            <a:fillRect/>
-          </a:stretch>
-        </p:blipFill>
-        <p:spPr>
-          <a:xfrm>
-            <a:off x="4149892" y="1200000"/>
-            <a:ext cx="6292215" cy="6858000"/>
-          </a:xfrm>
-          <a:prstGeom prst="rect">
-            <a:avLst/>
-          </a:prstGeom>
-        </p:spPr>
-      </p:pic>
-      <p:sp>
-        <p:nvSpPr>
-          <p:cNvPr id="27" name="TextBox 26">
-            <a:extLst>
-              <a:ext uri="{FF2B5EF4-FFF2-40B4-BE49-F238E27FC236}">
-                <a16:creationId xmlns:a16="http://schemas.microsoft.com/office/drawing/2014/main" id="{BE69689F-78F0-4557-B17F-535FDE3270AD}"/>
-              </a:ext>
-            </a:extLst>
-          </p:cNvPr>
-          <p:cNvSpPr txBox="1"/>
-          <p:nvPr/>
-        </p:nvSpPr>
-        <p:spPr>
-          <a:xfrm>
-            <a:off x="4149892" y="8058000"/>
-            <a:ext cx="6292215" cy="230832"/>
-          </a:xfrm>
-          <a:prstGeom prst="rect">
-            <a:avLst/>
-          </a:prstGeom>
-          <a:noFill/>
-        </p:spPr>
-        <p:txBody>
-          <a:bodyPr wrap="square" rtlCol="0">
-            <a:spAutoFit/>
-          </a:bodyPr>
-          <a:lstStyle/>
-          <a:p>
-            <a:r>
-              <a:rPr lang="en-US" sz="900">
-                <a:hlinkClick r:id="rId22" tooltip="http://ponderingtwo.blogspot.com/2013/09/seven-books-in-my-to-read-list.html"/>
-              </a:rPr>
-              <a:t>This Photo</a:t>
-            </a:r>
-            <a:r>
-              <a:rPr lang="en-US" sz="900"/>
-              <a:t> by Unknown Author is licensed under </a:t>
-            </a:r>
-            <a:r>
-              <a:rPr lang="en-US" sz="900">
-                <a:hlinkClick r:id="rId23" tooltip="https://creativecommons.org/licenses/by-nc-nd/3.0/"/>
-              </a:rPr>
-              <a:t>CC BY-NC-ND</a:t>
-            </a:r>
-            <a:endParaRPr lang="en-US" sz="900"/>
-          </a:p>
-        </p:txBody>
-      </p:sp>
-      <p:pic>
-        <p:nvPicPr>
-          <p:cNvPr id="29" name="Picture 28">
-            <a:extLst>
-              <a:ext uri="{FF2B5EF4-FFF2-40B4-BE49-F238E27FC236}">
-                <a16:creationId xmlns:a16="http://schemas.microsoft.com/office/drawing/2014/main" id="{805B7CAF-EF62-4E10-9E88-6FD06BD494FD}"/>
-              </a:ext>
-            </a:extLst>
-          </p:cNvPr>
-          <p:cNvPicPr>
-            <a:picLocks noChangeAspect="1"/>
-          </p:cNvPicPr>
-          <p:nvPr/>
-        </p:nvPicPr>
-        <p:blipFill>
-          <a:blip r:embed="rId24">
-            <a:extLst>
-              <a:ext uri="{28A0092B-C50C-407E-A947-70E740481C1C}">
-                <a14:useLocalDpi xmlns:a14="http://schemas.microsoft.com/office/drawing/2010/main" val="0"/>
-              </a:ext>
-              <a:ext uri="{837473B0-CC2E-450A-ABE3-18F120FF3D39}">
-                <a1611:picAttrSrcUrl xmlns:a1611="http://schemas.microsoft.com/office/drawing/2016/11/main" r:id="rId25"/>
-              </a:ext>
-            </a:extLst>
-          </a:blip>
-          <a:stretch>
-            <a:fillRect/>
-          </a:stretch>
-        </p:blipFill>
-        <p:spPr>
-          <a:xfrm>
-            <a:off x="2874000" y="1731000"/>
-            <a:ext cx="9144000" cy="6096000"/>
-          </a:xfrm>
-          <a:prstGeom prst="rect">
-            <a:avLst/>
-          </a:prstGeom>
-        </p:spPr>
-      </p:pic>
+            <a:pPr marL="628650" lvl="1" indent="-171450">
+              <a:lnSpc>
+                <a:spcPct val="150000"/>
+              </a:lnSpc>
+              <a:buFont typeface="Wingdings" panose="05000000000000000000" pitchFamily="2" charset="2"/>
+              <a:buChar char="Ø"/>
+            </a:pPr>
+            <a:r>
+              <a:rPr lang="en-US" sz="2000" dirty="0">
+                <a:solidFill>
+                  <a:srgbClr val="00B0F0"/>
+                </a:solidFill>
+                <a:latin typeface="Verdana" panose="020B0604030504040204" pitchFamily="34" charset="0"/>
+                <a:ea typeface="Verdana" panose="020B0604030504040204" pitchFamily="34" charset="0"/>
+              </a:rPr>
+              <a:t> </a:t>
+            </a:r>
+            <a:r>
+              <a:rPr lang="en-US" sz="2000" dirty="0">
+                <a:solidFill>
+                  <a:srgbClr val="0070C0"/>
+                </a:solidFill>
+                <a:latin typeface="Verdana" panose="020B0604030504040204" pitchFamily="34" charset="0"/>
+                <a:ea typeface="Verdana" panose="020B0604030504040204" pitchFamily="34" charset="0"/>
+              </a:rPr>
+              <a:t>I am still a learner. Apologize if I do any mistake.</a:t>
+            </a:r>
+          </a:p>
+          <a:p>
+            <a:pPr marL="628650" lvl="1" indent="-171450">
+              <a:lnSpc>
+                <a:spcPct val="150000"/>
+              </a:lnSpc>
+              <a:buFont typeface="Wingdings" panose="05000000000000000000" pitchFamily="2" charset="2"/>
+              <a:buChar char="Ø"/>
+            </a:pPr>
+            <a:r>
+              <a:rPr lang="en-US" sz="2000" dirty="0">
+                <a:solidFill>
+                  <a:srgbClr val="002060"/>
+                </a:solidFill>
+                <a:latin typeface="Verdana" panose="020B0604030504040204" pitchFamily="34" charset="0"/>
+                <a:ea typeface="Verdana" panose="020B0604030504040204" pitchFamily="34" charset="0"/>
+              </a:rPr>
+              <a:t> All the sessions will be hands on.</a:t>
+            </a:r>
+          </a:p>
+          <a:p>
+            <a:pPr marL="628650" lvl="1" indent="-171450">
+              <a:lnSpc>
+                <a:spcPct val="150000"/>
+              </a:lnSpc>
+              <a:buFont typeface="Wingdings" panose="05000000000000000000" pitchFamily="2" charset="2"/>
+              <a:buChar char="Ø"/>
+            </a:pPr>
+            <a:r>
+              <a:rPr lang="en-US" sz="2000" dirty="0">
+                <a:solidFill>
+                  <a:srgbClr val="002060"/>
+                </a:solidFill>
+                <a:latin typeface="Verdana" panose="020B0604030504040204" pitchFamily="34" charset="0"/>
+                <a:ea typeface="Verdana" panose="020B0604030504040204" pitchFamily="34" charset="0"/>
+              </a:rPr>
+              <a:t> Will have parking lots for queries and other topics.</a:t>
+            </a:r>
+          </a:p>
+          <a:p>
+            <a:pPr marL="628650" lvl="1" indent="-171450">
+              <a:lnSpc>
+                <a:spcPct val="150000"/>
+              </a:lnSpc>
+              <a:buFont typeface="Wingdings" panose="05000000000000000000" pitchFamily="2" charset="2"/>
+              <a:buChar char="Ø"/>
+            </a:pPr>
+            <a:r>
+              <a:rPr lang="en-US" sz="2000" dirty="0">
+                <a:solidFill>
+                  <a:srgbClr val="002060"/>
+                </a:solidFill>
+                <a:latin typeface="Verdana" panose="020B0604030504040204" pitchFamily="34" charset="0"/>
+                <a:ea typeface="Verdana" panose="020B0604030504040204" pitchFamily="34" charset="0"/>
+              </a:rPr>
+              <a:t> Some of the concepts we will introduced and revisited in next sessions.</a:t>
+            </a:r>
+          </a:p>
+          <a:p>
+            <a:pPr marL="628650" lvl="1" indent="-171450">
+              <a:lnSpc>
+                <a:spcPct val="150000"/>
+              </a:lnSpc>
+              <a:buFont typeface="Wingdings" panose="05000000000000000000" pitchFamily="2" charset="2"/>
+              <a:buChar char="Ø"/>
+            </a:pPr>
+            <a:r>
+              <a:rPr lang="en-US" sz="2000" dirty="0">
+                <a:solidFill>
+                  <a:srgbClr val="002060"/>
+                </a:solidFill>
+                <a:latin typeface="Verdana" panose="020B0604030504040204" pitchFamily="34" charset="0"/>
+                <a:ea typeface="Verdana" panose="020B0604030504040204" pitchFamily="34" charset="0"/>
+              </a:rPr>
+              <a:t> There are multiple ways to do, we will use one of the ways.</a:t>
+            </a:r>
+          </a:p>
+          <a:p>
+            <a:pPr marL="628650" lvl="1" indent="-171450">
+              <a:lnSpc>
+                <a:spcPct val="150000"/>
+              </a:lnSpc>
+              <a:buFont typeface="Wingdings" panose="05000000000000000000" pitchFamily="2" charset="2"/>
+              <a:buChar char="Ø"/>
+            </a:pPr>
+            <a:r>
+              <a:rPr lang="en-US" sz="2000" dirty="0">
+                <a:solidFill>
+                  <a:srgbClr val="002060"/>
+                </a:solidFill>
+                <a:latin typeface="Verdana" panose="020B0604030504040204" pitchFamily="34" charset="0"/>
+                <a:ea typeface="Verdana" panose="020B0604030504040204" pitchFamily="34" charset="0"/>
+              </a:rPr>
+              <a:t> The focus was more on concepts and demos are kept simple. </a:t>
+            </a:r>
+          </a:p>
+        </p:txBody>
+      </p:sp>
     </p:spTree>
     <p:extLst>
       <p:ext uri="{BB962C8B-B14F-4D97-AF65-F5344CB8AC3E}">
-        <p14:creationId xmlns:p14="http://schemas.microsoft.com/office/powerpoint/2010/main" val="577690452"/>
+        <p14:creationId xmlns:p14="http://schemas.microsoft.com/office/powerpoint/2010/main" val="2304697054"/>
       </p:ext>
     </p:extLst>
   </p:cSld>
@@ -13766,337 +13230,51 @@
           <a:chExt cx="0" cy="0"/>
         </a:xfrm>
       </p:grpSpPr>
-      <p:sp>
-        <p:nvSpPr>
-          <p:cNvPr id="4" name="Rectangle 3">
-            <a:extLst>
-              <a:ext uri="{FF2B5EF4-FFF2-40B4-BE49-F238E27FC236}">
-                <a16:creationId xmlns:a16="http://schemas.microsoft.com/office/drawing/2014/main" id="{055C22F7-3FD1-4C1B-8D0C-0C2F7FB61DBE}"/>
-              </a:ext>
-            </a:extLst>
-          </p:cNvPr>
-          <p:cNvSpPr/>
+      <p:pic>
+        <p:nvPicPr>
+          <p:cNvPr id="5" name="Picture 4" descr="A red apple on a stack of books&#10;&#10;Description automatically generated with medium confidence">
+            <a:extLst>
+              <a:ext uri="{FF2B5EF4-FFF2-40B4-BE49-F238E27FC236}">
+                <a16:creationId xmlns:a16="http://schemas.microsoft.com/office/drawing/2014/main" id="{81A5933F-DAA0-4AD3-9838-80F463FF8841}"/>
+              </a:ext>
+            </a:extLst>
+          </p:cNvPr>
+          <p:cNvPicPr>
+            <a:picLocks noChangeAspect="1"/>
+          </p:cNvPicPr>
           <p:nvPr/>
-        </p:nvSpPr>
-        <p:spPr>
-          <a:xfrm>
-            <a:off x="0" y="8878"/>
-            <a:ext cx="12183122" cy="497150"/>
+        </p:nvPicPr>
+        <p:blipFill>
+          <a:blip r:embed="rId2">
+            <a:extLst>
+              <a:ext uri="{28A0092B-C50C-407E-A947-70E740481C1C}">
+                <a14:useLocalDpi xmlns:a14="http://schemas.microsoft.com/office/drawing/2010/main" val="0"/>
+              </a:ext>
+              <a:ext uri="{837473B0-CC2E-450A-ABE3-18F120FF3D39}">
+                <a1611:picAttrSrcUrl xmlns:a1611="http://schemas.microsoft.com/office/drawing/2016/11/main" r:id="rId3"/>
+              </a:ext>
+            </a:extLst>
+          </a:blip>
+          <a:stretch>
+            <a:fillRect/>
+          </a:stretch>
+        </p:blipFill>
+        <p:spPr>
+          <a:xfrm>
+            <a:off x="1521714" y="0"/>
+            <a:ext cx="9148572" cy="6858000"/>
           </a:xfrm>
           <a:prstGeom prst="rect">
             <a:avLst/>
           </a:prstGeom>
-          <a:solidFill>
-            <a:srgbClr val="0070C0"/>
-          </a:solidFill>
-        </p:spPr>
-        <p:style>
-          <a:lnRef idx="2">
-            <a:schemeClr val="accent1">
-              <a:shade val="50000"/>
-            </a:schemeClr>
-          </a:lnRef>
-          <a:fillRef idx="1">
-            <a:schemeClr val="accent1"/>
-          </a:fillRef>
-          <a:effectRef idx="0">
-            <a:schemeClr val="accent1"/>
-          </a:effectRef>
-          <a:fontRef idx="minor">
-            <a:schemeClr val="lt1"/>
-          </a:fontRef>
-        </p:style>
-        <p:txBody>
-          <a:bodyPr rtlCol="0" anchor="ctr"/>
-          <a:lstStyle/>
-          <a:p>
-            <a:pPr algn="ctr"/>
-            <a:r>
-              <a:rPr lang="en-US" b="1" dirty="0">
-                <a:latin typeface="Verdana" panose="020B0604030504040204" pitchFamily="34" charset="0"/>
-                <a:ea typeface="Verdana" panose="020B0604030504040204" pitchFamily="34" charset="0"/>
-              </a:rPr>
-              <a:t>Information</a:t>
-            </a:r>
-            <a:endParaRPr lang="en-IN" b="1" dirty="0">
-              <a:latin typeface="Verdana" panose="020B0604030504040204" pitchFamily="34" charset="0"/>
-              <a:ea typeface="Verdana" panose="020B0604030504040204" pitchFamily="34" charset="0"/>
-            </a:endParaRPr>
-          </a:p>
-        </p:txBody>
-      </p:sp>
-      <p:sp>
-        <p:nvSpPr>
-          <p:cNvPr id="7" name="Rectangle 6">
-            <a:extLst>
-              <a:ext uri="{FF2B5EF4-FFF2-40B4-BE49-F238E27FC236}">
-                <a16:creationId xmlns:a16="http://schemas.microsoft.com/office/drawing/2014/main" id="{B10720DE-FD2A-4FE5-B9FB-74854D01A659}"/>
-              </a:ext>
-            </a:extLst>
-          </p:cNvPr>
-          <p:cNvSpPr/>
-          <p:nvPr/>
-        </p:nvSpPr>
-        <p:spPr>
-          <a:xfrm>
-            <a:off x="0" y="3915048"/>
-            <a:ext cx="12183122" cy="57703"/>
-          </a:xfrm>
-          <a:prstGeom prst="rect">
-            <a:avLst/>
-          </a:prstGeom>
-          <a:solidFill>
-            <a:srgbClr val="0070C0"/>
-          </a:solidFill>
-        </p:spPr>
-        <p:style>
-          <a:lnRef idx="2">
-            <a:schemeClr val="accent1">
-              <a:shade val="50000"/>
-            </a:schemeClr>
-          </a:lnRef>
-          <a:fillRef idx="1">
-            <a:schemeClr val="accent1"/>
-          </a:fillRef>
-          <a:effectRef idx="0">
-            <a:schemeClr val="accent1"/>
-          </a:effectRef>
-          <a:fontRef idx="minor">
-            <a:schemeClr val="lt1"/>
-          </a:fontRef>
-        </p:style>
-        <p:txBody>
-          <a:bodyPr rtlCol="0" anchor="ctr"/>
-          <a:lstStyle/>
-          <a:p>
-            <a:pPr algn="ctr"/>
-            <a:endParaRPr lang="en-IN" sz="1000" dirty="0">
-              <a:latin typeface="Verdana" panose="020B0604030504040204" pitchFamily="34" charset="0"/>
-              <a:ea typeface="Verdana" panose="020B0604030504040204" pitchFamily="34" charset="0"/>
-            </a:endParaRPr>
-          </a:p>
-        </p:txBody>
-      </p:sp>
-      <p:sp>
-        <p:nvSpPr>
-          <p:cNvPr id="8" name="Footer Placeholder 7">
-            <a:extLst>
-              <a:ext uri="{FF2B5EF4-FFF2-40B4-BE49-F238E27FC236}">
-                <a16:creationId xmlns:a16="http://schemas.microsoft.com/office/drawing/2014/main" id="{DD2A19CA-EC18-432D-8F8F-17079808F38B}"/>
-              </a:ext>
-            </a:extLst>
-          </p:cNvPr>
-          <p:cNvSpPr>
-            <a:spLocks noGrp="1"/>
-          </p:cNvSpPr>
-          <p:nvPr>
-            <p:ph type="ftr" sz="quarter" idx="11"/>
-          </p:nvPr>
-        </p:nvSpPr>
-        <p:spPr>
-          <a:xfrm>
-            <a:off x="4038600" y="3959376"/>
-            <a:ext cx="4114800" cy="365125"/>
-          </a:xfrm>
-        </p:spPr>
-        <p:txBody>
-          <a:bodyPr/>
-          <a:lstStyle/>
-          <a:p>
-            <a:r>
-              <a:rPr lang="en-IN" b="1" dirty="0">
-                <a:solidFill>
-                  <a:srgbClr val="002060"/>
-                </a:solidFill>
-                <a:latin typeface="Verdana" panose="020B0604030504040204" pitchFamily="34" charset="0"/>
-                <a:ea typeface="Verdana" panose="020B0604030504040204" pitchFamily="34" charset="0"/>
-              </a:rPr>
-              <a:t>30-Apr-2021</a:t>
-            </a:r>
-          </a:p>
-        </p:txBody>
-      </p:sp>
-      <p:sp>
-        <p:nvSpPr>
-          <p:cNvPr id="9" name="Slide Number Placeholder 8">
-            <a:extLst>
-              <a:ext uri="{FF2B5EF4-FFF2-40B4-BE49-F238E27FC236}">
-                <a16:creationId xmlns:a16="http://schemas.microsoft.com/office/drawing/2014/main" id="{8162625C-0B1F-42E0-BE7C-D99A08FED7A3}"/>
-              </a:ext>
-            </a:extLst>
-          </p:cNvPr>
-          <p:cNvSpPr>
-            <a:spLocks noGrp="1"/>
-          </p:cNvSpPr>
-          <p:nvPr>
-            <p:ph type="sldNum" sz="quarter" idx="12"/>
-          </p:nvPr>
-        </p:nvSpPr>
-        <p:spPr>
-          <a:xfrm>
-            <a:off x="8610600" y="3959376"/>
-            <a:ext cx="2743200" cy="365125"/>
-          </a:xfrm>
-        </p:spPr>
-        <p:txBody>
-          <a:bodyPr/>
-          <a:lstStyle/>
-          <a:p>
-            <a:r>
-              <a:rPr lang="en-IN" b="1" dirty="0">
-                <a:solidFill>
-                  <a:srgbClr val="002060"/>
-                </a:solidFill>
-                <a:latin typeface="Verdana" panose="020B0604030504040204" pitchFamily="34" charset="0"/>
-                <a:ea typeface="Verdana" panose="020B0604030504040204" pitchFamily="34" charset="0"/>
-              </a:rPr>
-              <a:t>1</a:t>
-            </a:r>
-          </a:p>
-        </p:txBody>
-      </p:sp>
-      <p:sp>
-        <p:nvSpPr>
-          <p:cNvPr id="12" name="Footer Placeholder 7">
-            <a:extLst>
-              <a:ext uri="{FF2B5EF4-FFF2-40B4-BE49-F238E27FC236}">
-                <a16:creationId xmlns:a16="http://schemas.microsoft.com/office/drawing/2014/main" id="{64C57949-E349-47D3-A505-A098233AF49D}"/>
-              </a:ext>
-            </a:extLst>
-          </p:cNvPr>
-          <p:cNvSpPr txBox="1">
-            <a:spLocks/>
-          </p:cNvSpPr>
-          <p:nvPr/>
-        </p:nvSpPr>
-        <p:spPr>
-          <a:xfrm>
-            <a:off x="133897" y="3960850"/>
-            <a:ext cx="4114800" cy="365125"/>
-          </a:xfrm>
-          <a:prstGeom prst="rect">
-            <a:avLst/>
-          </a:prstGeom>
-        </p:spPr>
-        <p:txBody>
-          <a:bodyPr vert="horz" lIns="91440" tIns="45720" rIns="91440" bIns="45720" rtlCol="0" anchor="ctr"/>
-          <a:lstStyle>
-            <a:defPPr>
-              <a:defRPr lang="en-US"/>
-            </a:defPPr>
-            <a:lvl1pPr marL="0" algn="ctr" defTabSz="914400" rtl="0" eaLnBrk="1" latinLnBrk="0" hangingPunct="1">
-              <a:defRPr sz="1200" kern="1200">
-                <a:solidFill>
-                  <a:schemeClr val="tx1">
-                    <a:tint val="75000"/>
-                  </a:schemeClr>
-                </a:solidFill>
-                <a:latin typeface="+mn-lt"/>
-                <a:ea typeface="+mn-ea"/>
-                <a:cs typeface="+mn-cs"/>
-              </a:defRPr>
-            </a:lvl1pPr>
-            <a:lvl2pPr marL="457200" algn="l" defTabSz="914400" rtl="0" eaLnBrk="1" latinLnBrk="0" hangingPunct="1">
-              <a:defRPr sz="1800" kern="1200">
-                <a:solidFill>
-                  <a:schemeClr val="tx1"/>
-                </a:solidFill>
-                <a:latin typeface="+mn-lt"/>
-                <a:ea typeface="+mn-ea"/>
-                <a:cs typeface="+mn-cs"/>
-              </a:defRPr>
-            </a:lvl2pPr>
-            <a:lvl3pPr marL="914400" algn="l" defTabSz="914400" rtl="0" eaLnBrk="1" latinLnBrk="0" hangingPunct="1">
-              <a:defRPr sz="1800" kern="1200">
-                <a:solidFill>
-                  <a:schemeClr val="tx1"/>
-                </a:solidFill>
-                <a:latin typeface="+mn-lt"/>
-                <a:ea typeface="+mn-ea"/>
-                <a:cs typeface="+mn-cs"/>
-              </a:defRPr>
-            </a:lvl3pPr>
-            <a:lvl4pPr marL="1371600" algn="l" defTabSz="914400" rtl="0" eaLnBrk="1" latinLnBrk="0" hangingPunct="1">
-              <a:defRPr sz="1800" kern="1200">
-                <a:solidFill>
-                  <a:schemeClr val="tx1"/>
-                </a:solidFill>
-                <a:latin typeface="+mn-lt"/>
-                <a:ea typeface="+mn-ea"/>
-                <a:cs typeface="+mn-cs"/>
-              </a:defRPr>
-            </a:lvl4pPr>
-            <a:lvl5pPr marL="1828800" algn="l" defTabSz="914400" rtl="0" eaLnBrk="1" latinLnBrk="0" hangingPunct="1">
-              <a:defRPr sz="1800" kern="1200">
-                <a:solidFill>
-                  <a:schemeClr val="tx1"/>
-                </a:solidFill>
-                <a:latin typeface="+mn-lt"/>
-                <a:ea typeface="+mn-ea"/>
-                <a:cs typeface="+mn-cs"/>
-              </a:defRPr>
-            </a:lvl5pPr>
-            <a:lvl6pPr marL="2286000" algn="l" defTabSz="914400" rtl="0" eaLnBrk="1" latinLnBrk="0" hangingPunct="1">
-              <a:defRPr sz="1800" kern="1200">
-                <a:solidFill>
-                  <a:schemeClr val="tx1"/>
-                </a:solidFill>
-                <a:latin typeface="+mn-lt"/>
-                <a:ea typeface="+mn-ea"/>
-                <a:cs typeface="+mn-cs"/>
-              </a:defRPr>
-            </a:lvl6pPr>
-            <a:lvl7pPr marL="2743200" algn="l" defTabSz="914400" rtl="0" eaLnBrk="1" latinLnBrk="0" hangingPunct="1">
-              <a:defRPr sz="1800" kern="1200">
-                <a:solidFill>
-                  <a:schemeClr val="tx1"/>
-                </a:solidFill>
-                <a:latin typeface="+mn-lt"/>
-                <a:ea typeface="+mn-ea"/>
-                <a:cs typeface="+mn-cs"/>
-              </a:defRPr>
-            </a:lvl7pPr>
-            <a:lvl8pPr marL="3200400" algn="l" defTabSz="914400" rtl="0" eaLnBrk="1" latinLnBrk="0" hangingPunct="1">
-              <a:defRPr sz="1800" kern="1200">
-                <a:solidFill>
-                  <a:schemeClr val="tx1"/>
-                </a:solidFill>
-                <a:latin typeface="+mn-lt"/>
-                <a:ea typeface="+mn-ea"/>
-                <a:cs typeface="+mn-cs"/>
-              </a:defRPr>
-            </a:lvl8pPr>
-            <a:lvl9pPr marL="3657600" algn="l" defTabSz="914400" rtl="0" eaLnBrk="1" latinLnBrk="0" hangingPunct="1">
-              <a:defRPr sz="1800" kern="1200">
-                <a:solidFill>
-                  <a:schemeClr val="tx1"/>
-                </a:solidFill>
-                <a:latin typeface="+mn-lt"/>
-                <a:ea typeface="+mn-ea"/>
-                <a:cs typeface="+mn-cs"/>
-              </a:defRPr>
-            </a:lvl9pPr>
-          </a:lstStyle>
-          <a:p>
-            <a:r>
-              <a:rPr lang="en-IN" b="1" dirty="0">
-                <a:solidFill>
-                  <a:srgbClr val="002060"/>
-                </a:solidFill>
-                <a:latin typeface="Verdana" panose="020B0604030504040204" pitchFamily="34" charset="0"/>
-                <a:ea typeface="Verdana" panose="020B0604030504040204" pitchFamily="34" charset="0"/>
-              </a:rPr>
-              <a:t>AIS</a:t>
-            </a:r>
-          </a:p>
-        </p:txBody>
-      </p:sp>
-      <p:sp>
-        <p:nvSpPr>
-          <p:cNvPr id="10" name="TextBox 9">
-            <a:extLst>
-              <a:ext uri="{FF2B5EF4-FFF2-40B4-BE49-F238E27FC236}">
-                <a16:creationId xmlns:a16="http://schemas.microsoft.com/office/drawing/2014/main" id="{19953791-0C49-4113-A95A-639979BFF9A6}"/>
+        </p:spPr>
+      </p:pic>
+      <p:sp>
+        <p:nvSpPr>
+          <p:cNvPr id="6" name="TextBox 5">
+            <a:extLst>
+              <a:ext uri="{FF2B5EF4-FFF2-40B4-BE49-F238E27FC236}">
+                <a16:creationId xmlns:a16="http://schemas.microsoft.com/office/drawing/2014/main" id="{A3E95AFB-5E75-4C67-832D-11F336889263}"/>
               </a:ext>
             </a:extLst>
           </p:cNvPr>
@@ -14105,8 +13283,8 @@
         </p:nvSpPr>
         <p:spPr>
           <a:xfrm>
-            <a:off x="80629" y="557824"/>
-            <a:ext cx="12037390" cy="2800062"/>
+            <a:off x="1521714" y="6858000"/>
+            <a:ext cx="9148572" cy="230832"/>
           </a:xfrm>
           <a:prstGeom prst="rect">
             <a:avLst/>
@@ -14119,135 +13297,621 @@
           </a:bodyPr>
           <a:lstStyle/>
           <a:p>
-            <a:pPr marL="628650" lvl="1" indent="-171450">
-              <a:lnSpc>
-                <a:spcPct val="150000"/>
-              </a:lnSpc>
-              <a:buFont typeface="Wingdings" panose="05000000000000000000" pitchFamily="2" charset="2"/>
-              <a:buChar char="Ø"/>
-            </a:pPr>
-            <a:r>
-              <a:rPr lang="en-US" sz="2000" dirty="0">
-                <a:solidFill>
-                  <a:srgbClr val="002060"/>
-                </a:solidFill>
-                <a:latin typeface="Verdana" panose="020B0604030504040204" pitchFamily="34" charset="0"/>
-                <a:ea typeface="Verdana" panose="020B0604030504040204" pitchFamily="34" charset="0"/>
-              </a:rPr>
-              <a:t> All the sessions will be hands on.</a:t>
-            </a:r>
-          </a:p>
-          <a:p>
-            <a:pPr marL="628650" lvl="1" indent="-171450">
-              <a:lnSpc>
-                <a:spcPct val="150000"/>
-              </a:lnSpc>
-              <a:buFont typeface="Wingdings" panose="05000000000000000000" pitchFamily="2" charset="2"/>
-              <a:buChar char="Ø"/>
-            </a:pPr>
-            <a:r>
-              <a:rPr lang="en-US" sz="2000" dirty="0">
-                <a:solidFill>
-                  <a:srgbClr val="002060"/>
-                </a:solidFill>
-                <a:latin typeface="Verdana" panose="020B0604030504040204" pitchFamily="34" charset="0"/>
-                <a:ea typeface="Verdana" panose="020B0604030504040204" pitchFamily="34" charset="0"/>
-              </a:rPr>
-              <a:t> Will have parking lots for queries and other topics.</a:t>
-            </a:r>
-          </a:p>
-          <a:p>
-            <a:pPr marL="628650" lvl="1" indent="-171450">
-              <a:lnSpc>
-                <a:spcPct val="150000"/>
-              </a:lnSpc>
-              <a:buFont typeface="Wingdings" panose="05000000000000000000" pitchFamily="2" charset="2"/>
-              <a:buChar char="Ø"/>
-            </a:pPr>
-            <a:r>
-              <a:rPr lang="en-US" sz="2000" dirty="0">
-                <a:solidFill>
-                  <a:srgbClr val="002060"/>
-                </a:solidFill>
-                <a:latin typeface="Verdana" panose="020B0604030504040204" pitchFamily="34" charset="0"/>
-                <a:ea typeface="Verdana" panose="020B0604030504040204" pitchFamily="34" charset="0"/>
-              </a:rPr>
-              <a:t> Some of the concepts we will introduced and revisited in next sessions.</a:t>
-            </a:r>
-          </a:p>
-          <a:p>
-            <a:pPr marL="628650" lvl="1" indent="-171450">
-              <a:lnSpc>
-                <a:spcPct val="150000"/>
-              </a:lnSpc>
-              <a:buFont typeface="Wingdings" panose="05000000000000000000" pitchFamily="2" charset="2"/>
-              <a:buChar char="Ø"/>
-            </a:pPr>
-            <a:r>
-              <a:rPr lang="en-US" sz="2000" dirty="0">
-                <a:solidFill>
-                  <a:srgbClr val="002060"/>
-                </a:solidFill>
-                <a:latin typeface="Verdana" panose="020B0604030504040204" pitchFamily="34" charset="0"/>
-                <a:ea typeface="Verdana" panose="020B0604030504040204" pitchFamily="34" charset="0"/>
-              </a:rPr>
-              <a:t> There are multiple ways to do, we will use one of the ways.</a:t>
-            </a:r>
-          </a:p>
-          <a:p>
-            <a:pPr marL="628650" lvl="1" indent="-171450">
-              <a:lnSpc>
-                <a:spcPct val="150000"/>
-              </a:lnSpc>
-              <a:buFont typeface="Wingdings" panose="05000000000000000000" pitchFamily="2" charset="2"/>
-              <a:buChar char="Ø"/>
-            </a:pPr>
-            <a:r>
-              <a:rPr lang="en-US" sz="2000" dirty="0">
-                <a:solidFill>
-                  <a:srgbClr val="002060"/>
-                </a:solidFill>
-                <a:latin typeface="Verdana" panose="020B0604030504040204" pitchFamily="34" charset="0"/>
-                <a:ea typeface="Verdana" panose="020B0604030504040204" pitchFamily="34" charset="0"/>
-              </a:rPr>
-              <a:t> The focus was more on concepts and demos are kept simple. </a:t>
-            </a:r>
-          </a:p>
-          <a:p>
-            <a:pPr marL="628650" lvl="1" indent="-171450">
-              <a:lnSpc>
-                <a:spcPct val="150000"/>
-              </a:lnSpc>
-              <a:buFont typeface="Wingdings" panose="05000000000000000000" pitchFamily="2" charset="2"/>
-              <a:buChar char="Ø"/>
-            </a:pPr>
-            <a:r>
-              <a:rPr lang="en-US" sz="2000" dirty="0">
-                <a:solidFill>
-                  <a:srgbClr val="00B0F0"/>
-                </a:solidFill>
-                <a:latin typeface="Verdana" panose="020B0604030504040204" pitchFamily="34" charset="0"/>
-                <a:ea typeface="Verdana" panose="020B0604030504040204" pitchFamily="34" charset="0"/>
-              </a:rPr>
-              <a:t> </a:t>
-            </a:r>
-            <a:r>
-              <a:rPr lang="en-US" sz="2000" dirty="0">
-                <a:solidFill>
-                  <a:srgbClr val="0070C0"/>
-                </a:solidFill>
-                <a:latin typeface="Verdana" panose="020B0604030504040204" pitchFamily="34" charset="0"/>
-                <a:ea typeface="Verdana" panose="020B0604030504040204" pitchFamily="34" charset="0"/>
-              </a:rPr>
-              <a:t>I am still a learner. What!!! … wait … Yes, I am still a learner.</a:t>
-            </a:r>
-          </a:p>
-        </p:txBody>
-      </p:sp>
+            <a:r>
+              <a:rPr lang="en-US" sz="900">
+                <a:hlinkClick r:id="rId3" tooltip="https://freephotoshop.org/2011/01/apple-and-books-free-picture/"/>
+              </a:rPr>
+              <a:t>This Photo</a:t>
+            </a:r>
+            <a:r>
+              <a:rPr lang="en-US" sz="900"/>
+              <a:t> by Unknown Author is licensed under </a:t>
+            </a:r>
+            <a:r>
+              <a:rPr lang="en-US" sz="900">
+                <a:hlinkClick r:id="rId4" tooltip="https://creativecommons.org/licenses/by/3.0/"/>
+              </a:rPr>
+              <a:t>CC BY</a:t>
+            </a:r>
+            <a:endParaRPr lang="en-US" sz="900"/>
+          </a:p>
+        </p:txBody>
+      </p:sp>
+      <p:pic>
+        <p:nvPicPr>
+          <p:cNvPr id="8" name="Picture 7" descr="A group of books on a table&#10;&#10;Description automatically generated with medium confidence">
+            <a:extLst>
+              <a:ext uri="{FF2B5EF4-FFF2-40B4-BE49-F238E27FC236}">
+                <a16:creationId xmlns:a16="http://schemas.microsoft.com/office/drawing/2014/main" id="{3EDD19C3-E954-4988-81B1-6B6232561BF1}"/>
+              </a:ext>
+            </a:extLst>
+          </p:cNvPr>
+          <p:cNvPicPr>
+            <a:picLocks noChangeAspect="1"/>
+          </p:cNvPicPr>
+          <p:nvPr/>
+        </p:nvPicPr>
+        <p:blipFill>
+          <a:blip r:embed="rId5">
+            <a:extLst>
+              <a:ext uri="{28A0092B-C50C-407E-A947-70E740481C1C}">
+                <a14:useLocalDpi xmlns:a14="http://schemas.microsoft.com/office/drawing/2010/main" val="0"/>
+              </a:ext>
+              <a:ext uri="{837473B0-CC2E-450A-ABE3-18F120FF3D39}">
+                <a1611:picAttrSrcUrl xmlns:a1611="http://schemas.microsoft.com/office/drawing/2016/11/main" r:id="rId6"/>
+              </a:ext>
+            </a:extLst>
+          </a:blip>
+          <a:stretch>
+            <a:fillRect/>
+          </a:stretch>
+        </p:blipFill>
+        <p:spPr>
+          <a:xfrm>
+            <a:off x="1674000" y="531000"/>
+            <a:ext cx="9144000" cy="6096000"/>
+          </a:xfrm>
+          <a:prstGeom prst="rect">
+            <a:avLst/>
+          </a:prstGeom>
+        </p:spPr>
+      </p:pic>
+      <p:pic>
+        <p:nvPicPr>
+          <p:cNvPr id="10" name="Picture 9" descr="A stack of books on a table&#10;&#10;Description automatically generated with medium confidence">
+            <a:extLst>
+              <a:ext uri="{FF2B5EF4-FFF2-40B4-BE49-F238E27FC236}">
+                <a16:creationId xmlns:a16="http://schemas.microsoft.com/office/drawing/2014/main" id="{16AA303E-7DF5-460E-816B-6A2E3232DF43}"/>
+              </a:ext>
+            </a:extLst>
+          </p:cNvPr>
+          <p:cNvPicPr>
+            <a:picLocks noChangeAspect="1"/>
+          </p:cNvPicPr>
+          <p:nvPr/>
+        </p:nvPicPr>
+        <p:blipFill>
+          <a:blip r:embed="rId7">
+            <a:extLst>
+              <a:ext uri="{28A0092B-C50C-407E-A947-70E740481C1C}">
+                <a14:useLocalDpi xmlns:a14="http://schemas.microsoft.com/office/drawing/2010/main" val="0"/>
+              </a:ext>
+              <a:ext uri="{837473B0-CC2E-450A-ABE3-18F120FF3D39}">
+                <a1611:picAttrSrcUrl xmlns:a1611="http://schemas.microsoft.com/office/drawing/2016/11/main" r:id="rId8"/>
+              </a:ext>
+            </a:extLst>
+          </a:blip>
+          <a:stretch>
+            <a:fillRect/>
+          </a:stretch>
+        </p:blipFill>
+        <p:spPr>
+          <a:xfrm>
+            <a:off x="1519200" y="485737"/>
+            <a:ext cx="9753600" cy="6486525"/>
+          </a:xfrm>
+          <a:prstGeom prst="rect">
+            <a:avLst/>
+          </a:prstGeom>
+        </p:spPr>
+      </p:pic>
+      <p:sp>
+        <p:nvSpPr>
+          <p:cNvPr id="11" name="TextBox 10">
+            <a:extLst>
+              <a:ext uri="{FF2B5EF4-FFF2-40B4-BE49-F238E27FC236}">
+                <a16:creationId xmlns:a16="http://schemas.microsoft.com/office/drawing/2014/main" id="{FACF8A59-DE2B-4F4F-B5A6-FD9D98DB63ED}"/>
+              </a:ext>
+            </a:extLst>
+          </p:cNvPr>
+          <p:cNvSpPr txBox="1"/>
+          <p:nvPr/>
+        </p:nvSpPr>
+        <p:spPr>
+          <a:xfrm>
+            <a:off x="1519200" y="6972262"/>
+            <a:ext cx="9753600" cy="230832"/>
+          </a:xfrm>
+          <a:prstGeom prst="rect">
+            <a:avLst/>
+          </a:prstGeom>
+          <a:noFill/>
+        </p:spPr>
+        <p:txBody>
+          <a:bodyPr wrap="square" rtlCol="0">
+            <a:spAutoFit/>
+          </a:bodyPr>
+          <a:lstStyle/>
+          <a:p>
+            <a:r>
+              <a:rPr lang="en-US" sz="900">
+                <a:hlinkClick r:id="rId8" tooltip="http://www.flickr.com/photos/ccacnorthlib/4131838228"/>
+              </a:rPr>
+              <a:t>This Photo</a:t>
+            </a:r>
+            <a:r>
+              <a:rPr lang="en-US" sz="900"/>
+              <a:t> by Unknown Author is licensed under </a:t>
+            </a:r>
+            <a:r>
+              <a:rPr lang="en-US" sz="900">
+                <a:hlinkClick r:id="rId4" tooltip="https://creativecommons.org/licenses/by/3.0/"/>
+              </a:rPr>
+              <a:t>CC BY</a:t>
+            </a:r>
+            <a:endParaRPr lang="en-US" sz="900"/>
+          </a:p>
+        </p:txBody>
+      </p:sp>
+      <p:pic>
+        <p:nvPicPr>
+          <p:cNvPr id="13" name="Picture 12" descr="A stack of books&#10;&#10;Description automatically generated with medium confidence">
+            <a:extLst>
+              <a:ext uri="{FF2B5EF4-FFF2-40B4-BE49-F238E27FC236}">
+                <a16:creationId xmlns:a16="http://schemas.microsoft.com/office/drawing/2014/main" id="{2FF84994-5AF6-4A1E-9F8B-231343FFBED1}"/>
+              </a:ext>
+            </a:extLst>
+          </p:cNvPr>
+          <p:cNvPicPr>
+            <a:picLocks noChangeAspect="1"/>
+          </p:cNvPicPr>
+          <p:nvPr/>
+        </p:nvPicPr>
+        <p:blipFill>
+          <a:blip r:embed="rId9">
+            <a:extLst>
+              <a:ext uri="{28A0092B-C50C-407E-A947-70E740481C1C}">
+                <a14:useLocalDpi xmlns:a14="http://schemas.microsoft.com/office/drawing/2010/main" val="0"/>
+              </a:ext>
+              <a:ext uri="{837473B0-CC2E-450A-ABE3-18F120FF3D39}">
+                <a1611:picAttrSrcUrl xmlns:a1611="http://schemas.microsoft.com/office/drawing/2016/11/main" r:id="rId10"/>
+              </a:ext>
+            </a:extLst>
+          </a:blip>
+          <a:stretch>
+            <a:fillRect/>
+          </a:stretch>
+        </p:blipFill>
+        <p:spPr>
+          <a:xfrm>
+            <a:off x="3117000" y="450000"/>
+            <a:ext cx="6858000" cy="6858000"/>
+          </a:xfrm>
+          <a:prstGeom prst="rect">
+            <a:avLst/>
+          </a:prstGeom>
+        </p:spPr>
+      </p:pic>
+      <p:sp>
+        <p:nvSpPr>
+          <p:cNvPr id="14" name="TextBox 13">
+            <a:extLst>
+              <a:ext uri="{FF2B5EF4-FFF2-40B4-BE49-F238E27FC236}">
+                <a16:creationId xmlns:a16="http://schemas.microsoft.com/office/drawing/2014/main" id="{0FF79CCC-4992-451C-8129-3FEBE66F754B}"/>
+              </a:ext>
+            </a:extLst>
+          </p:cNvPr>
+          <p:cNvSpPr txBox="1"/>
+          <p:nvPr/>
+        </p:nvSpPr>
+        <p:spPr>
+          <a:xfrm>
+            <a:off x="3117000" y="7308000"/>
+            <a:ext cx="6858000" cy="230832"/>
+          </a:xfrm>
+          <a:prstGeom prst="rect">
+            <a:avLst/>
+          </a:prstGeom>
+          <a:noFill/>
+        </p:spPr>
+        <p:txBody>
+          <a:bodyPr wrap="square" rtlCol="0">
+            <a:spAutoFit/>
+          </a:bodyPr>
+          <a:lstStyle/>
+          <a:p>
+            <a:r>
+              <a:rPr lang="en-US" sz="900">
+                <a:hlinkClick r:id="rId10" tooltip="http://saltyselections.blogspot.com/2010/06/ufo-search-engine-ebooks-manuals.html"/>
+              </a:rPr>
+              <a:t>This Photo</a:t>
+            </a:r>
+            <a:r>
+              <a:rPr lang="en-US" sz="900"/>
+              <a:t> by Unknown Author is licensed under </a:t>
+            </a:r>
+            <a:r>
+              <a:rPr lang="en-US" sz="900">
+                <a:hlinkClick r:id="rId11" tooltip="https://creativecommons.org/licenses/by-sa/3.0/"/>
+              </a:rPr>
+              <a:t>CC BY-SA</a:t>
+            </a:r>
+            <a:endParaRPr lang="en-US" sz="900"/>
+          </a:p>
+        </p:txBody>
+      </p:sp>
+      <p:pic>
+        <p:nvPicPr>
+          <p:cNvPr id="16" name="Picture 15" descr="A stack of books&#10;&#10;Description automatically generated">
+            <a:extLst>
+              <a:ext uri="{FF2B5EF4-FFF2-40B4-BE49-F238E27FC236}">
+                <a16:creationId xmlns:a16="http://schemas.microsoft.com/office/drawing/2014/main" id="{22A0A9FF-6A48-4BB2-8398-5E1AC620F676}"/>
+              </a:ext>
+            </a:extLst>
+          </p:cNvPr>
+          <p:cNvPicPr>
+            <a:picLocks noChangeAspect="1"/>
+          </p:cNvPicPr>
+          <p:nvPr/>
+        </p:nvPicPr>
+        <p:blipFill>
+          <a:blip r:embed="rId12">
+            <a:extLst>
+              <a:ext uri="{28A0092B-C50C-407E-A947-70E740481C1C}">
+                <a14:useLocalDpi xmlns:a14="http://schemas.microsoft.com/office/drawing/2010/main" val="0"/>
+              </a:ext>
+              <a:ext uri="{837473B0-CC2E-450A-ABE3-18F120FF3D39}">
+                <a1611:picAttrSrcUrl xmlns:a1611="http://schemas.microsoft.com/office/drawing/2016/11/main" r:id="rId13"/>
+              </a:ext>
+            </a:extLst>
+          </a:blip>
+          <a:stretch>
+            <a:fillRect/>
+          </a:stretch>
+        </p:blipFill>
+        <p:spPr>
+          <a:xfrm>
+            <a:off x="5119612" y="1743000"/>
+            <a:ext cx="3152775" cy="4572000"/>
+          </a:xfrm>
+          <a:prstGeom prst="rect">
+            <a:avLst/>
+          </a:prstGeom>
+        </p:spPr>
+      </p:pic>
+      <p:sp>
+        <p:nvSpPr>
+          <p:cNvPr id="17" name="TextBox 16">
+            <a:extLst>
+              <a:ext uri="{FF2B5EF4-FFF2-40B4-BE49-F238E27FC236}">
+                <a16:creationId xmlns:a16="http://schemas.microsoft.com/office/drawing/2014/main" id="{59B989B0-5387-46A6-B558-3F6EA5738327}"/>
+              </a:ext>
+            </a:extLst>
+          </p:cNvPr>
+          <p:cNvSpPr txBox="1"/>
+          <p:nvPr/>
+        </p:nvSpPr>
+        <p:spPr>
+          <a:xfrm>
+            <a:off x="5119612" y="6315000"/>
+            <a:ext cx="3152775" cy="230832"/>
+          </a:xfrm>
+          <a:prstGeom prst="rect">
+            <a:avLst/>
+          </a:prstGeom>
+          <a:noFill/>
+        </p:spPr>
+        <p:txBody>
+          <a:bodyPr wrap="square" rtlCol="0">
+            <a:spAutoFit/>
+          </a:bodyPr>
+          <a:lstStyle/>
+          <a:p>
+            <a:r>
+              <a:rPr lang="en-US" sz="900">
+                <a:hlinkClick r:id="rId13" tooltip="http://englishedrissis.blogspot.com/2011/04/world-book-day.html"/>
+              </a:rPr>
+              <a:t>This Photo</a:t>
+            </a:r>
+            <a:r>
+              <a:rPr lang="en-US" sz="900"/>
+              <a:t> by Unknown Author is licensed under </a:t>
+            </a:r>
+            <a:r>
+              <a:rPr lang="en-US" sz="900">
+                <a:hlinkClick r:id="rId14" tooltip="https://creativecommons.org/licenses/by-nc-sa/3.0/"/>
+              </a:rPr>
+              <a:t>CC BY-SA-NC</a:t>
+            </a:r>
+            <a:endParaRPr lang="en-US" sz="900"/>
+          </a:p>
+        </p:txBody>
+      </p:sp>
+      <p:pic>
+        <p:nvPicPr>
+          <p:cNvPr id="19" name="Picture 18" descr="A pile of colored pencils&#10;&#10;Description automatically generated with low confidence">
+            <a:extLst>
+              <a:ext uri="{FF2B5EF4-FFF2-40B4-BE49-F238E27FC236}">
+                <a16:creationId xmlns:a16="http://schemas.microsoft.com/office/drawing/2014/main" id="{4AA73D39-9B74-4853-92B4-A635E4357914}"/>
+              </a:ext>
+            </a:extLst>
+          </p:cNvPr>
+          <p:cNvPicPr>
+            <a:picLocks noChangeAspect="1"/>
+          </p:cNvPicPr>
+          <p:nvPr/>
+        </p:nvPicPr>
+        <p:blipFill>
+          <a:blip r:embed="rId15">
+            <a:extLst>
+              <a:ext uri="{28A0092B-C50C-407E-A947-70E740481C1C}">
+                <a14:useLocalDpi xmlns:a14="http://schemas.microsoft.com/office/drawing/2010/main" val="0"/>
+              </a:ext>
+              <a:ext uri="{837473B0-CC2E-450A-ABE3-18F120FF3D39}">
+                <a1611:picAttrSrcUrl xmlns:a1611="http://schemas.microsoft.com/office/drawing/2016/11/main" r:id="rId16"/>
+              </a:ext>
+            </a:extLst>
+          </a:blip>
+          <a:stretch>
+            <a:fillRect/>
+          </a:stretch>
+        </p:blipFill>
+        <p:spPr>
+          <a:xfrm>
+            <a:off x="4667950" y="1956500"/>
+            <a:ext cx="4356100" cy="4445000"/>
+          </a:xfrm>
+          <a:prstGeom prst="rect">
+            <a:avLst/>
+          </a:prstGeom>
+        </p:spPr>
+      </p:pic>
+      <p:sp>
+        <p:nvSpPr>
+          <p:cNvPr id="20" name="TextBox 19">
+            <a:extLst>
+              <a:ext uri="{FF2B5EF4-FFF2-40B4-BE49-F238E27FC236}">
+                <a16:creationId xmlns:a16="http://schemas.microsoft.com/office/drawing/2014/main" id="{4AAB6739-7C74-4BB8-9E4D-0838BC8CD672}"/>
+              </a:ext>
+            </a:extLst>
+          </p:cNvPr>
+          <p:cNvSpPr txBox="1"/>
+          <p:nvPr/>
+        </p:nvSpPr>
+        <p:spPr>
+          <a:xfrm>
+            <a:off x="4667950" y="6401500"/>
+            <a:ext cx="4356100" cy="230832"/>
+          </a:xfrm>
+          <a:prstGeom prst="rect">
+            <a:avLst/>
+          </a:prstGeom>
+          <a:noFill/>
+        </p:spPr>
+        <p:txBody>
+          <a:bodyPr wrap="square" rtlCol="0">
+            <a:spAutoFit/>
+          </a:bodyPr>
+          <a:lstStyle/>
+          <a:p>
+            <a:r>
+              <a:rPr lang="en-US" sz="900">
+                <a:hlinkClick r:id="rId16" tooltip="http://myedmondsnews.com/2011/12/edmonds-booktalk-my-nine-favorite-books-of-the-year/"/>
+              </a:rPr>
+              <a:t>This Photo</a:t>
+            </a:r>
+            <a:r>
+              <a:rPr lang="en-US" sz="900"/>
+              <a:t> by Unknown Author is licensed under </a:t>
+            </a:r>
+            <a:r>
+              <a:rPr lang="en-US" sz="900">
+                <a:hlinkClick r:id="rId4" tooltip="https://creativecommons.org/licenses/by/3.0/"/>
+              </a:rPr>
+              <a:t>CC BY</a:t>
+            </a:r>
+            <a:endParaRPr lang="en-US" sz="900"/>
+          </a:p>
+        </p:txBody>
+      </p:sp>
+      <p:pic>
+        <p:nvPicPr>
+          <p:cNvPr id="22" name="Picture 21" descr="A stack of books&#10;&#10;Description automatically generated with medium confidence">
+            <a:extLst>
+              <a:ext uri="{FF2B5EF4-FFF2-40B4-BE49-F238E27FC236}">
+                <a16:creationId xmlns:a16="http://schemas.microsoft.com/office/drawing/2014/main" id="{3785DD88-AC2F-4222-BD7F-E398E81B4A93}"/>
+              </a:ext>
+            </a:extLst>
+          </p:cNvPr>
+          <p:cNvPicPr>
+            <a:picLocks noChangeAspect="1"/>
+          </p:cNvPicPr>
+          <p:nvPr/>
+        </p:nvPicPr>
+        <p:blipFill>
+          <a:blip r:embed="rId17">
+            <a:extLst>
+              <a:ext uri="{28A0092B-C50C-407E-A947-70E740481C1C}">
+                <a14:useLocalDpi xmlns:a14="http://schemas.microsoft.com/office/drawing/2010/main" val="0"/>
+              </a:ext>
+              <a:ext uri="{837473B0-CC2E-450A-ABE3-18F120FF3D39}">
+                <a1611:picAttrSrcUrl xmlns:a1611="http://schemas.microsoft.com/office/drawing/2016/11/main" r:id="rId18"/>
+              </a:ext>
+            </a:extLst>
+          </a:blip>
+          <a:stretch>
+            <a:fillRect/>
+          </a:stretch>
+        </p:blipFill>
+        <p:spPr>
+          <a:xfrm>
+            <a:off x="2422241" y="900000"/>
+            <a:ext cx="9147517" cy="6858000"/>
+          </a:xfrm>
+          <a:prstGeom prst="rect">
+            <a:avLst/>
+          </a:prstGeom>
+        </p:spPr>
+      </p:pic>
+      <p:pic>
+        <p:nvPicPr>
+          <p:cNvPr id="24" name="Picture 23" descr="A stack of books&#10;&#10;Description automatically generated">
+            <a:extLst>
+              <a:ext uri="{FF2B5EF4-FFF2-40B4-BE49-F238E27FC236}">
+                <a16:creationId xmlns:a16="http://schemas.microsoft.com/office/drawing/2014/main" id="{2FCC35E6-23C1-4008-826D-FF18F375781E}"/>
+              </a:ext>
+            </a:extLst>
+          </p:cNvPr>
+          <p:cNvPicPr>
+            <a:picLocks noChangeAspect="1"/>
+          </p:cNvPicPr>
+          <p:nvPr/>
+        </p:nvPicPr>
+        <p:blipFill>
+          <a:blip r:embed="rId19">
+            <a:extLst>
+              <a:ext uri="{28A0092B-C50C-407E-A947-70E740481C1C}">
+                <a14:useLocalDpi xmlns:a14="http://schemas.microsoft.com/office/drawing/2010/main" val="0"/>
+              </a:ext>
+              <a:ext uri="{837473B0-CC2E-450A-ABE3-18F120FF3D39}">
+                <a1611:picAttrSrcUrl xmlns:a1611="http://schemas.microsoft.com/office/drawing/2016/11/main" r:id="rId20"/>
+              </a:ext>
+            </a:extLst>
+          </a:blip>
+          <a:stretch>
+            <a:fillRect/>
+          </a:stretch>
+        </p:blipFill>
+        <p:spPr>
+          <a:xfrm>
+            <a:off x="2574000" y="1050000"/>
+            <a:ext cx="9144000" cy="6858000"/>
+          </a:xfrm>
+          <a:prstGeom prst="rect">
+            <a:avLst/>
+          </a:prstGeom>
+        </p:spPr>
+      </p:pic>
+      <p:pic>
+        <p:nvPicPr>
+          <p:cNvPr id="26" name="Picture 25" descr="A stack of books&#10;&#10;Description automatically generated with low confidence">
+            <a:extLst>
+              <a:ext uri="{FF2B5EF4-FFF2-40B4-BE49-F238E27FC236}">
+                <a16:creationId xmlns:a16="http://schemas.microsoft.com/office/drawing/2014/main" id="{EB873B45-6534-426C-8AB5-B4D7A9AB0737}"/>
+              </a:ext>
+            </a:extLst>
+          </p:cNvPr>
+          <p:cNvPicPr>
+            <a:picLocks noChangeAspect="1"/>
+          </p:cNvPicPr>
+          <p:nvPr/>
+        </p:nvPicPr>
+        <p:blipFill>
+          <a:blip r:embed="rId21">
+            <a:extLst>
+              <a:ext uri="{28A0092B-C50C-407E-A947-70E740481C1C}">
+                <a14:useLocalDpi xmlns:a14="http://schemas.microsoft.com/office/drawing/2010/main" val="0"/>
+              </a:ext>
+              <a:ext uri="{837473B0-CC2E-450A-ABE3-18F120FF3D39}">
+                <a1611:picAttrSrcUrl xmlns:a1611="http://schemas.microsoft.com/office/drawing/2016/11/main" r:id="rId22"/>
+              </a:ext>
+            </a:extLst>
+          </a:blip>
+          <a:stretch>
+            <a:fillRect/>
+          </a:stretch>
+        </p:blipFill>
+        <p:spPr>
+          <a:xfrm>
+            <a:off x="4149892" y="1200000"/>
+            <a:ext cx="6292215" cy="6858000"/>
+          </a:xfrm>
+          <a:prstGeom prst="rect">
+            <a:avLst/>
+          </a:prstGeom>
+        </p:spPr>
+      </p:pic>
+      <p:sp>
+        <p:nvSpPr>
+          <p:cNvPr id="27" name="TextBox 26">
+            <a:extLst>
+              <a:ext uri="{FF2B5EF4-FFF2-40B4-BE49-F238E27FC236}">
+                <a16:creationId xmlns:a16="http://schemas.microsoft.com/office/drawing/2014/main" id="{BE69689F-78F0-4557-B17F-535FDE3270AD}"/>
+              </a:ext>
+            </a:extLst>
+          </p:cNvPr>
+          <p:cNvSpPr txBox="1"/>
+          <p:nvPr/>
+        </p:nvSpPr>
+        <p:spPr>
+          <a:xfrm>
+            <a:off x="4149892" y="8058000"/>
+            <a:ext cx="6292215" cy="230832"/>
+          </a:xfrm>
+          <a:prstGeom prst="rect">
+            <a:avLst/>
+          </a:prstGeom>
+          <a:noFill/>
+        </p:spPr>
+        <p:txBody>
+          <a:bodyPr wrap="square" rtlCol="0">
+            <a:spAutoFit/>
+          </a:bodyPr>
+          <a:lstStyle/>
+          <a:p>
+            <a:r>
+              <a:rPr lang="en-US" sz="900">
+                <a:hlinkClick r:id="rId22" tooltip="http://ponderingtwo.blogspot.com/2013/09/seven-books-in-my-to-read-list.html"/>
+              </a:rPr>
+              <a:t>This Photo</a:t>
+            </a:r>
+            <a:r>
+              <a:rPr lang="en-US" sz="900"/>
+              <a:t> by Unknown Author is licensed under </a:t>
+            </a:r>
+            <a:r>
+              <a:rPr lang="en-US" sz="900">
+                <a:hlinkClick r:id="rId23" tooltip="https://creativecommons.org/licenses/by-nc-nd/3.0/"/>
+              </a:rPr>
+              <a:t>CC BY-NC-ND</a:t>
+            </a:r>
+            <a:endParaRPr lang="en-US" sz="900"/>
+          </a:p>
+        </p:txBody>
+      </p:sp>
+      <p:pic>
+        <p:nvPicPr>
+          <p:cNvPr id="29" name="Picture 28">
+            <a:extLst>
+              <a:ext uri="{FF2B5EF4-FFF2-40B4-BE49-F238E27FC236}">
+                <a16:creationId xmlns:a16="http://schemas.microsoft.com/office/drawing/2014/main" id="{805B7CAF-EF62-4E10-9E88-6FD06BD494FD}"/>
+              </a:ext>
+            </a:extLst>
+          </p:cNvPr>
+          <p:cNvPicPr>
+            <a:picLocks noChangeAspect="1"/>
+          </p:cNvPicPr>
+          <p:nvPr/>
+        </p:nvPicPr>
+        <p:blipFill>
+          <a:blip r:embed="rId24">
+            <a:extLst>
+              <a:ext uri="{28A0092B-C50C-407E-A947-70E740481C1C}">
+                <a14:useLocalDpi xmlns:a14="http://schemas.microsoft.com/office/drawing/2010/main" val="0"/>
+              </a:ext>
+              <a:ext uri="{837473B0-CC2E-450A-ABE3-18F120FF3D39}">
+                <a1611:picAttrSrcUrl xmlns:a1611="http://schemas.microsoft.com/office/drawing/2016/11/main" r:id="rId25"/>
+              </a:ext>
+            </a:extLst>
+          </a:blip>
+          <a:stretch>
+            <a:fillRect/>
+          </a:stretch>
+        </p:blipFill>
+        <p:spPr>
+          <a:xfrm>
+            <a:off x="2874000" y="1731000"/>
+            <a:ext cx="9144000" cy="6096000"/>
+          </a:xfrm>
+          <a:prstGeom prst="rect">
+            <a:avLst/>
+          </a:prstGeom>
+        </p:spPr>
+      </p:pic>
     </p:spTree>
     <p:extLst>
       <p:ext uri="{BB962C8B-B14F-4D97-AF65-F5344CB8AC3E}">
-        <p14:creationId xmlns:p14="http://schemas.microsoft.com/office/powerpoint/2010/main" val="115766890"/>
+        <p14:creationId xmlns:p14="http://schemas.microsoft.com/office/powerpoint/2010/main" val="577690452"/>
       </p:ext>
     </p:extLst>
   </p:cSld>
@@ -14419,7 +14083,7 @@
                 <a:latin typeface="Verdana" panose="020B0604030504040204" pitchFamily="34" charset="0"/>
                 <a:ea typeface="Verdana" panose="020B0604030504040204" pitchFamily="34" charset="0"/>
               </a:rPr>
-              <a:t>09-Jan-2021</a:t>
+              <a:t>30-Apr-2021</a:t>
             </a:r>
           </a:p>
         </p:txBody>
@@ -14587,22 +14251,15 @@
           </a:lstStyle>
           <a:p>
             <a:r>
-              <a:rPr lang="en-IN" b="1" dirty="0" err="1">
+              <a:rPr lang="en-IN" b="1" dirty="0">
                 <a:solidFill>
                   <a:srgbClr val="002060"/>
                 </a:solidFill>
                 <a:latin typeface="Verdana" panose="020B0604030504040204" pitchFamily="34" charset="0"/>
                 <a:ea typeface="Verdana" panose="020B0604030504040204" pitchFamily="34" charset="0"/>
               </a:rPr>
-              <a:t>mobconf</a:t>
-            </a:r>
-            <a:endParaRPr lang="en-IN" b="1" dirty="0">
-              <a:solidFill>
-                <a:srgbClr val="002060"/>
-              </a:solidFill>
-              <a:latin typeface="Verdana" panose="020B0604030504040204" pitchFamily="34" charset="0"/>
-              <a:ea typeface="Verdana" panose="020B0604030504040204" pitchFamily="34" charset="0"/>
-            </a:endParaRPr>
+              <a:t>AIS</a:t>
+            </a:r>
           </a:p>
         </p:txBody>
       </p:sp>
@@ -14762,7 +14419,7 @@
     </p:spTree>
     <p:extLst>
       <p:ext uri="{BB962C8B-B14F-4D97-AF65-F5344CB8AC3E}">
-        <p14:creationId xmlns:p14="http://schemas.microsoft.com/office/powerpoint/2010/main" val="3952196739"/>
+        <p14:creationId xmlns:p14="http://schemas.microsoft.com/office/powerpoint/2010/main" val="115766890"/>
       </p:ext>
     </p:extLst>
   </p:cSld>
@@ -14934,7 +14591,7 @@
                 <a:latin typeface="Verdana" panose="020B0604030504040204" pitchFamily="34" charset="0"/>
                 <a:ea typeface="Verdana" panose="020B0604030504040204" pitchFamily="34" charset="0"/>
               </a:rPr>
-              <a:t>23-Jan-2021</a:t>
+              <a:t>09-Jan-2021</a:t>
             </a:r>
           </a:p>
         </p:txBody>
@@ -15109,7 +14766,7 @@
                 <a:latin typeface="Verdana" panose="020B0604030504040204" pitchFamily="34" charset="0"/>
                 <a:ea typeface="Verdana" panose="020B0604030504040204" pitchFamily="34" charset="0"/>
               </a:rPr>
-              <a:t>BDotNet</a:t>
+              <a:t>mobconf</a:t>
             </a:r>
             <a:endParaRPr lang="en-IN" b="1" dirty="0">
               <a:solidFill>
@@ -15221,7 +14878,7 @@
                 <a:latin typeface="Verdana" panose="020B0604030504040204" pitchFamily="34" charset="0"/>
                 <a:ea typeface="Verdana" panose="020B0604030504040204" pitchFamily="34" charset="0"/>
               </a:rPr>
-              <a:t> There are multiple ways to do, we will use one of the way.</a:t>
+              <a:t> There are multiple ways to do, we will use one of the ways.</a:t>
             </a:r>
           </a:p>
           <a:p>
@@ -15277,7 +14934,7 @@
     </p:spTree>
     <p:extLst>
       <p:ext uri="{BB962C8B-B14F-4D97-AF65-F5344CB8AC3E}">
-        <p14:creationId xmlns:p14="http://schemas.microsoft.com/office/powerpoint/2010/main" val="3868100349"/>
+        <p14:creationId xmlns:p14="http://schemas.microsoft.com/office/powerpoint/2010/main" val="3952196739"/>
       </p:ext>
     </p:extLst>
   </p:cSld>
@@ -15885,7 +15542,7 @@
         </p:nvSpPr>
         <p:spPr>
           <a:xfrm>
-            <a:off x="0" y="3542186"/>
+            <a:off x="0" y="3915048"/>
             <a:ext cx="12183122" cy="57703"/>
           </a:xfrm>
           <a:prstGeom prst="rect">
@@ -15941,7 +15598,7 @@
         </p:nvSpPr>
         <p:spPr>
           <a:xfrm>
-            <a:off x="4038600" y="3586514"/>
+            <a:off x="4038600" y="3959376"/>
             <a:ext cx="4114800" cy="365125"/>
           </a:xfrm>
         </p:spPr>
@@ -15957,7 +15614,7 @@
                 <a:latin typeface="Verdana" panose="020B0604030504040204" pitchFamily="34" charset="0"/>
                 <a:ea typeface="Verdana" panose="020B0604030504040204" pitchFamily="34" charset="0"/>
               </a:rPr>
-              <a:t>08-May-2021</a:t>
+              <a:t>23-Jan-2021</a:t>
             </a:r>
           </a:p>
         </p:txBody>
@@ -15980,7 +15637,7 @@
         </p:nvSpPr>
         <p:spPr>
           <a:xfrm>
-            <a:off x="8610600" y="3586514"/>
+            <a:off x="8610600" y="3959376"/>
             <a:ext cx="2743200" cy="365125"/>
           </a:xfrm>
         </p:spPr>
@@ -16017,8 +15674,8 @@
         </p:nvSpPr>
         <p:spPr>
           <a:xfrm>
-            <a:off x="133897" y="3587988"/>
-            <a:ext cx="4349326" cy="365125"/>
+            <a:off x="133897" y="3960850"/>
+            <a:ext cx="4114800" cy="365125"/>
           </a:xfrm>
           <a:prstGeom prst="rect">
             <a:avLst/>
@@ -16125,14 +15782,14 @@
           </a:lstStyle>
           <a:p>
             <a:r>
-              <a:rPr lang="en-US" b="1" dirty="0">
+              <a:rPr lang="en-IN" b="1" dirty="0" err="1">
                 <a:solidFill>
                   <a:srgbClr val="002060"/>
                 </a:solidFill>
                 <a:latin typeface="Verdana" panose="020B0604030504040204" pitchFamily="34" charset="0"/>
                 <a:ea typeface="Verdana" panose="020B0604030504040204" pitchFamily="34" charset="0"/>
               </a:rPr>
-              <a:t>Hyderabad Power Apps and Power Automate UG</a:t>
+              <a:t>BDotNet</a:t>
             </a:r>
             <a:endParaRPr lang="en-IN" b="1" dirty="0">
               <a:solidFill>
@@ -16300,7 +15957,7 @@
     </p:spTree>
     <p:extLst>
       <p:ext uri="{BB962C8B-B14F-4D97-AF65-F5344CB8AC3E}">
-        <p14:creationId xmlns:p14="http://schemas.microsoft.com/office/powerpoint/2010/main" val="171970356"/>
+        <p14:creationId xmlns:p14="http://schemas.microsoft.com/office/powerpoint/2010/main" val="3868100349"/>
       </p:ext>
     </p:extLst>
   </p:cSld>
@@ -16400,7 +16057,7 @@
         </p:nvSpPr>
         <p:spPr>
           <a:xfrm>
-            <a:off x="0" y="3915048"/>
+            <a:off x="0" y="3542186"/>
             <a:ext cx="12183122" cy="57703"/>
           </a:xfrm>
           <a:prstGeom prst="rect">
@@ -16456,7 +16113,7 @@
         </p:nvSpPr>
         <p:spPr>
           <a:xfrm>
-            <a:off x="4038600" y="3959376"/>
+            <a:off x="4038600" y="3586514"/>
             <a:ext cx="4114800" cy="365125"/>
           </a:xfrm>
         </p:spPr>
@@ -16472,7 +16129,7 @@
                 <a:latin typeface="Verdana" panose="020B0604030504040204" pitchFamily="34" charset="0"/>
                 <a:ea typeface="Verdana" panose="020B0604030504040204" pitchFamily="34" charset="0"/>
               </a:rPr>
-              <a:t>03-Apr-2021</a:t>
+              <a:t>08-May-2021</a:t>
             </a:r>
           </a:p>
         </p:txBody>
@@ -16495,7 +16152,7 @@
         </p:nvSpPr>
         <p:spPr>
           <a:xfrm>
-            <a:off x="8610600" y="3959376"/>
+            <a:off x="8610600" y="3586514"/>
             <a:ext cx="2743200" cy="365125"/>
           </a:xfrm>
         </p:spPr>
@@ -16532,8 +16189,8 @@
         </p:nvSpPr>
         <p:spPr>
           <a:xfrm>
-            <a:off x="133897" y="3960850"/>
-            <a:ext cx="4114800" cy="365125"/>
+            <a:off x="133897" y="3587988"/>
+            <a:ext cx="4349326" cy="365125"/>
           </a:xfrm>
           <a:prstGeom prst="rect">
             <a:avLst/>
@@ -16640,15 +16297,22 @@
           </a:lstStyle>
           <a:p>
             <a:r>
-              <a:rPr lang="en-IN" b="1" dirty="0">
+              <a:rPr lang="en-US" b="1" dirty="0">
                 <a:solidFill>
                   <a:srgbClr val="002060"/>
                 </a:solidFill>
                 <a:latin typeface="Verdana" panose="020B0604030504040204" pitchFamily="34" charset="0"/>
                 <a:ea typeface="Verdana" panose="020B0604030504040204" pitchFamily="34" charset="0"/>
               </a:rPr>
-              <a:t>The Tech Platform</a:t>
-            </a:r>
+              <a:t>Hyderabad Power Apps and Power Automate UG</a:t>
+            </a:r>
+            <a:endParaRPr lang="en-IN" b="1" dirty="0">
+              <a:solidFill>
+                <a:srgbClr val="002060"/>
+              </a:solidFill>
+              <a:latin typeface="Verdana" panose="020B0604030504040204" pitchFamily="34" charset="0"/>
+              <a:ea typeface="Verdana" panose="020B0604030504040204" pitchFamily="34" charset="0"/>
+            </a:endParaRPr>
           </a:p>
         </p:txBody>
       </p:sp>
@@ -16808,7 +16472,7 @@
     </p:spTree>
     <p:extLst>
       <p:ext uri="{BB962C8B-B14F-4D97-AF65-F5344CB8AC3E}">
-        <p14:creationId xmlns:p14="http://schemas.microsoft.com/office/powerpoint/2010/main" val="2257230082"/>
+        <p14:creationId xmlns:p14="http://schemas.microsoft.com/office/powerpoint/2010/main" val="171970356"/>
       </p:ext>
     </p:extLst>
   </p:cSld>
@@ -16980,7 +16644,7 @@
                 <a:latin typeface="Verdana" panose="020B0604030504040204" pitchFamily="34" charset="0"/>
                 <a:ea typeface="Verdana" panose="020B0604030504040204" pitchFamily="34" charset="0"/>
               </a:rPr>
-              <a:t>15-May-2021</a:t>
+              <a:t>03-Apr-2021</a:t>
             </a:r>
           </a:p>
         </p:txBody>
@@ -17155,7 +16819,7 @@
                 <a:latin typeface="Verdana" panose="020B0604030504040204" pitchFamily="34" charset="0"/>
                 <a:ea typeface="Verdana" panose="020B0604030504040204" pitchFamily="34" charset="0"/>
               </a:rPr>
-              <a:t>Angular Hyderabad</a:t>
+              <a:t>The Tech Platform</a:t>
             </a:r>
           </a:p>
         </p:txBody>
@@ -17316,7 +16980,7 @@
     </p:spTree>
     <p:extLst>
       <p:ext uri="{BB962C8B-B14F-4D97-AF65-F5344CB8AC3E}">
-        <p14:creationId xmlns:p14="http://schemas.microsoft.com/office/powerpoint/2010/main" val="3977942391"/>
+        <p14:creationId xmlns:p14="http://schemas.microsoft.com/office/powerpoint/2010/main" val="2257230082"/>
       </p:ext>
     </p:extLst>
   </p:cSld>
@@ -17388,6 +17052,13 @@
           <a:lstStyle/>
           <a:p>
             <a:pPr algn="ctr"/>
+            <a:r>
+              <a:rPr lang="en-US" b="1" dirty="0">
+                <a:latin typeface="Verdana" panose="020B0604030504040204" pitchFamily="34" charset="0"/>
+                <a:ea typeface="Verdana" panose="020B0604030504040204" pitchFamily="34" charset="0"/>
+              </a:rPr>
+              <a:t>Information</a:t>
+            </a:r>
             <a:endParaRPr lang="en-IN" b="1" dirty="0">
               <a:latin typeface="Verdana" panose="020B0604030504040204" pitchFamily="34" charset="0"/>
               <a:ea typeface="Verdana" panose="020B0604030504040204" pitchFamily="34" charset="0"/>
@@ -17409,7 +17080,7 @@
         </p:nvSpPr>
         <p:spPr>
           <a:xfrm>
-            <a:off x="0" y="6383046"/>
+            <a:off x="0" y="3915048"/>
             <a:ext cx="12183122" cy="57703"/>
           </a:xfrm>
           <a:prstGeom prst="rect">
@@ -17465,7 +17136,7 @@
         </p:nvSpPr>
         <p:spPr>
           <a:xfrm>
-            <a:off x="4038600" y="6427374"/>
+            <a:off x="4038600" y="3959376"/>
             <a:ext cx="4114800" cy="365125"/>
           </a:xfrm>
         </p:spPr>
@@ -17481,7 +17152,7 @@
                 <a:latin typeface="Verdana" panose="020B0604030504040204" pitchFamily="34" charset="0"/>
                 <a:ea typeface="Verdana" panose="020B0604030504040204" pitchFamily="34" charset="0"/>
               </a:rPr>
-              <a:t>26-Dec-2020</a:t>
+              <a:t>15-May-2021</a:t>
             </a:r>
           </a:p>
         </p:txBody>
@@ -17504,7 +17175,7 @@
         </p:nvSpPr>
         <p:spPr>
           <a:xfrm>
-            <a:off x="8610600" y="6427374"/>
+            <a:off x="8610600" y="3959376"/>
             <a:ext cx="2743200" cy="365125"/>
           </a:xfrm>
         </p:spPr>
@@ -17512,23 +17183,16 @@
           <a:bodyPr/>
           <a:lstStyle/>
           <a:p>
-            <a:fld id="{30AF63FB-5233-4811-A918-B572E3A55817}" type="slidenum">
-              <a:rPr lang="en-IN" b="1" smtClean="0">
+            <a:r>
+              <a:rPr lang="en-IN" b="1" dirty="0">
                 <a:solidFill>
                   <a:srgbClr val="002060"/>
                 </a:solidFill>
                 <a:latin typeface="Verdana" panose="020B0604030504040204" pitchFamily="34" charset="0"/>
                 <a:ea typeface="Verdana" panose="020B0604030504040204" pitchFamily="34" charset="0"/>
               </a:rPr>
-              <a:t>23</a:t>
-            </a:fld>
-            <a:endParaRPr lang="en-IN" b="1" dirty="0">
-              <a:solidFill>
-                <a:srgbClr val="002060"/>
-              </a:solidFill>
-              <a:latin typeface="Verdana" panose="020B0604030504040204" pitchFamily="34" charset="0"/>
-              <a:ea typeface="Verdana" panose="020B0604030504040204" pitchFamily="34" charset="0"/>
-            </a:endParaRPr>
+              <a:t>1</a:t>
+            </a:r>
           </a:p>
         </p:txBody>
       </p:sp>
@@ -17548,7 +17212,7 @@
         </p:nvSpPr>
         <p:spPr>
           <a:xfrm>
-            <a:off x="133897" y="6428848"/>
+            <a:off x="133897" y="3960850"/>
             <a:ext cx="4114800" cy="365125"/>
           </a:xfrm>
           <a:prstGeom prst="rect">
@@ -17663,27 +17327,27 @@
                 <a:latin typeface="Verdana" panose="020B0604030504040204" pitchFamily="34" charset="0"/>
                 <a:ea typeface="Verdana" panose="020B0604030504040204" pitchFamily="34" charset="0"/>
               </a:rPr>
-              <a:t>Dot Net Learners House</a:t>
-            </a:r>
-          </a:p>
-        </p:txBody>
-      </p:sp>
-      <p:sp>
-        <p:nvSpPr>
-          <p:cNvPr id="2" name="Rectangle 1">
-            <a:extLst>
-              <a:ext uri="{FF2B5EF4-FFF2-40B4-BE49-F238E27FC236}">
-                <a16:creationId xmlns:a16="http://schemas.microsoft.com/office/drawing/2014/main" id="{354D33DC-3F63-4EDC-B7D1-DE2A0BACB95C}"/>
-              </a:ext>
-            </a:extLst>
-          </p:cNvPr>
-          <p:cNvSpPr/>
+              <a:t>Angular Hyderabad</a:t>
+            </a:r>
+          </a:p>
+        </p:txBody>
+      </p:sp>
+      <p:sp>
+        <p:nvSpPr>
+          <p:cNvPr id="10" name="TextBox 9">
+            <a:extLst>
+              <a:ext uri="{FF2B5EF4-FFF2-40B4-BE49-F238E27FC236}">
+                <a16:creationId xmlns:a16="http://schemas.microsoft.com/office/drawing/2014/main" id="{19953791-0C49-4113-A95A-639979BFF9A6}"/>
+              </a:ext>
+            </a:extLst>
+          </p:cNvPr>
+          <p:cNvSpPr txBox="1"/>
           <p:nvPr/>
         </p:nvSpPr>
         <p:spPr>
           <a:xfrm>
-            <a:off x="201166" y="685777"/>
-            <a:ext cx="11780789" cy="5401479"/>
+            <a:off x="80629" y="557824"/>
+            <a:ext cx="12037390" cy="2800062"/>
           </a:xfrm>
           <a:prstGeom prst="rect">
             <a:avLst/>
@@ -17691,62 +17355,132 @@
           <a:noFill/>
         </p:spPr>
         <p:txBody>
-          <a:bodyPr wrap="none" lIns="91440" tIns="45720" rIns="91440" bIns="45720">
+          <a:bodyPr wrap="square" rtlCol="0">
             <a:spAutoFit/>
-            <a:scene3d>
-              <a:camera prst="orthographicFront"/>
-              <a:lightRig rig="soft" dir="t">
-                <a:rot lat="0" lon="0" rev="15600000"/>
-              </a:lightRig>
-            </a:scene3d>
-            <a:sp3d extrusionH="57150" prstMaterial="softEdge">
-              <a:bevelT w="25400" h="38100"/>
-            </a:sp3d>
           </a:bodyPr>
           <a:lstStyle/>
           <a:p>
-            <a:pPr algn="ctr"/>
-            <a:r>
-              <a:rPr lang="en-US" sz="11600" b="1" cap="none" spc="0" dirty="0">
-                <a:ln/>
-                <a:solidFill>
-                  <a:schemeClr val="accent4"/>
-                </a:solidFill>
-                <a:effectLst/>
+            <a:pPr marL="628650" lvl="1" indent="-171450">
+              <a:lnSpc>
+                <a:spcPct val="150000"/>
+              </a:lnSpc>
+              <a:buFont typeface="Wingdings" panose="05000000000000000000" pitchFamily="2" charset="2"/>
+              <a:buChar char="Ø"/>
+            </a:pPr>
+            <a:r>
+              <a:rPr lang="en-US" sz="2000" dirty="0">
+                <a:solidFill>
+                  <a:srgbClr val="002060"/>
+                </a:solidFill>
                 <a:latin typeface="Verdana" panose="020B0604030504040204" pitchFamily="34" charset="0"/>
                 <a:ea typeface="Verdana" panose="020B0604030504040204" pitchFamily="34" charset="0"/>
               </a:rPr>
-              <a:t>Please fasten </a:t>
-            </a:r>
-          </a:p>
-          <a:p>
-            <a:pPr algn="ctr"/>
-            <a:r>
-              <a:rPr lang="en-US" sz="11600" b="1" cap="none" spc="0" dirty="0">
-                <a:ln/>
-                <a:solidFill>
-                  <a:schemeClr val="accent4"/>
-                </a:solidFill>
-                <a:effectLst/>
+              <a:t> All the sessions will be hands on.</a:t>
+            </a:r>
+          </a:p>
+          <a:p>
+            <a:pPr marL="628650" lvl="1" indent="-171450">
+              <a:lnSpc>
+                <a:spcPct val="150000"/>
+              </a:lnSpc>
+              <a:buFont typeface="Wingdings" panose="05000000000000000000" pitchFamily="2" charset="2"/>
+              <a:buChar char="Ø"/>
+            </a:pPr>
+            <a:r>
+              <a:rPr lang="en-US" sz="2000" dirty="0">
+                <a:solidFill>
+                  <a:srgbClr val="002060"/>
+                </a:solidFill>
                 <a:latin typeface="Verdana" panose="020B0604030504040204" pitchFamily="34" charset="0"/>
                 <a:ea typeface="Verdana" panose="020B0604030504040204" pitchFamily="34" charset="0"/>
               </a:rPr>
-              <a:t>your </a:t>
-            </a:r>
-          </a:p>
-          <a:p>
-            <a:pPr algn="ctr"/>
-            <a:r>
-              <a:rPr lang="en-US" sz="11600" b="1" cap="none" spc="0" dirty="0">
-                <a:ln/>
-                <a:solidFill>
-                  <a:schemeClr val="accent4"/>
-                </a:solidFill>
-                <a:effectLst/>
+              <a:t> Will have parking lots for queries and other topics.</a:t>
+            </a:r>
+          </a:p>
+          <a:p>
+            <a:pPr marL="628650" lvl="1" indent="-171450">
+              <a:lnSpc>
+                <a:spcPct val="150000"/>
+              </a:lnSpc>
+              <a:buFont typeface="Wingdings" panose="05000000000000000000" pitchFamily="2" charset="2"/>
+              <a:buChar char="Ø"/>
+            </a:pPr>
+            <a:r>
+              <a:rPr lang="en-US" sz="2000" dirty="0">
+                <a:solidFill>
+                  <a:srgbClr val="002060"/>
+                </a:solidFill>
                 <a:latin typeface="Verdana" panose="020B0604030504040204" pitchFamily="34" charset="0"/>
                 <a:ea typeface="Verdana" panose="020B0604030504040204" pitchFamily="34" charset="0"/>
               </a:rPr>
-              <a:t>seat belt !!!</a:t>
+              <a:t> Some of the concepts we will introduced and revisited in next sessions.</a:t>
+            </a:r>
+          </a:p>
+          <a:p>
+            <a:pPr marL="628650" lvl="1" indent="-171450">
+              <a:lnSpc>
+                <a:spcPct val="150000"/>
+              </a:lnSpc>
+              <a:buFont typeface="Wingdings" panose="05000000000000000000" pitchFamily="2" charset="2"/>
+              <a:buChar char="Ø"/>
+            </a:pPr>
+            <a:r>
+              <a:rPr lang="en-US" sz="2000" dirty="0">
+                <a:solidFill>
+                  <a:srgbClr val="002060"/>
+                </a:solidFill>
+                <a:latin typeface="Verdana" panose="020B0604030504040204" pitchFamily="34" charset="0"/>
+                <a:ea typeface="Verdana" panose="020B0604030504040204" pitchFamily="34" charset="0"/>
+              </a:rPr>
+              <a:t> There are multiple ways to do, we will use one of the way.</a:t>
+            </a:r>
+          </a:p>
+          <a:p>
+            <a:pPr marL="628650" lvl="1" indent="-171450">
+              <a:lnSpc>
+                <a:spcPct val="150000"/>
+              </a:lnSpc>
+              <a:buFont typeface="Wingdings" panose="05000000000000000000" pitchFamily="2" charset="2"/>
+              <a:buChar char="Ø"/>
+            </a:pPr>
+            <a:r>
+              <a:rPr lang="en-US" sz="2000" dirty="0">
+                <a:solidFill>
+                  <a:srgbClr val="002060"/>
+                </a:solidFill>
+                <a:latin typeface="Verdana" panose="020B0604030504040204" pitchFamily="34" charset="0"/>
+                <a:ea typeface="Verdana" panose="020B0604030504040204" pitchFamily="34" charset="0"/>
+              </a:rPr>
+              <a:t> The focus was more on concepts and demos are kept simple. </a:t>
+            </a:r>
+          </a:p>
+          <a:p>
+            <a:pPr marL="628650" lvl="1" indent="-171450">
+              <a:lnSpc>
+                <a:spcPct val="150000"/>
+              </a:lnSpc>
+              <a:buFont typeface="Wingdings" panose="05000000000000000000" pitchFamily="2" charset="2"/>
+              <a:buChar char="Ø"/>
+            </a:pPr>
+            <a:r>
+              <a:rPr lang="en-US" sz="2000" dirty="0">
+                <a:solidFill>
+                  <a:srgbClr val="00B0F0"/>
+                </a:solidFill>
+                <a:latin typeface="Verdana" panose="020B0604030504040204" pitchFamily="34" charset="0"/>
+                <a:ea typeface="Verdana" panose="020B0604030504040204" pitchFamily="34" charset="0"/>
+              </a:rPr>
+              <a:t> </a:t>
+            </a:r>
+            <a:r>
+              <a:rPr lang="en-US" sz="2000" dirty="0">
+                <a:solidFill>
+                  <a:srgbClr val="0070C0"/>
+                </a:solidFill>
+                <a:latin typeface="Verdana" panose="020B0604030504040204" pitchFamily="34" charset="0"/>
+                <a:ea typeface="Verdana" panose="020B0604030504040204" pitchFamily="34" charset="0"/>
+              </a:rPr>
+              <a:t>I am still a learner. What!!! … wait … Yes, I am still a learner.</a:t>
             </a:r>
           </a:p>
         </p:txBody>
@@ -17754,7 +17488,7 @@
     </p:spTree>
     <p:extLst>
       <p:ext uri="{BB962C8B-B14F-4D97-AF65-F5344CB8AC3E}">
-        <p14:creationId xmlns:p14="http://schemas.microsoft.com/office/powerpoint/2010/main" val="2056321962"/>
+        <p14:creationId xmlns:p14="http://schemas.microsoft.com/office/powerpoint/2010/main" val="3977942391"/>
       </p:ext>
     </p:extLst>
   </p:cSld>
@@ -17826,7 +17560,7 @@
           <a:lstStyle/>
           <a:p>
             <a:pPr algn="ctr"/>
-            <a:endParaRPr lang="en-IN" dirty="0">
+            <a:endParaRPr lang="en-IN" b="1" dirty="0">
               <a:latin typeface="Verdana" panose="020B0604030504040204" pitchFamily="34" charset="0"/>
               <a:ea typeface="Verdana" panose="020B0604030504040204" pitchFamily="34" charset="0"/>
             </a:endParaRPr>
@@ -18108,10 +17842,10 @@
       </p:sp>
       <p:sp>
         <p:nvSpPr>
-          <p:cNvPr id="11" name="Rectangle 10">
-            <a:extLst>
-              <a:ext uri="{FF2B5EF4-FFF2-40B4-BE49-F238E27FC236}">
-                <a16:creationId xmlns:a16="http://schemas.microsoft.com/office/drawing/2014/main" id="{D55098C6-1198-4DAB-B484-23DB1A599453}"/>
+          <p:cNvPr id="2" name="Rectangle 1">
+            <a:extLst>
+              <a:ext uri="{FF2B5EF4-FFF2-40B4-BE49-F238E27FC236}">
+                <a16:creationId xmlns:a16="http://schemas.microsoft.com/office/drawing/2014/main" id="{354D33DC-3F63-4EDC-B7D1-DE2A0BACB95C}"/>
               </a:ext>
             </a:extLst>
           </p:cNvPr>
@@ -18120,8 +17854,8 @@
         </p:nvSpPr>
         <p:spPr>
           <a:xfrm>
-            <a:off x="2816470" y="1919767"/>
-            <a:ext cx="6434775" cy="3154710"/>
+            <a:off x="201166" y="685777"/>
+            <a:ext cx="11780789" cy="5401479"/>
           </a:xfrm>
           <a:prstGeom prst="rect">
             <a:avLst/>
@@ -18131,31 +17865,60 @@
         <p:txBody>
           <a:bodyPr wrap="none" lIns="91440" tIns="45720" rIns="91440" bIns="45720">
             <a:spAutoFit/>
+            <a:scene3d>
+              <a:camera prst="orthographicFront"/>
+              <a:lightRig rig="soft" dir="t">
+                <a:rot lat="0" lon="0" rev="15600000"/>
+              </a:lightRig>
+            </a:scene3d>
+            <a:sp3d extrusionH="57150" prstMaterial="softEdge">
+              <a:bevelT w="25400" h="38100"/>
+            </a:sp3d>
           </a:bodyPr>
           <a:lstStyle/>
           <a:p>
             <a:pPr algn="ctr"/>
             <a:r>
-              <a:rPr lang="en-US" sz="19900" b="1" cap="none" spc="0" dirty="0">
-                <a:ln w="9525">
-                  <a:solidFill>
-                    <a:schemeClr val="bg1"/>
-                  </a:solidFill>
-                  <a:prstDash val="solid"/>
-                </a:ln>
-                <a:solidFill>
-                  <a:schemeClr val="accent5"/>
-                </a:solidFill>
-                <a:effectLst>
-                  <a:outerShdw blurRad="12700" dist="38100" dir="2700000" algn="tl" rotWithShape="0">
-                    <a:schemeClr val="accent5">
-                      <a:lumMod val="60000"/>
-                      <a:lumOff val="40000"/>
-                    </a:schemeClr>
-                  </a:outerShdw>
-                </a:effectLst>
-              </a:rPr>
-              <a:t>Q &amp; A</a:t>
+              <a:rPr lang="en-US" sz="11600" b="1" cap="none" spc="0" dirty="0">
+                <a:ln/>
+                <a:solidFill>
+                  <a:schemeClr val="accent4"/>
+                </a:solidFill>
+                <a:effectLst/>
+                <a:latin typeface="Verdana" panose="020B0604030504040204" pitchFamily="34" charset="0"/>
+                <a:ea typeface="Verdana" panose="020B0604030504040204" pitchFamily="34" charset="0"/>
+              </a:rPr>
+              <a:t>Please fasten </a:t>
+            </a:r>
+          </a:p>
+          <a:p>
+            <a:pPr algn="ctr"/>
+            <a:r>
+              <a:rPr lang="en-US" sz="11600" b="1" cap="none" spc="0" dirty="0">
+                <a:ln/>
+                <a:solidFill>
+                  <a:schemeClr val="accent4"/>
+                </a:solidFill>
+                <a:effectLst/>
+                <a:latin typeface="Verdana" panose="020B0604030504040204" pitchFamily="34" charset="0"/>
+                <a:ea typeface="Verdana" panose="020B0604030504040204" pitchFamily="34" charset="0"/>
+              </a:rPr>
+              <a:t>your </a:t>
+            </a:r>
+          </a:p>
+          <a:p>
+            <a:pPr algn="ctr"/>
+            <a:r>
+              <a:rPr lang="en-US" sz="11600" b="1" cap="none" spc="0" dirty="0">
+                <a:ln/>
+                <a:solidFill>
+                  <a:schemeClr val="accent4"/>
+                </a:solidFill>
+                <a:effectLst/>
+                <a:latin typeface="Verdana" panose="020B0604030504040204" pitchFamily="34" charset="0"/>
+                <a:ea typeface="Verdana" panose="020B0604030504040204" pitchFamily="34" charset="0"/>
+              </a:rPr>
+              <a:t>seat belt !!!</a:t>
             </a:r>
           </a:p>
         </p:txBody>
@@ -18163,7 +17926,7 @@
     </p:spTree>
     <p:extLst>
       <p:ext uri="{BB962C8B-B14F-4D97-AF65-F5344CB8AC3E}">
-        <p14:creationId xmlns:p14="http://schemas.microsoft.com/office/powerpoint/2010/main" val="2536284009"/>
+        <p14:creationId xmlns:p14="http://schemas.microsoft.com/office/powerpoint/2010/main" val="2056321962"/>
       </p:ext>
     </p:extLst>
   </p:cSld>
@@ -18368,6 +18131,415 @@
                 <a:ea typeface="Verdana" panose="020B0604030504040204" pitchFamily="34" charset="0"/>
               </a:rPr>
               <a:t>25</a:t>
+            </a:fld>
+            <a:endParaRPr lang="en-IN" b="1" dirty="0">
+              <a:solidFill>
+                <a:srgbClr val="002060"/>
+              </a:solidFill>
+              <a:latin typeface="Verdana" panose="020B0604030504040204" pitchFamily="34" charset="0"/>
+              <a:ea typeface="Verdana" panose="020B0604030504040204" pitchFamily="34" charset="0"/>
+            </a:endParaRPr>
+          </a:p>
+        </p:txBody>
+      </p:sp>
+      <p:sp>
+        <p:nvSpPr>
+          <p:cNvPr id="12" name="Footer Placeholder 7">
+            <a:extLst>
+              <a:ext uri="{FF2B5EF4-FFF2-40B4-BE49-F238E27FC236}">
+                <a16:creationId xmlns:a16="http://schemas.microsoft.com/office/drawing/2014/main" id="{64C57949-E349-47D3-A505-A098233AF49D}"/>
+              </a:ext>
+            </a:extLst>
+          </p:cNvPr>
+          <p:cNvSpPr txBox="1">
+            <a:spLocks/>
+          </p:cNvSpPr>
+          <p:nvPr/>
+        </p:nvSpPr>
+        <p:spPr>
+          <a:xfrm>
+            <a:off x="133897" y="6428848"/>
+            <a:ext cx="4114800" cy="365125"/>
+          </a:xfrm>
+          <a:prstGeom prst="rect">
+            <a:avLst/>
+          </a:prstGeom>
+        </p:spPr>
+        <p:txBody>
+          <a:bodyPr vert="horz" lIns="91440" tIns="45720" rIns="91440" bIns="45720" rtlCol="0" anchor="ctr"/>
+          <a:lstStyle>
+            <a:defPPr>
+              <a:defRPr lang="en-US"/>
+            </a:defPPr>
+            <a:lvl1pPr marL="0" algn="ctr" defTabSz="914400" rtl="0" eaLnBrk="1" latinLnBrk="0" hangingPunct="1">
+              <a:defRPr sz="1200" kern="1200">
+                <a:solidFill>
+                  <a:schemeClr val="tx1">
+                    <a:tint val="75000"/>
+                  </a:schemeClr>
+                </a:solidFill>
+                <a:latin typeface="+mn-lt"/>
+                <a:ea typeface="+mn-ea"/>
+                <a:cs typeface="+mn-cs"/>
+              </a:defRPr>
+            </a:lvl1pPr>
+            <a:lvl2pPr marL="457200" algn="l" defTabSz="914400" rtl="0" eaLnBrk="1" latinLnBrk="0" hangingPunct="1">
+              <a:defRPr sz="1800" kern="1200">
+                <a:solidFill>
+                  <a:schemeClr val="tx1"/>
+                </a:solidFill>
+                <a:latin typeface="+mn-lt"/>
+                <a:ea typeface="+mn-ea"/>
+                <a:cs typeface="+mn-cs"/>
+              </a:defRPr>
+            </a:lvl2pPr>
+            <a:lvl3pPr marL="914400" algn="l" defTabSz="914400" rtl="0" eaLnBrk="1" latinLnBrk="0" hangingPunct="1">
+              <a:defRPr sz="1800" kern="1200">
+                <a:solidFill>
+                  <a:schemeClr val="tx1"/>
+                </a:solidFill>
+                <a:latin typeface="+mn-lt"/>
+                <a:ea typeface="+mn-ea"/>
+                <a:cs typeface="+mn-cs"/>
+              </a:defRPr>
+            </a:lvl3pPr>
+            <a:lvl4pPr marL="1371600" algn="l" defTabSz="914400" rtl="0" eaLnBrk="1" latinLnBrk="0" hangingPunct="1">
+              <a:defRPr sz="1800" kern="1200">
+                <a:solidFill>
+                  <a:schemeClr val="tx1"/>
+                </a:solidFill>
+                <a:latin typeface="+mn-lt"/>
+                <a:ea typeface="+mn-ea"/>
+                <a:cs typeface="+mn-cs"/>
+              </a:defRPr>
+            </a:lvl4pPr>
+            <a:lvl5pPr marL="1828800" algn="l" defTabSz="914400" rtl="0" eaLnBrk="1" latinLnBrk="0" hangingPunct="1">
+              <a:defRPr sz="1800" kern="1200">
+                <a:solidFill>
+                  <a:schemeClr val="tx1"/>
+                </a:solidFill>
+                <a:latin typeface="+mn-lt"/>
+                <a:ea typeface="+mn-ea"/>
+                <a:cs typeface="+mn-cs"/>
+              </a:defRPr>
+            </a:lvl5pPr>
+            <a:lvl6pPr marL="2286000" algn="l" defTabSz="914400" rtl="0" eaLnBrk="1" latinLnBrk="0" hangingPunct="1">
+              <a:defRPr sz="1800" kern="1200">
+                <a:solidFill>
+                  <a:schemeClr val="tx1"/>
+                </a:solidFill>
+                <a:latin typeface="+mn-lt"/>
+                <a:ea typeface="+mn-ea"/>
+                <a:cs typeface="+mn-cs"/>
+              </a:defRPr>
+            </a:lvl6pPr>
+            <a:lvl7pPr marL="2743200" algn="l" defTabSz="914400" rtl="0" eaLnBrk="1" latinLnBrk="0" hangingPunct="1">
+              <a:defRPr sz="1800" kern="1200">
+                <a:solidFill>
+                  <a:schemeClr val="tx1"/>
+                </a:solidFill>
+                <a:latin typeface="+mn-lt"/>
+                <a:ea typeface="+mn-ea"/>
+                <a:cs typeface="+mn-cs"/>
+              </a:defRPr>
+            </a:lvl7pPr>
+            <a:lvl8pPr marL="3200400" algn="l" defTabSz="914400" rtl="0" eaLnBrk="1" latinLnBrk="0" hangingPunct="1">
+              <a:defRPr sz="1800" kern="1200">
+                <a:solidFill>
+                  <a:schemeClr val="tx1"/>
+                </a:solidFill>
+                <a:latin typeface="+mn-lt"/>
+                <a:ea typeface="+mn-ea"/>
+                <a:cs typeface="+mn-cs"/>
+              </a:defRPr>
+            </a:lvl8pPr>
+            <a:lvl9pPr marL="3657600" algn="l" defTabSz="914400" rtl="0" eaLnBrk="1" latinLnBrk="0" hangingPunct="1">
+              <a:defRPr sz="1800" kern="1200">
+                <a:solidFill>
+                  <a:schemeClr val="tx1"/>
+                </a:solidFill>
+                <a:latin typeface="+mn-lt"/>
+                <a:ea typeface="+mn-ea"/>
+                <a:cs typeface="+mn-cs"/>
+              </a:defRPr>
+            </a:lvl9pPr>
+          </a:lstStyle>
+          <a:p>
+            <a:r>
+              <a:rPr lang="en-IN" b="1" dirty="0">
+                <a:solidFill>
+                  <a:srgbClr val="002060"/>
+                </a:solidFill>
+                <a:latin typeface="Verdana" panose="020B0604030504040204" pitchFamily="34" charset="0"/>
+                <a:ea typeface="Verdana" panose="020B0604030504040204" pitchFamily="34" charset="0"/>
+              </a:rPr>
+              <a:t>Dot Net Learners House</a:t>
+            </a:r>
+          </a:p>
+        </p:txBody>
+      </p:sp>
+      <p:sp>
+        <p:nvSpPr>
+          <p:cNvPr id="11" name="Rectangle 10">
+            <a:extLst>
+              <a:ext uri="{FF2B5EF4-FFF2-40B4-BE49-F238E27FC236}">
+                <a16:creationId xmlns:a16="http://schemas.microsoft.com/office/drawing/2014/main" id="{D55098C6-1198-4DAB-B484-23DB1A599453}"/>
+              </a:ext>
+            </a:extLst>
+          </p:cNvPr>
+          <p:cNvSpPr/>
+          <p:nvPr/>
+        </p:nvSpPr>
+        <p:spPr>
+          <a:xfrm>
+            <a:off x="2816470" y="1919767"/>
+            <a:ext cx="6434775" cy="3154710"/>
+          </a:xfrm>
+          <a:prstGeom prst="rect">
+            <a:avLst/>
+          </a:prstGeom>
+          <a:noFill/>
+        </p:spPr>
+        <p:txBody>
+          <a:bodyPr wrap="none" lIns="91440" tIns="45720" rIns="91440" bIns="45720">
+            <a:spAutoFit/>
+          </a:bodyPr>
+          <a:lstStyle/>
+          <a:p>
+            <a:pPr algn="ctr"/>
+            <a:r>
+              <a:rPr lang="en-US" sz="19900" b="1" cap="none" spc="0" dirty="0">
+                <a:ln w="9525">
+                  <a:solidFill>
+                    <a:schemeClr val="bg1"/>
+                  </a:solidFill>
+                  <a:prstDash val="solid"/>
+                </a:ln>
+                <a:solidFill>
+                  <a:schemeClr val="accent5"/>
+                </a:solidFill>
+                <a:effectLst>
+                  <a:outerShdw blurRad="12700" dist="38100" dir="2700000" algn="tl" rotWithShape="0">
+                    <a:schemeClr val="accent5">
+                      <a:lumMod val="60000"/>
+                      <a:lumOff val="40000"/>
+                    </a:schemeClr>
+                  </a:outerShdw>
+                </a:effectLst>
+              </a:rPr>
+              <a:t>Q &amp; A</a:t>
+            </a:r>
+          </a:p>
+        </p:txBody>
+      </p:sp>
+    </p:spTree>
+    <p:extLst>
+      <p:ext uri="{BB962C8B-B14F-4D97-AF65-F5344CB8AC3E}">
+        <p14:creationId xmlns:p14="http://schemas.microsoft.com/office/powerpoint/2010/main" val="2536284009"/>
+      </p:ext>
+    </p:extLst>
+  </p:cSld>
+  <p:clrMapOvr>
+    <a:masterClrMapping/>
+  </p:clrMapOvr>
+</p:sld>
+</file>
+
+<file path=ppt/slides/slide26.xml><?xml version="1.0" encoding="utf-8"?>
+<p:sld xmlns:a="http://schemas.openxmlformats.org/drawingml/2006/main" xmlns:r="http://schemas.openxmlformats.org/officeDocument/2006/relationships" xmlns:p="http://schemas.openxmlformats.org/presentationml/2006/main">
+  <p:cSld>
+    <p:spTree>
+      <p:nvGrpSpPr>
+        <p:cNvPr id="1" name=""/>
+        <p:cNvGrpSpPr/>
+        <p:nvPr/>
+      </p:nvGrpSpPr>
+      <p:grpSpPr>
+        <a:xfrm>
+          <a:off x="0" y="0"/>
+          <a:ext cx="0" cy="0"/>
+          <a:chOff x="0" y="0"/>
+          <a:chExt cx="0" cy="0"/>
+        </a:xfrm>
+      </p:grpSpPr>
+      <p:sp>
+        <p:nvSpPr>
+          <p:cNvPr id="4" name="Rectangle 3">
+            <a:extLst>
+              <a:ext uri="{FF2B5EF4-FFF2-40B4-BE49-F238E27FC236}">
+                <a16:creationId xmlns:a16="http://schemas.microsoft.com/office/drawing/2014/main" id="{055C22F7-3FD1-4C1B-8D0C-0C2F7FB61DBE}"/>
+              </a:ext>
+            </a:extLst>
+          </p:cNvPr>
+          <p:cNvSpPr/>
+          <p:nvPr/>
+        </p:nvSpPr>
+        <p:spPr>
+          <a:xfrm>
+            <a:off x="0" y="8878"/>
+            <a:ext cx="12183122" cy="497150"/>
+          </a:xfrm>
+          <a:prstGeom prst="rect">
+            <a:avLst/>
+          </a:prstGeom>
+          <a:solidFill>
+            <a:srgbClr val="0070C0"/>
+          </a:solidFill>
+        </p:spPr>
+        <p:style>
+          <a:lnRef idx="2">
+            <a:schemeClr val="accent1">
+              <a:shade val="50000"/>
+            </a:schemeClr>
+          </a:lnRef>
+          <a:fillRef idx="1">
+            <a:schemeClr val="accent1"/>
+          </a:fillRef>
+          <a:effectRef idx="0">
+            <a:schemeClr val="accent1"/>
+          </a:effectRef>
+          <a:fontRef idx="minor">
+            <a:schemeClr val="lt1"/>
+          </a:fontRef>
+        </p:style>
+        <p:txBody>
+          <a:bodyPr rtlCol="0" anchor="ctr"/>
+          <a:lstStyle/>
+          <a:p>
+            <a:pPr algn="ctr"/>
+            <a:endParaRPr lang="en-IN" dirty="0">
+              <a:latin typeface="Verdana" panose="020B0604030504040204" pitchFamily="34" charset="0"/>
+              <a:ea typeface="Verdana" panose="020B0604030504040204" pitchFamily="34" charset="0"/>
+            </a:endParaRPr>
+          </a:p>
+        </p:txBody>
+      </p:sp>
+      <p:sp>
+        <p:nvSpPr>
+          <p:cNvPr id="7" name="Rectangle 6">
+            <a:extLst>
+              <a:ext uri="{FF2B5EF4-FFF2-40B4-BE49-F238E27FC236}">
+                <a16:creationId xmlns:a16="http://schemas.microsoft.com/office/drawing/2014/main" id="{B10720DE-FD2A-4FE5-B9FB-74854D01A659}"/>
+              </a:ext>
+            </a:extLst>
+          </p:cNvPr>
+          <p:cNvSpPr/>
+          <p:nvPr/>
+        </p:nvSpPr>
+        <p:spPr>
+          <a:xfrm>
+            <a:off x="0" y="6383046"/>
+            <a:ext cx="12183122" cy="57703"/>
+          </a:xfrm>
+          <a:prstGeom prst="rect">
+            <a:avLst/>
+          </a:prstGeom>
+          <a:solidFill>
+            <a:srgbClr val="0070C0"/>
+          </a:solidFill>
+        </p:spPr>
+        <p:style>
+          <a:lnRef idx="2">
+            <a:schemeClr val="accent1">
+              <a:shade val="50000"/>
+            </a:schemeClr>
+          </a:lnRef>
+          <a:fillRef idx="1">
+            <a:schemeClr val="accent1"/>
+          </a:fillRef>
+          <a:effectRef idx="0">
+            <a:schemeClr val="accent1"/>
+          </a:effectRef>
+          <a:fontRef idx="minor">
+            <a:schemeClr val="lt1"/>
+          </a:fontRef>
+        </p:style>
+        <p:txBody>
+          <a:bodyPr rtlCol="0" anchor="ctr"/>
+          <a:lstStyle/>
+          <a:p>
+            <a:pPr algn="ctr"/>
+            <a:endParaRPr lang="en-IN" sz="1000" dirty="0">
+              <a:latin typeface="Verdana" panose="020B0604030504040204" pitchFamily="34" charset="0"/>
+              <a:ea typeface="Verdana" panose="020B0604030504040204" pitchFamily="34" charset="0"/>
+            </a:endParaRPr>
+          </a:p>
+        </p:txBody>
+      </p:sp>
+      <p:sp>
+        <p:nvSpPr>
+          <p:cNvPr id="8" name="Footer Placeholder 7">
+            <a:extLst>
+              <a:ext uri="{FF2B5EF4-FFF2-40B4-BE49-F238E27FC236}">
+                <a16:creationId xmlns:a16="http://schemas.microsoft.com/office/drawing/2014/main" id="{DD2A19CA-EC18-432D-8F8F-17079808F38B}"/>
+              </a:ext>
+            </a:extLst>
+          </p:cNvPr>
+          <p:cNvSpPr>
+            <a:spLocks noGrp="1"/>
+          </p:cNvSpPr>
+          <p:nvPr>
+            <p:ph type="ftr" sz="quarter" idx="11"/>
+          </p:nvPr>
+        </p:nvSpPr>
+        <p:spPr>
+          <a:xfrm>
+            <a:off x="4038600" y="6427374"/>
+            <a:ext cx="4114800" cy="365125"/>
+          </a:xfrm>
+        </p:spPr>
+        <p:txBody>
+          <a:bodyPr/>
+          <a:lstStyle/>
+          <a:p>
+            <a:r>
+              <a:rPr lang="en-IN" b="1" dirty="0">
+                <a:solidFill>
+                  <a:srgbClr val="002060"/>
+                </a:solidFill>
+                <a:latin typeface="Verdana" panose="020B0604030504040204" pitchFamily="34" charset="0"/>
+                <a:ea typeface="Verdana" panose="020B0604030504040204" pitchFamily="34" charset="0"/>
+              </a:rPr>
+              <a:t>26-Dec-2020</a:t>
+            </a:r>
+          </a:p>
+        </p:txBody>
+      </p:sp>
+      <p:sp>
+        <p:nvSpPr>
+          <p:cNvPr id="9" name="Slide Number Placeholder 8">
+            <a:extLst>
+              <a:ext uri="{FF2B5EF4-FFF2-40B4-BE49-F238E27FC236}">
+                <a16:creationId xmlns:a16="http://schemas.microsoft.com/office/drawing/2014/main" id="{8162625C-0B1F-42E0-BE7C-D99A08FED7A3}"/>
+              </a:ext>
+            </a:extLst>
+          </p:cNvPr>
+          <p:cNvSpPr>
+            <a:spLocks noGrp="1"/>
+          </p:cNvSpPr>
+          <p:nvPr>
+            <p:ph type="sldNum" sz="quarter" idx="12"/>
+          </p:nvPr>
+        </p:nvSpPr>
+        <p:spPr>
+          <a:xfrm>
+            <a:off x="8610600" y="6427374"/>
+            <a:ext cx="2743200" cy="365125"/>
+          </a:xfrm>
+        </p:spPr>
+        <p:txBody>
+          <a:bodyPr/>
+          <a:lstStyle/>
+          <a:p>
+            <a:fld id="{30AF63FB-5233-4811-A918-B572E3A55817}" type="slidenum">
+              <a:rPr lang="en-IN" b="1" smtClean="0">
+                <a:solidFill>
+                  <a:srgbClr val="002060"/>
+                </a:solidFill>
+                <a:latin typeface="Verdana" panose="020B0604030504040204" pitchFamily="34" charset="0"/>
+                <a:ea typeface="Verdana" panose="020B0604030504040204" pitchFamily="34" charset="0"/>
+              </a:rPr>
+              <a:t>26</a:t>
             </a:fld>
             <a:endParaRPr lang="en-IN" b="1" dirty="0">
               <a:solidFill>
@@ -19269,6 +19441,514 @@
       </p:grpSpPr>
       <p:sp>
         <p:nvSpPr>
+          <p:cNvPr id="4" name="Rectangle 3">
+            <a:extLst>
+              <a:ext uri="{FF2B5EF4-FFF2-40B4-BE49-F238E27FC236}">
+                <a16:creationId xmlns:a16="http://schemas.microsoft.com/office/drawing/2014/main" id="{055C22F7-3FD1-4C1B-8D0C-0C2F7FB61DBE}"/>
+              </a:ext>
+            </a:extLst>
+          </p:cNvPr>
+          <p:cNvSpPr/>
+          <p:nvPr/>
+        </p:nvSpPr>
+        <p:spPr>
+          <a:xfrm>
+            <a:off x="0" y="8878"/>
+            <a:ext cx="12183122" cy="497150"/>
+          </a:xfrm>
+          <a:prstGeom prst="rect">
+            <a:avLst/>
+          </a:prstGeom>
+          <a:solidFill>
+            <a:srgbClr val="0070C0"/>
+          </a:solidFill>
+        </p:spPr>
+        <p:style>
+          <a:lnRef idx="2">
+            <a:schemeClr val="accent1">
+              <a:shade val="50000"/>
+            </a:schemeClr>
+          </a:lnRef>
+          <a:fillRef idx="1">
+            <a:schemeClr val="accent1"/>
+          </a:fillRef>
+          <a:effectRef idx="0">
+            <a:schemeClr val="accent1"/>
+          </a:effectRef>
+          <a:fontRef idx="minor">
+            <a:schemeClr val="lt1"/>
+          </a:fontRef>
+        </p:style>
+        <p:txBody>
+          <a:bodyPr rtlCol="0" anchor="ctr"/>
+          <a:lstStyle/>
+          <a:p>
+            <a:pPr algn="ctr"/>
+            <a:r>
+              <a:rPr lang="en-US" b="1" dirty="0">
+                <a:latin typeface="Verdana" panose="020B0604030504040204" pitchFamily="34" charset="0"/>
+                <a:ea typeface="Verdana" panose="020B0604030504040204" pitchFamily="34" charset="0"/>
+              </a:rPr>
+              <a:t>Information</a:t>
+            </a:r>
+            <a:endParaRPr lang="en-IN" b="1" dirty="0">
+              <a:latin typeface="Verdana" panose="020B0604030504040204" pitchFamily="34" charset="0"/>
+              <a:ea typeface="Verdana" panose="020B0604030504040204" pitchFamily="34" charset="0"/>
+            </a:endParaRPr>
+          </a:p>
+        </p:txBody>
+      </p:sp>
+      <p:sp>
+        <p:nvSpPr>
+          <p:cNvPr id="7" name="Rectangle 6">
+            <a:extLst>
+              <a:ext uri="{FF2B5EF4-FFF2-40B4-BE49-F238E27FC236}">
+                <a16:creationId xmlns:a16="http://schemas.microsoft.com/office/drawing/2014/main" id="{B10720DE-FD2A-4FE5-B9FB-74854D01A659}"/>
+              </a:ext>
+            </a:extLst>
+          </p:cNvPr>
+          <p:cNvSpPr/>
+          <p:nvPr/>
+        </p:nvSpPr>
+        <p:spPr>
+          <a:xfrm>
+            <a:off x="0" y="3915050"/>
+            <a:ext cx="12183122" cy="57703"/>
+          </a:xfrm>
+          <a:prstGeom prst="rect">
+            <a:avLst/>
+          </a:prstGeom>
+          <a:solidFill>
+            <a:srgbClr val="0070C0"/>
+          </a:solidFill>
+        </p:spPr>
+        <p:style>
+          <a:lnRef idx="2">
+            <a:schemeClr val="accent1">
+              <a:shade val="50000"/>
+            </a:schemeClr>
+          </a:lnRef>
+          <a:fillRef idx="1">
+            <a:schemeClr val="accent1"/>
+          </a:fillRef>
+          <a:effectRef idx="0">
+            <a:schemeClr val="accent1"/>
+          </a:effectRef>
+          <a:fontRef idx="minor">
+            <a:schemeClr val="lt1"/>
+          </a:fontRef>
+        </p:style>
+        <p:txBody>
+          <a:bodyPr rtlCol="0" anchor="ctr"/>
+          <a:lstStyle/>
+          <a:p>
+            <a:pPr algn="ctr"/>
+            <a:endParaRPr lang="en-IN" sz="1000" dirty="0">
+              <a:latin typeface="Verdana" panose="020B0604030504040204" pitchFamily="34" charset="0"/>
+              <a:ea typeface="Verdana" panose="020B0604030504040204" pitchFamily="34" charset="0"/>
+            </a:endParaRPr>
+          </a:p>
+        </p:txBody>
+      </p:sp>
+      <p:sp>
+        <p:nvSpPr>
+          <p:cNvPr id="8" name="Footer Placeholder 7">
+            <a:extLst>
+              <a:ext uri="{FF2B5EF4-FFF2-40B4-BE49-F238E27FC236}">
+                <a16:creationId xmlns:a16="http://schemas.microsoft.com/office/drawing/2014/main" id="{DD2A19CA-EC18-432D-8F8F-17079808F38B}"/>
+              </a:ext>
+            </a:extLst>
+          </p:cNvPr>
+          <p:cNvSpPr>
+            <a:spLocks noGrp="1"/>
+          </p:cNvSpPr>
+          <p:nvPr>
+            <p:ph type="ftr" sz="quarter" idx="11"/>
+          </p:nvPr>
+        </p:nvSpPr>
+        <p:spPr>
+          <a:xfrm>
+            <a:off x="4038600" y="3959378"/>
+            <a:ext cx="4114800" cy="365125"/>
+          </a:xfrm>
+        </p:spPr>
+        <p:txBody>
+          <a:bodyPr/>
+          <a:lstStyle/>
+          <a:p>
+            <a:r>
+              <a:rPr lang="en-IN" b="1" dirty="0">
+                <a:solidFill>
+                  <a:srgbClr val="002060"/>
+                </a:solidFill>
+                <a:latin typeface="Verdana" panose="020B0604030504040204" pitchFamily="34" charset="0"/>
+                <a:ea typeface="Verdana" panose="020B0604030504040204" pitchFamily="34" charset="0"/>
+              </a:rPr>
+              <a:t>2022</a:t>
+            </a:r>
+          </a:p>
+        </p:txBody>
+      </p:sp>
+      <p:sp>
+        <p:nvSpPr>
+          <p:cNvPr id="9" name="Slide Number Placeholder 8">
+            <a:extLst>
+              <a:ext uri="{FF2B5EF4-FFF2-40B4-BE49-F238E27FC236}">
+                <a16:creationId xmlns:a16="http://schemas.microsoft.com/office/drawing/2014/main" id="{8162625C-0B1F-42E0-BE7C-D99A08FED7A3}"/>
+              </a:ext>
+            </a:extLst>
+          </p:cNvPr>
+          <p:cNvSpPr>
+            <a:spLocks noGrp="1"/>
+          </p:cNvSpPr>
+          <p:nvPr>
+            <p:ph type="sldNum" sz="quarter" idx="12"/>
+          </p:nvPr>
+        </p:nvSpPr>
+        <p:spPr>
+          <a:xfrm>
+            <a:off x="8610600" y="3959378"/>
+            <a:ext cx="2743200" cy="365125"/>
+          </a:xfrm>
+        </p:spPr>
+        <p:txBody>
+          <a:bodyPr/>
+          <a:lstStyle/>
+          <a:p>
+            <a:r>
+              <a:rPr lang="en-IN" b="1" dirty="0">
+                <a:solidFill>
+                  <a:srgbClr val="002060"/>
+                </a:solidFill>
+                <a:latin typeface="Verdana" panose="020B0604030504040204" pitchFamily="34" charset="0"/>
+                <a:ea typeface="Verdana" panose="020B0604030504040204" pitchFamily="34" charset="0"/>
+              </a:rPr>
+              <a:t>1</a:t>
+            </a:r>
+          </a:p>
+        </p:txBody>
+      </p:sp>
+      <p:sp>
+        <p:nvSpPr>
+          <p:cNvPr id="12" name="Footer Placeholder 7">
+            <a:extLst>
+              <a:ext uri="{FF2B5EF4-FFF2-40B4-BE49-F238E27FC236}">
+                <a16:creationId xmlns:a16="http://schemas.microsoft.com/office/drawing/2014/main" id="{64C57949-E349-47D3-A505-A098233AF49D}"/>
+              </a:ext>
+            </a:extLst>
+          </p:cNvPr>
+          <p:cNvSpPr txBox="1">
+            <a:spLocks/>
+          </p:cNvSpPr>
+          <p:nvPr/>
+        </p:nvSpPr>
+        <p:spPr>
+          <a:xfrm>
+            <a:off x="133897" y="3960852"/>
+            <a:ext cx="4114800" cy="365125"/>
+          </a:xfrm>
+          <a:prstGeom prst="rect">
+            <a:avLst/>
+          </a:prstGeom>
+        </p:spPr>
+        <p:txBody>
+          <a:bodyPr vert="horz" lIns="91440" tIns="45720" rIns="91440" bIns="45720" rtlCol="0" anchor="ctr"/>
+          <a:lstStyle>
+            <a:defPPr>
+              <a:defRPr lang="en-US"/>
+            </a:defPPr>
+            <a:lvl1pPr marL="0" algn="ctr" defTabSz="914400" rtl="0" eaLnBrk="1" latinLnBrk="0" hangingPunct="1">
+              <a:defRPr sz="1200" kern="1200">
+                <a:solidFill>
+                  <a:schemeClr val="tx1">
+                    <a:tint val="75000"/>
+                  </a:schemeClr>
+                </a:solidFill>
+                <a:latin typeface="+mn-lt"/>
+                <a:ea typeface="+mn-ea"/>
+                <a:cs typeface="+mn-cs"/>
+              </a:defRPr>
+            </a:lvl1pPr>
+            <a:lvl2pPr marL="457200" algn="l" defTabSz="914400" rtl="0" eaLnBrk="1" latinLnBrk="0" hangingPunct="1">
+              <a:defRPr sz="1800" kern="1200">
+                <a:solidFill>
+                  <a:schemeClr val="tx1"/>
+                </a:solidFill>
+                <a:latin typeface="+mn-lt"/>
+                <a:ea typeface="+mn-ea"/>
+                <a:cs typeface="+mn-cs"/>
+              </a:defRPr>
+            </a:lvl2pPr>
+            <a:lvl3pPr marL="914400" algn="l" defTabSz="914400" rtl="0" eaLnBrk="1" latinLnBrk="0" hangingPunct="1">
+              <a:defRPr sz="1800" kern="1200">
+                <a:solidFill>
+                  <a:schemeClr val="tx1"/>
+                </a:solidFill>
+                <a:latin typeface="+mn-lt"/>
+                <a:ea typeface="+mn-ea"/>
+                <a:cs typeface="+mn-cs"/>
+              </a:defRPr>
+            </a:lvl3pPr>
+            <a:lvl4pPr marL="1371600" algn="l" defTabSz="914400" rtl="0" eaLnBrk="1" latinLnBrk="0" hangingPunct="1">
+              <a:defRPr sz="1800" kern="1200">
+                <a:solidFill>
+                  <a:schemeClr val="tx1"/>
+                </a:solidFill>
+                <a:latin typeface="+mn-lt"/>
+                <a:ea typeface="+mn-ea"/>
+                <a:cs typeface="+mn-cs"/>
+              </a:defRPr>
+            </a:lvl4pPr>
+            <a:lvl5pPr marL="1828800" algn="l" defTabSz="914400" rtl="0" eaLnBrk="1" latinLnBrk="0" hangingPunct="1">
+              <a:defRPr sz="1800" kern="1200">
+                <a:solidFill>
+                  <a:schemeClr val="tx1"/>
+                </a:solidFill>
+                <a:latin typeface="+mn-lt"/>
+                <a:ea typeface="+mn-ea"/>
+                <a:cs typeface="+mn-cs"/>
+              </a:defRPr>
+            </a:lvl5pPr>
+            <a:lvl6pPr marL="2286000" algn="l" defTabSz="914400" rtl="0" eaLnBrk="1" latinLnBrk="0" hangingPunct="1">
+              <a:defRPr sz="1800" kern="1200">
+                <a:solidFill>
+                  <a:schemeClr val="tx1"/>
+                </a:solidFill>
+                <a:latin typeface="+mn-lt"/>
+                <a:ea typeface="+mn-ea"/>
+                <a:cs typeface="+mn-cs"/>
+              </a:defRPr>
+            </a:lvl6pPr>
+            <a:lvl7pPr marL="2743200" algn="l" defTabSz="914400" rtl="0" eaLnBrk="1" latinLnBrk="0" hangingPunct="1">
+              <a:defRPr sz="1800" kern="1200">
+                <a:solidFill>
+                  <a:schemeClr val="tx1"/>
+                </a:solidFill>
+                <a:latin typeface="+mn-lt"/>
+                <a:ea typeface="+mn-ea"/>
+                <a:cs typeface="+mn-cs"/>
+              </a:defRPr>
+            </a:lvl7pPr>
+            <a:lvl8pPr marL="3200400" algn="l" defTabSz="914400" rtl="0" eaLnBrk="1" latinLnBrk="0" hangingPunct="1">
+              <a:defRPr sz="1800" kern="1200">
+                <a:solidFill>
+                  <a:schemeClr val="tx1"/>
+                </a:solidFill>
+                <a:latin typeface="+mn-lt"/>
+                <a:ea typeface="+mn-ea"/>
+                <a:cs typeface="+mn-cs"/>
+              </a:defRPr>
+            </a:lvl8pPr>
+            <a:lvl9pPr marL="3657600" algn="l" defTabSz="914400" rtl="0" eaLnBrk="1" latinLnBrk="0" hangingPunct="1">
+              <a:defRPr sz="1800" kern="1200">
+                <a:solidFill>
+                  <a:schemeClr val="tx1"/>
+                </a:solidFill>
+                <a:latin typeface="+mn-lt"/>
+                <a:ea typeface="+mn-ea"/>
+                <a:cs typeface="+mn-cs"/>
+              </a:defRPr>
+            </a:lvl9pPr>
+          </a:lstStyle>
+          <a:p>
+            <a:r>
+              <a:rPr lang="en-IN" b="1" dirty="0">
+                <a:solidFill>
+                  <a:srgbClr val="002060"/>
+                </a:solidFill>
+                <a:latin typeface="Verdana" panose="020B0604030504040204" pitchFamily="34" charset="0"/>
+                <a:ea typeface="Verdana" panose="020B0604030504040204" pitchFamily="34" charset="0"/>
+              </a:rPr>
+              <a:t>Pune Tech Community</a:t>
+            </a:r>
+          </a:p>
+        </p:txBody>
+      </p:sp>
+      <p:sp>
+        <p:nvSpPr>
+          <p:cNvPr id="10" name="TextBox 9">
+            <a:extLst>
+              <a:ext uri="{FF2B5EF4-FFF2-40B4-BE49-F238E27FC236}">
+                <a16:creationId xmlns:a16="http://schemas.microsoft.com/office/drawing/2014/main" id="{19953791-0C49-4113-A95A-639979BFF9A6}"/>
+              </a:ext>
+            </a:extLst>
+          </p:cNvPr>
+          <p:cNvSpPr txBox="1"/>
+          <p:nvPr/>
+        </p:nvSpPr>
+        <p:spPr>
+          <a:xfrm>
+            <a:off x="80629" y="557824"/>
+            <a:ext cx="12037390" cy="2800062"/>
+          </a:xfrm>
+          <a:prstGeom prst="rect">
+            <a:avLst/>
+          </a:prstGeom>
+          <a:noFill/>
+        </p:spPr>
+        <p:txBody>
+          <a:bodyPr wrap="square" rtlCol="0">
+            <a:spAutoFit/>
+          </a:bodyPr>
+          <a:lstStyle/>
+          <a:p>
+            <a:pPr marL="628650" lvl="1" indent="-171450">
+              <a:lnSpc>
+                <a:spcPct val="150000"/>
+              </a:lnSpc>
+              <a:buFont typeface="Wingdings" panose="05000000000000000000" pitchFamily="2" charset="2"/>
+              <a:buChar char="Ø"/>
+            </a:pPr>
+            <a:r>
+              <a:rPr lang="en-US" sz="2000" dirty="0">
+                <a:solidFill>
+                  <a:srgbClr val="00B0F0"/>
+                </a:solidFill>
+                <a:latin typeface="Verdana" panose="020B0604030504040204" pitchFamily="34" charset="0"/>
+                <a:ea typeface="Verdana" panose="020B0604030504040204" pitchFamily="34" charset="0"/>
+              </a:rPr>
+              <a:t> </a:t>
+            </a:r>
+            <a:r>
+              <a:rPr lang="en-US" sz="2000" dirty="0">
+                <a:solidFill>
+                  <a:srgbClr val="0070C0"/>
+                </a:solidFill>
+                <a:latin typeface="Verdana" panose="020B0604030504040204" pitchFamily="34" charset="0"/>
+                <a:ea typeface="Verdana" panose="020B0604030504040204" pitchFamily="34" charset="0"/>
+              </a:rPr>
+              <a:t>I am still a learner. Apologize if I do any mistake.</a:t>
+            </a:r>
+          </a:p>
+          <a:p>
+            <a:pPr marL="628650" lvl="1" indent="-171450">
+              <a:lnSpc>
+                <a:spcPct val="150000"/>
+              </a:lnSpc>
+              <a:buFont typeface="Wingdings" panose="05000000000000000000" pitchFamily="2" charset="2"/>
+              <a:buChar char="Ø"/>
+            </a:pPr>
+            <a:r>
+              <a:rPr lang="en-US" sz="2000" dirty="0">
+                <a:solidFill>
+                  <a:srgbClr val="002060"/>
+                </a:solidFill>
+                <a:latin typeface="Verdana" panose="020B0604030504040204" pitchFamily="34" charset="0"/>
+                <a:ea typeface="Verdana" panose="020B0604030504040204" pitchFamily="34" charset="0"/>
+              </a:rPr>
+              <a:t> All the sessions will be hands on.</a:t>
+            </a:r>
+          </a:p>
+          <a:p>
+            <a:pPr marL="628650" lvl="1" indent="-171450">
+              <a:lnSpc>
+                <a:spcPct val="150000"/>
+              </a:lnSpc>
+              <a:buFont typeface="Wingdings" panose="05000000000000000000" pitchFamily="2" charset="2"/>
+              <a:buChar char="Ø"/>
+            </a:pPr>
+            <a:r>
+              <a:rPr lang="en-US" sz="2000" dirty="0">
+                <a:solidFill>
+                  <a:srgbClr val="002060"/>
+                </a:solidFill>
+                <a:latin typeface="Verdana" panose="020B0604030504040204" pitchFamily="34" charset="0"/>
+                <a:ea typeface="Verdana" panose="020B0604030504040204" pitchFamily="34" charset="0"/>
+              </a:rPr>
+              <a:t> Will have parking lots for queries and other topics.</a:t>
+            </a:r>
+          </a:p>
+          <a:p>
+            <a:pPr marL="628650" lvl="1" indent="-171450">
+              <a:lnSpc>
+                <a:spcPct val="150000"/>
+              </a:lnSpc>
+              <a:buFont typeface="Wingdings" panose="05000000000000000000" pitchFamily="2" charset="2"/>
+              <a:buChar char="Ø"/>
+            </a:pPr>
+            <a:r>
+              <a:rPr lang="en-US" sz="2000" dirty="0">
+                <a:solidFill>
+                  <a:srgbClr val="002060"/>
+                </a:solidFill>
+                <a:latin typeface="Verdana" panose="020B0604030504040204" pitchFamily="34" charset="0"/>
+                <a:ea typeface="Verdana" panose="020B0604030504040204" pitchFamily="34" charset="0"/>
+              </a:rPr>
+              <a:t> Some of the concepts we will introduced and revisited in next sessions.</a:t>
+            </a:r>
+          </a:p>
+          <a:p>
+            <a:pPr marL="628650" lvl="1" indent="-171450">
+              <a:lnSpc>
+                <a:spcPct val="150000"/>
+              </a:lnSpc>
+              <a:buFont typeface="Wingdings" panose="05000000000000000000" pitchFamily="2" charset="2"/>
+              <a:buChar char="Ø"/>
+            </a:pPr>
+            <a:r>
+              <a:rPr lang="en-US" sz="2000" dirty="0">
+                <a:solidFill>
+                  <a:srgbClr val="002060"/>
+                </a:solidFill>
+                <a:latin typeface="Verdana" panose="020B0604030504040204" pitchFamily="34" charset="0"/>
+                <a:ea typeface="Verdana" panose="020B0604030504040204" pitchFamily="34" charset="0"/>
+              </a:rPr>
+              <a:t> There are multiple ways to do, we will use one of the ways.</a:t>
+            </a:r>
+          </a:p>
+          <a:p>
+            <a:pPr marL="628650" lvl="1" indent="-171450">
+              <a:lnSpc>
+                <a:spcPct val="150000"/>
+              </a:lnSpc>
+              <a:buFont typeface="Wingdings" panose="05000000000000000000" pitchFamily="2" charset="2"/>
+              <a:buChar char="Ø"/>
+            </a:pPr>
+            <a:r>
+              <a:rPr lang="en-US" sz="2000" dirty="0">
+                <a:solidFill>
+                  <a:srgbClr val="002060"/>
+                </a:solidFill>
+                <a:latin typeface="Verdana" panose="020B0604030504040204" pitchFamily="34" charset="0"/>
+                <a:ea typeface="Verdana" panose="020B0604030504040204" pitchFamily="34" charset="0"/>
+              </a:rPr>
+              <a:t> The focus was more on concepts and demos are kept simple. </a:t>
+            </a:r>
+          </a:p>
+        </p:txBody>
+      </p:sp>
+    </p:spTree>
+    <p:extLst>
+      <p:ext uri="{BB962C8B-B14F-4D97-AF65-F5344CB8AC3E}">
+        <p14:creationId xmlns:p14="http://schemas.microsoft.com/office/powerpoint/2010/main" val="4093287593"/>
+      </p:ext>
+    </p:extLst>
+  </p:cSld>
+  <p:clrMapOvr>
+    <a:masterClrMapping/>
+  </p:clrMapOvr>
+</p:sld>
+</file>
+
+<file path=ppt/slides/slide5.xml><?xml version="1.0" encoding="utf-8"?>
+<p:sld xmlns:a="http://schemas.openxmlformats.org/drawingml/2006/main" xmlns:r="http://schemas.openxmlformats.org/officeDocument/2006/relationships" xmlns:p="http://schemas.openxmlformats.org/presentationml/2006/main">
+  <p:cSld>
+    <p:spTree>
+      <p:nvGrpSpPr>
+        <p:cNvPr id="1" name=""/>
+        <p:cNvGrpSpPr/>
+        <p:nvPr/>
+      </p:nvGrpSpPr>
+      <p:grpSpPr>
+        <a:xfrm>
+          <a:off x="0" y="0"/>
+          <a:ext cx="0" cy="0"/>
+          <a:chOff x="0" y="0"/>
+          <a:chExt cx="0" cy="0"/>
+        </a:xfrm>
+      </p:grpSpPr>
+      <p:sp>
+        <p:nvSpPr>
           <p:cNvPr id="4" name="Flowchart: Magnetic Disk 3">
             <a:extLst>
               <a:ext uri="{FF2B5EF4-FFF2-40B4-BE49-F238E27FC236}">
@@ -20565,930 +21245,6 @@
 </p:sld>
 </file>
 
-<file path=ppt/slides/slide5.xml><?xml version="1.0" encoding="utf-8"?>
-<p:sld xmlns:a="http://schemas.openxmlformats.org/drawingml/2006/main" xmlns:r="http://schemas.openxmlformats.org/officeDocument/2006/relationships" xmlns:p="http://schemas.openxmlformats.org/presentationml/2006/main">
-  <p:cSld>
-    <p:spTree>
-      <p:nvGrpSpPr>
-        <p:cNvPr id="1" name=""/>
-        <p:cNvGrpSpPr/>
-        <p:nvPr/>
-      </p:nvGrpSpPr>
-      <p:grpSpPr>
-        <a:xfrm>
-          <a:off x="0" y="0"/>
-          <a:ext cx="0" cy="0"/>
-          <a:chOff x="0" y="0"/>
-          <a:chExt cx="0" cy="0"/>
-        </a:xfrm>
-      </p:grpSpPr>
-      <p:pic>
-        <p:nvPicPr>
-          <p:cNvPr id="1026" name="Picture 2">
-            <a:extLst>
-              <a:ext uri="{FF2B5EF4-FFF2-40B4-BE49-F238E27FC236}">
-                <a16:creationId xmlns:a16="http://schemas.microsoft.com/office/drawing/2014/main" id="{2BE09F8E-F4ED-48B7-9EE2-29D6C55A7243}"/>
-              </a:ext>
-            </a:extLst>
-          </p:cNvPr>
-          <p:cNvPicPr>
-            <a:picLocks noChangeAspect="1" noChangeArrowheads="1"/>
-          </p:cNvPicPr>
-          <p:nvPr/>
-        </p:nvPicPr>
-        <p:blipFill>
-          <a:blip r:embed="rId2">
-            <a:extLst>
-              <a:ext uri="{28A0092B-C50C-407E-A947-70E740481C1C}">
-                <a14:useLocalDpi xmlns:a14="http://schemas.microsoft.com/office/drawing/2010/main" val="0"/>
-              </a:ext>
-            </a:extLst>
-          </a:blip>
-          <a:srcRect/>
-          <a:stretch>
-            <a:fillRect/>
-          </a:stretch>
-        </p:blipFill>
-        <p:spPr bwMode="auto">
-          <a:xfrm>
-            <a:off x="6983816" y="983849"/>
-            <a:ext cx="847725" cy="847725"/>
-          </a:xfrm>
-          <a:prstGeom prst="rect">
-            <a:avLst/>
-          </a:prstGeom>
-          <a:noFill/>
-          <a:extLst>
-            <a:ext uri="{909E8E84-426E-40DD-AFC4-6F175D3DCCD1}">
-              <a14:hiddenFill xmlns:a14="http://schemas.microsoft.com/office/drawing/2010/main">
-                <a:solidFill>
-                  <a:srgbClr val="FFFFFF"/>
-                </a:solidFill>
-              </a14:hiddenFill>
-            </a:ext>
-          </a:extLst>
-        </p:spPr>
-      </p:pic>
-      <p:pic>
-        <p:nvPicPr>
-          <p:cNvPr id="1034" name="Picture 10">
-            <a:extLst>
-              <a:ext uri="{FF2B5EF4-FFF2-40B4-BE49-F238E27FC236}">
-                <a16:creationId xmlns:a16="http://schemas.microsoft.com/office/drawing/2014/main" id="{03A6EE1E-D6C3-43B7-A76C-ED8BA685C33B}"/>
-              </a:ext>
-            </a:extLst>
-          </p:cNvPr>
-          <p:cNvPicPr>
-            <a:picLocks noChangeAspect="1" noChangeArrowheads="1"/>
-          </p:cNvPicPr>
-          <p:nvPr/>
-        </p:nvPicPr>
-        <p:blipFill>
-          <a:blip r:embed="rId3">
-            <a:extLst>
-              <a:ext uri="{28A0092B-C50C-407E-A947-70E740481C1C}">
-                <a14:useLocalDpi xmlns:a14="http://schemas.microsoft.com/office/drawing/2010/main" val="0"/>
-              </a:ext>
-            </a:extLst>
-          </a:blip>
-          <a:srcRect/>
-          <a:stretch>
-            <a:fillRect/>
-          </a:stretch>
-        </p:blipFill>
-        <p:spPr bwMode="auto">
-          <a:xfrm>
-            <a:off x="10435886" y="3207380"/>
-            <a:ext cx="657225" cy="676275"/>
-          </a:xfrm>
-          <a:prstGeom prst="rect">
-            <a:avLst/>
-          </a:prstGeom>
-          <a:noFill/>
-          <a:extLst>
-            <a:ext uri="{909E8E84-426E-40DD-AFC4-6F175D3DCCD1}">
-              <a14:hiddenFill xmlns:a14="http://schemas.microsoft.com/office/drawing/2010/main">
-                <a:solidFill>
-                  <a:srgbClr val="FFFFFF"/>
-                </a:solidFill>
-              </a14:hiddenFill>
-            </a:ext>
-          </a:extLst>
-        </p:spPr>
-      </p:pic>
-      <p:pic>
-        <p:nvPicPr>
-          <p:cNvPr id="1036" name="Picture 12">
-            <a:extLst>
-              <a:ext uri="{FF2B5EF4-FFF2-40B4-BE49-F238E27FC236}">
-                <a16:creationId xmlns:a16="http://schemas.microsoft.com/office/drawing/2014/main" id="{AB427BB8-0AA8-4F7E-AA27-EA18ECDD59BE}"/>
-              </a:ext>
-            </a:extLst>
-          </p:cNvPr>
-          <p:cNvPicPr>
-            <a:picLocks noChangeAspect="1" noChangeArrowheads="1"/>
-          </p:cNvPicPr>
-          <p:nvPr/>
-        </p:nvPicPr>
-        <p:blipFill>
-          <a:blip r:embed="rId4">
-            <a:extLst>
-              <a:ext uri="{28A0092B-C50C-407E-A947-70E740481C1C}">
-                <a14:useLocalDpi xmlns:a14="http://schemas.microsoft.com/office/drawing/2010/main" val="0"/>
-              </a:ext>
-            </a:extLst>
-          </a:blip>
-          <a:srcRect/>
-          <a:stretch>
-            <a:fillRect/>
-          </a:stretch>
-        </p:blipFill>
-        <p:spPr bwMode="auto">
-          <a:xfrm>
-            <a:off x="3632510" y="3148651"/>
-            <a:ext cx="809625" cy="809625"/>
-          </a:xfrm>
-          <a:prstGeom prst="rect">
-            <a:avLst/>
-          </a:prstGeom>
-          <a:noFill/>
-          <a:extLst>
-            <a:ext uri="{909E8E84-426E-40DD-AFC4-6F175D3DCCD1}">
-              <a14:hiddenFill xmlns:a14="http://schemas.microsoft.com/office/drawing/2010/main">
-                <a:solidFill>
-                  <a:srgbClr val="FFFFFF"/>
-                </a:solidFill>
-              </a14:hiddenFill>
-            </a:ext>
-          </a:extLst>
-        </p:spPr>
-      </p:pic>
-      <p:pic>
-        <p:nvPicPr>
-          <p:cNvPr id="1044" name="Picture 20">
-            <a:extLst>
-              <a:ext uri="{FF2B5EF4-FFF2-40B4-BE49-F238E27FC236}">
-                <a16:creationId xmlns:a16="http://schemas.microsoft.com/office/drawing/2014/main" id="{24CA475C-31C6-4B82-A0EA-16888492B5DE}"/>
-              </a:ext>
-            </a:extLst>
-          </p:cNvPr>
-          <p:cNvPicPr>
-            <a:picLocks noChangeAspect="1" noChangeArrowheads="1"/>
-          </p:cNvPicPr>
-          <p:nvPr/>
-        </p:nvPicPr>
-        <p:blipFill>
-          <a:blip r:embed="rId5">
-            <a:extLst>
-              <a:ext uri="{28A0092B-C50C-407E-A947-70E740481C1C}">
-                <a14:useLocalDpi xmlns:a14="http://schemas.microsoft.com/office/drawing/2010/main" val="0"/>
-              </a:ext>
-            </a:extLst>
-          </a:blip>
-          <a:srcRect/>
-          <a:stretch>
-            <a:fillRect/>
-          </a:stretch>
-        </p:blipFill>
-        <p:spPr bwMode="auto">
-          <a:xfrm>
-            <a:off x="414338" y="3207382"/>
-            <a:ext cx="657225" cy="676275"/>
-          </a:xfrm>
-          <a:prstGeom prst="rect">
-            <a:avLst/>
-          </a:prstGeom>
-          <a:noFill/>
-          <a:extLst>
-            <a:ext uri="{909E8E84-426E-40DD-AFC4-6F175D3DCCD1}">
-              <a14:hiddenFill xmlns:a14="http://schemas.microsoft.com/office/drawing/2010/main">
-                <a:solidFill>
-                  <a:srgbClr val="FFFFFF"/>
-                </a:solidFill>
-              </a14:hiddenFill>
-            </a:ext>
-          </a:extLst>
-        </p:spPr>
-      </p:pic>
-      <p:pic>
-        <p:nvPicPr>
-          <p:cNvPr id="22" name="Picture 12">
-            <a:extLst>
-              <a:ext uri="{FF2B5EF4-FFF2-40B4-BE49-F238E27FC236}">
-                <a16:creationId xmlns:a16="http://schemas.microsoft.com/office/drawing/2014/main" id="{CDD441FC-ED8A-4B90-A512-1FFA05777E63}"/>
-              </a:ext>
-            </a:extLst>
-          </p:cNvPr>
-          <p:cNvPicPr>
-            <a:picLocks noChangeAspect="1" noChangeArrowheads="1"/>
-          </p:cNvPicPr>
-          <p:nvPr/>
-        </p:nvPicPr>
-        <p:blipFill>
-          <a:blip r:embed="rId4">
-            <a:extLst>
-              <a:ext uri="{28A0092B-C50C-407E-A947-70E740481C1C}">
-                <a14:useLocalDpi xmlns:a14="http://schemas.microsoft.com/office/drawing/2010/main" val="0"/>
-              </a:ext>
-            </a:extLst>
-          </a:blip>
-          <a:srcRect/>
-          <a:stretch>
-            <a:fillRect/>
-          </a:stretch>
-        </p:blipFill>
-        <p:spPr bwMode="auto">
-          <a:xfrm>
-            <a:off x="7010400" y="3140706"/>
-            <a:ext cx="809625" cy="809625"/>
-          </a:xfrm>
-          <a:prstGeom prst="rect">
-            <a:avLst/>
-          </a:prstGeom>
-          <a:noFill/>
-          <a:extLst>
-            <a:ext uri="{909E8E84-426E-40DD-AFC4-6F175D3DCCD1}">
-              <a14:hiddenFill xmlns:a14="http://schemas.microsoft.com/office/drawing/2010/main">
-                <a:solidFill>
-                  <a:srgbClr val="FFFFFF"/>
-                </a:solidFill>
-              </a14:hiddenFill>
-            </a:ext>
-          </a:extLst>
-        </p:spPr>
-      </p:pic>
-      <p:sp>
-        <p:nvSpPr>
-          <p:cNvPr id="11" name="Heptagon 10">
-            <a:extLst>
-              <a:ext uri="{FF2B5EF4-FFF2-40B4-BE49-F238E27FC236}">
-                <a16:creationId xmlns:a16="http://schemas.microsoft.com/office/drawing/2014/main" id="{8EF000E9-1A1B-40B9-BF7B-8E7326AAFA24}"/>
-              </a:ext>
-            </a:extLst>
-          </p:cNvPr>
-          <p:cNvSpPr/>
-          <p:nvPr/>
-        </p:nvSpPr>
-        <p:spPr>
-          <a:xfrm>
-            <a:off x="240913" y="3082562"/>
-            <a:ext cx="307435" cy="344102"/>
-          </a:xfrm>
-          <a:prstGeom prst="heptagon">
-            <a:avLst/>
-          </a:prstGeom>
-        </p:spPr>
-        <p:style>
-          <a:lnRef idx="2">
-            <a:schemeClr val="accent1">
-              <a:shade val="50000"/>
-            </a:schemeClr>
-          </a:lnRef>
-          <a:fillRef idx="1">
-            <a:schemeClr val="accent1"/>
-          </a:fillRef>
-          <a:effectRef idx="0">
-            <a:schemeClr val="accent1"/>
-          </a:effectRef>
-          <a:fontRef idx="minor">
-            <a:schemeClr val="lt1"/>
-          </a:fontRef>
-        </p:style>
-        <p:txBody>
-          <a:bodyPr rtlCol="0" anchor="ctr"/>
-          <a:lstStyle/>
-          <a:p>
-            <a:pPr algn="ctr"/>
-            <a:r>
-              <a:rPr lang="en-US" dirty="0"/>
-              <a:t>1</a:t>
-            </a:r>
-          </a:p>
-        </p:txBody>
-      </p:sp>
-      <p:cxnSp>
-        <p:nvCxnSpPr>
-          <p:cNvPr id="23" name="Straight Connector 22">
-            <a:extLst>
-              <a:ext uri="{FF2B5EF4-FFF2-40B4-BE49-F238E27FC236}">
-                <a16:creationId xmlns:a16="http://schemas.microsoft.com/office/drawing/2014/main" id="{2F483661-8B57-4D41-8C50-C7739BB2C923}"/>
-              </a:ext>
-            </a:extLst>
-          </p:cNvPr>
-          <p:cNvCxnSpPr>
-            <a:stCxn id="22" idx="0"/>
-            <a:endCxn id="1026" idx="2"/>
-          </p:cNvCxnSpPr>
-          <p:nvPr/>
-        </p:nvCxnSpPr>
-        <p:spPr>
-          <a:xfrm flipH="1" flipV="1">
-            <a:off x="7407679" y="1831574"/>
-            <a:ext cx="7534" cy="1309132"/>
-          </a:xfrm>
-          <a:prstGeom prst="line">
-            <a:avLst/>
-          </a:prstGeom>
-        </p:spPr>
-        <p:style>
-          <a:lnRef idx="1">
-            <a:schemeClr val="accent1"/>
-          </a:lnRef>
-          <a:fillRef idx="0">
-            <a:schemeClr val="accent1"/>
-          </a:fillRef>
-          <a:effectRef idx="0">
-            <a:schemeClr val="accent1"/>
-          </a:effectRef>
-          <a:fontRef idx="minor">
-            <a:schemeClr val="tx1"/>
-          </a:fontRef>
-        </p:style>
-      </p:cxnSp>
-      <p:sp>
-        <p:nvSpPr>
-          <p:cNvPr id="45" name="Heptagon 44">
-            <a:extLst>
-              <a:ext uri="{FF2B5EF4-FFF2-40B4-BE49-F238E27FC236}">
-                <a16:creationId xmlns:a16="http://schemas.microsoft.com/office/drawing/2014/main" id="{E7A80D65-5ADB-4DCD-A7A2-5DFBCA0C9B8D}"/>
-              </a:ext>
-            </a:extLst>
-          </p:cNvPr>
-          <p:cNvSpPr/>
-          <p:nvPr/>
-        </p:nvSpPr>
-        <p:spPr>
-          <a:xfrm>
-            <a:off x="3273843" y="3082562"/>
-            <a:ext cx="307435" cy="344102"/>
-          </a:xfrm>
-          <a:prstGeom prst="heptagon">
-            <a:avLst/>
-          </a:prstGeom>
-        </p:spPr>
-        <p:style>
-          <a:lnRef idx="2">
-            <a:schemeClr val="accent1">
-              <a:shade val="50000"/>
-            </a:schemeClr>
-          </a:lnRef>
-          <a:fillRef idx="1">
-            <a:schemeClr val="accent1"/>
-          </a:fillRef>
-          <a:effectRef idx="0">
-            <a:schemeClr val="accent1"/>
-          </a:effectRef>
-          <a:fontRef idx="minor">
-            <a:schemeClr val="lt1"/>
-          </a:fontRef>
-        </p:style>
-        <p:txBody>
-          <a:bodyPr rtlCol="0" anchor="ctr"/>
-          <a:lstStyle/>
-          <a:p>
-            <a:pPr algn="ctr"/>
-            <a:r>
-              <a:rPr lang="en-US" dirty="0"/>
-              <a:t>2</a:t>
-            </a:r>
-          </a:p>
-        </p:txBody>
-      </p:sp>
-      <p:sp>
-        <p:nvSpPr>
-          <p:cNvPr id="46" name="Heptagon 45">
-            <a:extLst>
-              <a:ext uri="{FF2B5EF4-FFF2-40B4-BE49-F238E27FC236}">
-                <a16:creationId xmlns:a16="http://schemas.microsoft.com/office/drawing/2014/main" id="{41E19403-B49B-4C20-BB68-98A12476BA78}"/>
-              </a:ext>
-            </a:extLst>
-          </p:cNvPr>
-          <p:cNvSpPr/>
-          <p:nvPr/>
-        </p:nvSpPr>
-        <p:spPr>
-          <a:xfrm>
-            <a:off x="6680128" y="3082562"/>
-            <a:ext cx="307435" cy="344102"/>
-          </a:xfrm>
-          <a:prstGeom prst="heptagon">
-            <a:avLst/>
-          </a:prstGeom>
-        </p:spPr>
-        <p:style>
-          <a:lnRef idx="2">
-            <a:schemeClr val="accent1">
-              <a:shade val="50000"/>
-            </a:schemeClr>
-          </a:lnRef>
-          <a:fillRef idx="1">
-            <a:schemeClr val="accent1"/>
-          </a:fillRef>
-          <a:effectRef idx="0">
-            <a:schemeClr val="accent1"/>
-          </a:effectRef>
-          <a:fontRef idx="minor">
-            <a:schemeClr val="lt1"/>
-          </a:fontRef>
-        </p:style>
-        <p:txBody>
-          <a:bodyPr rtlCol="0" anchor="ctr"/>
-          <a:lstStyle/>
-          <a:p>
-            <a:pPr algn="ctr"/>
-            <a:r>
-              <a:rPr lang="en-US" dirty="0"/>
-              <a:t>3</a:t>
-            </a:r>
-          </a:p>
-        </p:txBody>
-      </p:sp>
-      <p:sp>
-        <p:nvSpPr>
-          <p:cNvPr id="47" name="Heptagon 46">
-            <a:extLst>
-              <a:ext uri="{FF2B5EF4-FFF2-40B4-BE49-F238E27FC236}">
-                <a16:creationId xmlns:a16="http://schemas.microsoft.com/office/drawing/2014/main" id="{AB00409F-5084-44E7-90AA-34000E295530}"/>
-              </a:ext>
-            </a:extLst>
-          </p:cNvPr>
-          <p:cNvSpPr/>
-          <p:nvPr/>
-        </p:nvSpPr>
-        <p:spPr>
-          <a:xfrm>
-            <a:off x="6674459" y="1157482"/>
-            <a:ext cx="307435" cy="344102"/>
-          </a:xfrm>
-          <a:prstGeom prst="heptagon">
-            <a:avLst/>
-          </a:prstGeom>
-        </p:spPr>
-        <p:style>
-          <a:lnRef idx="2">
-            <a:schemeClr val="accent1">
-              <a:shade val="50000"/>
-            </a:schemeClr>
-          </a:lnRef>
-          <a:fillRef idx="1">
-            <a:schemeClr val="accent1"/>
-          </a:fillRef>
-          <a:effectRef idx="0">
-            <a:schemeClr val="accent1"/>
-          </a:effectRef>
-          <a:fontRef idx="minor">
-            <a:schemeClr val="lt1"/>
-          </a:fontRef>
-        </p:style>
-        <p:txBody>
-          <a:bodyPr rtlCol="0" anchor="ctr"/>
-          <a:lstStyle/>
-          <a:p>
-            <a:pPr algn="ctr"/>
-            <a:r>
-              <a:rPr lang="en-US" dirty="0"/>
-              <a:t>4</a:t>
-            </a:r>
-          </a:p>
-        </p:txBody>
-      </p:sp>
-      <p:sp>
-        <p:nvSpPr>
-          <p:cNvPr id="48" name="Heptagon 47">
-            <a:extLst>
-              <a:ext uri="{FF2B5EF4-FFF2-40B4-BE49-F238E27FC236}">
-                <a16:creationId xmlns:a16="http://schemas.microsoft.com/office/drawing/2014/main" id="{7404ADED-C51D-46C9-8F7A-0B3E6F45A5B6}"/>
-              </a:ext>
-            </a:extLst>
-          </p:cNvPr>
-          <p:cNvSpPr/>
-          <p:nvPr/>
-        </p:nvSpPr>
-        <p:spPr>
-          <a:xfrm>
-            <a:off x="10022305" y="3082562"/>
-            <a:ext cx="307435" cy="344102"/>
-          </a:xfrm>
-          <a:prstGeom prst="heptagon">
-            <a:avLst/>
-          </a:prstGeom>
-        </p:spPr>
-        <p:style>
-          <a:lnRef idx="2">
-            <a:schemeClr val="accent1">
-              <a:shade val="50000"/>
-            </a:schemeClr>
-          </a:lnRef>
-          <a:fillRef idx="1">
-            <a:schemeClr val="accent1"/>
-          </a:fillRef>
-          <a:effectRef idx="0">
-            <a:schemeClr val="accent1"/>
-          </a:effectRef>
-          <a:fontRef idx="minor">
-            <a:schemeClr val="lt1"/>
-          </a:fontRef>
-        </p:style>
-        <p:txBody>
-          <a:bodyPr rtlCol="0" anchor="ctr"/>
-          <a:lstStyle/>
-          <a:p>
-            <a:pPr algn="ctr"/>
-            <a:r>
-              <a:rPr lang="en-US" dirty="0"/>
-              <a:t>5</a:t>
-            </a:r>
-          </a:p>
-        </p:txBody>
-      </p:sp>
-      <p:sp>
-        <p:nvSpPr>
-          <p:cNvPr id="35" name="TextBox 34">
-            <a:extLst>
-              <a:ext uri="{FF2B5EF4-FFF2-40B4-BE49-F238E27FC236}">
-                <a16:creationId xmlns:a16="http://schemas.microsoft.com/office/drawing/2014/main" id="{E2F5F6A0-D510-4DE5-B9DB-EE0C0D374DC9}"/>
-              </a:ext>
-            </a:extLst>
-          </p:cNvPr>
-          <p:cNvSpPr txBox="1"/>
-          <p:nvPr/>
-        </p:nvSpPr>
-        <p:spPr>
-          <a:xfrm>
-            <a:off x="9219304" y="5138637"/>
-            <a:ext cx="2893741" cy="369332"/>
-          </a:xfrm>
-          <a:prstGeom prst="rect">
-            <a:avLst/>
-          </a:prstGeom>
-          <a:noFill/>
-          <a:ln>
-            <a:solidFill>
-              <a:schemeClr val="tx1"/>
-            </a:solidFill>
-            <a:prstDash val="solid"/>
-          </a:ln>
-        </p:spPr>
-        <p:txBody>
-          <a:bodyPr wrap="none" rtlCol="0">
-            <a:spAutoFit/>
-          </a:bodyPr>
-          <a:lstStyle/>
-          <a:p>
-            <a:r>
-              <a:rPr lang="en-US" b="1" dirty="0">
-                <a:solidFill>
-                  <a:srgbClr val="0070C0"/>
-                </a:solidFill>
-                <a:latin typeface="Verdana" panose="020B0604030504040204" pitchFamily="34" charset="0"/>
-                <a:ea typeface="Verdana" panose="020B0604030504040204" pitchFamily="34" charset="0"/>
-              </a:rPr>
-              <a:t>August 2021 Version</a:t>
-            </a:r>
-          </a:p>
-        </p:txBody>
-      </p:sp>
-      <p:sp>
-        <p:nvSpPr>
-          <p:cNvPr id="29" name="TextBox 28">
-            <a:extLst>
-              <a:ext uri="{FF2B5EF4-FFF2-40B4-BE49-F238E27FC236}">
-                <a16:creationId xmlns:a16="http://schemas.microsoft.com/office/drawing/2014/main" id="{73DEDEAB-57DE-46F8-9469-78112F7FEB52}"/>
-              </a:ext>
-            </a:extLst>
-          </p:cNvPr>
-          <p:cNvSpPr txBox="1"/>
-          <p:nvPr/>
-        </p:nvSpPr>
-        <p:spPr>
-          <a:xfrm>
-            <a:off x="3433951" y="3868771"/>
-            <a:ext cx="1206741" cy="276999"/>
-          </a:xfrm>
-          <a:prstGeom prst="rect">
-            <a:avLst/>
-          </a:prstGeom>
-          <a:noFill/>
-        </p:spPr>
-        <p:txBody>
-          <a:bodyPr wrap="none" rtlCol="0">
-            <a:spAutoFit/>
-          </a:bodyPr>
-          <a:lstStyle/>
-          <a:p>
-            <a:r>
-              <a:rPr lang="en-US" sz="1200" dirty="0">
-                <a:solidFill>
-                  <a:srgbClr val="002060"/>
-                </a:solidFill>
-                <a:latin typeface="Verdana" panose="020B0604030504040204" pitchFamily="34" charset="0"/>
-                <a:ea typeface="Verdana" panose="020B0604030504040204" pitchFamily="34" charset="0"/>
-              </a:rPr>
-              <a:t>Blazor WASM</a:t>
-            </a:r>
-          </a:p>
-        </p:txBody>
-      </p:sp>
-      <p:sp>
-        <p:nvSpPr>
-          <p:cNvPr id="32" name="TextBox 31">
-            <a:extLst>
-              <a:ext uri="{FF2B5EF4-FFF2-40B4-BE49-F238E27FC236}">
-                <a16:creationId xmlns:a16="http://schemas.microsoft.com/office/drawing/2014/main" id="{7ACD62D2-6EA3-462B-9EE3-1AE82A658BDE}"/>
-              </a:ext>
-            </a:extLst>
-          </p:cNvPr>
-          <p:cNvSpPr txBox="1"/>
-          <p:nvPr/>
-        </p:nvSpPr>
-        <p:spPr>
-          <a:xfrm>
-            <a:off x="7003080" y="3868771"/>
-            <a:ext cx="834396" cy="276999"/>
-          </a:xfrm>
-          <a:prstGeom prst="rect">
-            <a:avLst/>
-          </a:prstGeom>
-          <a:noFill/>
-        </p:spPr>
-        <p:txBody>
-          <a:bodyPr wrap="none" rtlCol="0">
-            <a:spAutoFit/>
-          </a:bodyPr>
-          <a:lstStyle/>
-          <a:p>
-            <a:r>
-              <a:rPr lang="en-US" sz="1200" dirty="0">
-                <a:solidFill>
-                  <a:srgbClr val="002060"/>
-                </a:solidFill>
-                <a:latin typeface="Verdana" panose="020B0604030504040204" pitchFamily="34" charset="0"/>
-                <a:ea typeface="Verdana" panose="020B0604030504040204" pitchFamily="34" charset="0"/>
-              </a:rPr>
-              <a:t>Web API</a:t>
-            </a:r>
-          </a:p>
-        </p:txBody>
-      </p:sp>
-      <p:sp>
-        <p:nvSpPr>
-          <p:cNvPr id="33" name="TextBox 32">
-            <a:extLst>
-              <a:ext uri="{FF2B5EF4-FFF2-40B4-BE49-F238E27FC236}">
-                <a16:creationId xmlns:a16="http://schemas.microsoft.com/office/drawing/2014/main" id="{B2F4BAD8-B680-472E-AAAA-BA6C3042BA54}"/>
-              </a:ext>
-            </a:extLst>
-          </p:cNvPr>
-          <p:cNvSpPr txBox="1"/>
-          <p:nvPr/>
-        </p:nvSpPr>
-        <p:spPr>
-          <a:xfrm>
-            <a:off x="6657173" y="761510"/>
-            <a:ext cx="1411027" cy="276999"/>
-          </a:xfrm>
-          <a:prstGeom prst="rect">
-            <a:avLst/>
-          </a:prstGeom>
-          <a:noFill/>
-        </p:spPr>
-        <p:txBody>
-          <a:bodyPr wrap="none" rtlCol="0">
-            <a:spAutoFit/>
-          </a:bodyPr>
-          <a:lstStyle/>
-          <a:p>
-            <a:r>
-              <a:rPr lang="en-US" sz="1200" dirty="0">
-                <a:solidFill>
-                  <a:srgbClr val="002060"/>
-                </a:solidFill>
-                <a:latin typeface="Verdana" panose="020B0604030504040204" pitchFamily="34" charset="0"/>
-                <a:ea typeface="Verdana" panose="020B0604030504040204" pitchFamily="34" charset="0"/>
-              </a:rPr>
-              <a:t>Azure Key Vault</a:t>
-            </a:r>
-          </a:p>
-        </p:txBody>
-      </p:sp>
-      <p:sp>
-        <p:nvSpPr>
-          <p:cNvPr id="37" name="TextBox 36">
-            <a:extLst>
-              <a:ext uri="{FF2B5EF4-FFF2-40B4-BE49-F238E27FC236}">
-                <a16:creationId xmlns:a16="http://schemas.microsoft.com/office/drawing/2014/main" id="{E472F245-397E-4CEE-88C2-F7D04A607F7F}"/>
-              </a:ext>
-            </a:extLst>
-          </p:cNvPr>
-          <p:cNvSpPr txBox="1"/>
-          <p:nvPr/>
-        </p:nvSpPr>
-        <p:spPr>
-          <a:xfrm>
-            <a:off x="9978904" y="3868771"/>
-            <a:ext cx="1557093" cy="276999"/>
-          </a:xfrm>
-          <a:prstGeom prst="rect">
-            <a:avLst/>
-          </a:prstGeom>
-          <a:noFill/>
-        </p:spPr>
-        <p:txBody>
-          <a:bodyPr wrap="none" rtlCol="0">
-            <a:spAutoFit/>
-          </a:bodyPr>
-          <a:lstStyle/>
-          <a:p>
-            <a:r>
-              <a:rPr lang="en-US" sz="1200" dirty="0">
-                <a:solidFill>
-                  <a:srgbClr val="002060"/>
-                </a:solidFill>
-                <a:latin typeface="Verdana" panose="020B0604030504040204" pitchFamily="34" charset="0"/>
-                <a:ea typeface="Verdana" panose="020B0604030504040204" pitchFamily="34" charset="0"/>
-              </a:rPr>
-              <a:t>Azure SQL Server</a:t>
-            </a:r>
-          </a:p>
-        </p:txBody>
-      </p:sp>
-      <p:cxnSp>
-        <p:nvCxnSpPr>
-          <p:cNvPr id="43" name="Straight Arrow Connector 42">
-            <a:extLst>
-              <a:ext uri="{FF2B5EF4-FFF2-40B4-BE49-F238E27FC236}">
-                <a16:creationId xmlns:a16="http://schemas.microsoft.com/office/drawing/2014/main" id="{BB3E70C0-B1EA-4E72-AF0A-7A34EFBCE473}"/>
-              </a:ext>
-            </a:extLst>
-          </p:cNvPr>
-          <p:cNvCxnSpPr>
-            <a:cxnSpLocks/>
-          </p:cNvCxnSpPr>
-          <p:nvPr/>
-        </p:nvCxnSpPr>
-        <p:spPr>
-          <a:xfrm flipV="1">
-            <a:off x="973819" y="3563806"/>
-            <a:ext cx="2712126" cy="1"/>
-          </a:xfrm>
-          <a:prstGeom prst="straightConnector1">
-            <a:avLst/>
-          </a:prstGeom>
-          <a:ln>
-            <a:tailEnd type="triangle"/>
-          </a:ln>
-        </p:spPr>
-        <p:style>
-          <a:lnRef idx="1">
-            <a:schemeClr val="accent1"/>
-          </a:lnRef>
-          <a:fillRef idx="0">
-            <a:schemeClr val="accent1"/>
-          </a:fillRef>
-          <a:effectRef idx="0">
-            <a:schemeClr val="accent1"/>
-          </a:effectRef>
-          <a:fontRef idx="minor">
-            <a:schemeClr val="tx1"/>
-          </a:fontRef>
-        </p:style>
-      </p:cxnSp>
-      <p:cxnSp>
-        <p:nvCxnSpPr>
-          <p:cNvPr id="52" name="Straight Arrow Connector 51">
-            <a:extLst>
-              <a:ext uri="{FF2B5EF4-FFF2-40B4-BE49-F238E27FC236}">
-                <a16:creationId xmlns:a16="http://schemas.microsoft.com/office/drawing/2014/main" id="{32B65C11-0411-4270-B765-93FD97EF4FD7}"/>
-              </a:ext>
-            </a:extLst>
-          </p:cNvPr>
-          <p:cNvCxnSpPr>
-            <a:cxnSpLocks/>
-          </p:cNvCxnSpPr>
-          <p:nvPr/>
-        </p:nvCxnSpPr>
-        <p:spPr>
-          <a:xfrm flipV="1">
-            <a:off x="4357700" y="3556406"/>
-            <a:ext cx="2712126" cy="1"/>
-          </a:xfrm>
-          <a:prstGeom prst="straightConnector1">
-            <a:avLst/>
-          </a:prstGeom>
-          <a:ln>
-            <a:tailEnd type="triangle"/>
-          </a:ln>
-        </p:spPr>
-        <p:style>
-          <a:lnRef idx="1">
-            <a:schemeClr val="accent1"/>
-          </a:lnRef>
-          <a:fillRef idx="0">
-            <a:schemeClr val="accent1"/>
-          </a:fillRef>
-          <a:effectRef idx="0">
-            <a:schemeClr val="accent1"/>
-          </a:effectRef>
-          <a:fontRef idx="minor">
-            <a:schemeClr val="tx1"/>
-          </a:fontRef>
-        </p:style>
-      </p:cxnSp>
-      <p:cxnSp>
-        <p:nvCxnSpPr>
-          <p:cNvPr id="53" name="Straight Arrow Connector 52">
-            <a:extLst>
-              <a:ext uri="{FF2B5EF4-FFF2-40B4-BE49-F238E27FC236}">
-                <a16:creationId xmlns:a16="http://schemas.microsoft.com/office/drawing/2014/main" id="{377EAAA1-50F0-433E-A218-35B4BA6C37EB}"/>
-              </a:ext>
-            </a:extLst>
-          </p:cNvPr>
-          <p:cNvCxnSpPr>
-            <a:cxnSpLocks/>
-          </p:cNvCxnSpPr>
-          <p:nvPr/>
-        </p:nvCxnSpPr>
-        <p:spPr>
-          <a:xfrm flipV="1">
-            <a:off x="7784487" y="3556403"/>
-            <a:ext cx="2712126" cy="1"/>
-          </a:xfrm>
-          <a:prstGeom prst="straightConnector1">
-            <a:avLst/>
-          </a:prstGeom>
-          <a:ln>
-            <a:tailEnd type="triangle"/>
-          </a:ln>
-        </p:spPr>
-        <p:style>
-          <a:lnRef idx="1">
-            <a:schemeClr val="accent1"/>
-          </a:lnRef>
-          <a:fillRef idx="0">
-            <a:schemeClr val="accent1"/>
-          </a:fillRef>
-          <a:effectRef idx="0">
-            <a:schemeClr val="accent1"/>
-          </a:effectRef>
-          <a:fontRef idx="minor">
-            <a:schemeClr val="tx1"/>
-          </a:fontRef>
-        </p:style>
-      </p:cxnSp>
-      <p:sp>
-        <p:nvSpPr>
-          <p:cNvPr id="54" name="TextBox 53">
-            <a:extLst>
-              <a:ext uri="{FF2B5EF4-FFF2-40B4-BE49-F238E27FC236}">
-                <a16:creationId xmlns:a16="http://schemas.microsoft.com/office/drawing/2014/main" id="{4AAB1816-7919-42F9-855B-2F50292B0ADB}"/>
-              </a:ext>
-            </a:extLst>
-          </p:cNvPr>
-          <p:cNvSpPr txBox="1"/>
-          <p:nvPr/>
-        </p:nvSpPr>
-        <p:spPr>
-          <a:xfrm>
-            <a:off x="488327" y="3870249"/>
-            <a:ext cx="534121" cy="276999"/>
-          </a:xfrm>
-          <a:prstGeom prst="rect">
-            <a:avLst/>
-          </a:prstGeom>
-          <a:noFill/>
-        </p:spPr>
-        <p:txBody>
-          <a:bodyPr wrap="none" rtlCol="0">
-            <a:spAutoFit/>
-          </a:bodyPr>
-          <a:lstStyle/>
-          <a:p>
-            <a:r>
-              <a:rPr lang="en-US" sz="1200" dirty="0">
-                <a:solidFill>
-                  <a:srgbClr val="002060"/>
-                </a:solidFill>
-                <a:latin typeface="Verdana" panose="020B0604030504040204" pitchFamily="34" charset="0"/>
-                <a:ea typeface="Verdana" panose="020B0604030504040204" pitchFamily="34" charset="0"/>
-              </a:rPr>
-              <a:t>User</a:t>
-            </a:r>
-          </a:p>
-        </p:txBody>
-      </p:sp>
-    </p:spTree>
-    <p:extLst>
-      <p:ext uri="{BB962C8B-B14F-4D97-AF65-F5344CB8AC3E}">
-        <p14:creationId xmlns:p14="http://schemas.microsoft.com/office/powerpoint/2010/main" val="4050206399"/>
-      </p:ext>
-    </p:extLst>
-  </p:cSld>
-  <p:clrMapOvr>
-    <a:masterClrMapping/>
-  </p:clrMapOvr>
-</p:sld>
-</file>
-
 <file path=ppt/slides/slide6.xml><?xml version="1.0" encoding="utf-8"?>
 <p:sld xmlns:a="http://schemas.openxmlformats.org/drawingml/2006/main" xmlns:r="http://schemas.openxmlformats.org/officeDocument/2006/relationships" xmlns:p="http://schemas.openxmlformats.org/presentationml/2006/main">
   <p:cSld>
@@ -21511,7 +21267,7 @@
           <p:cNvPr id="1026" name="Picture 2">
             <a:extLst>
               <a:ext uri="{FF2B5EF4-FFF2-40B4-BE49-F238E27FC236}">
-                <a16:creationId xmlns:a16="http://schemas.microsoft.com/office/drawing/2014/main" id="{F425339A-A236-46E1-92D6-7C151737B536}"/>
+                <a16:creationId xmlns:a16="http://schemas.microsoft.com/office/drawing/2014/main" id="{2BE09F8E-F4ED-48B7-9EE2-29D6C55A7243}"/>
               </a:ext>
             </a:extLst>
           </p:cNvPr>
@@ -21535,8 +21291,8 @@
         </p:blipFill>
         <p:spPr bwMode="auto">
           <a:xfrm>
-            <a:off x="9328859" y="722744"/>
-            <a:ext cx="676275" cy="676275"/>
+            <a:off x="6983816" y="983849"/>
+            <a:ext cx="847725" cy="847725"/>
           </a:xfrm>
           <a:prstGeom prst="rect">
             <a:avLst/>
@@ -21555,10 +21311,10 @@
       </p:pic>
       <p:pic>
         <p:nvPicPr>
-          <p:cNvPr id="1028" name="Picture 4">
-            <a:extLst>
-              <a:ext uri="{FF2B5EF4-FFF2-40B4-BE49-F238E27FC236}">
-                <a16:creationId xmlns:a16="http://schemas.microsoft.com/office/drawing/2014/main" id="{4DF7CF91-FD9D-4160-B6CC-06C2E31F3789}"/>
+          <p:cNvPr id="1034" name="Picture 10">
+            <a:extLst>
+              <a:ext uri="{FF2B5EF4-FFF2-40B4-BE49-F238E27FC236}">
+                <a16:creationId xmlns:a16="http://schemas.microsoft.com/office/drawing/2014/main" id="{03A6EE1E-D6C3-43B7-A76C-ED8BA685C33B}"/>
               </a:ext>
             </a:extLst>
           </p:cNvPr>
@@ -21582,8 +21338,8 @@
         </p:blipFill>
         <p:spPr bwMode="auto">
           <a:xfrm>
-            <a:off x="10610850" y="773791"/>
-            <a:ext cx="647700" cy="676275"/>
+            <a:off x="10435886" y="3207380"/>
+            <a:ext cx="657225" cy="676275"/>
           </a:xfrm>
           <a:prstGeom prst="rect">
             <a:avLst/>
@@ -21600,27 +21356,167 @@
           </a:extLst>
         </p:spPr>
       </p:pic>
-      <p:sp>
-        <p:nvSpPr>
-          <p:cNvPr id="4" name="Rectangle: Rounded Corners 3">
-            <a:extLst>
-              <a:ext uri="{FF2B5EF4-FFF2-40B4-BE49-F238E27FC236}">
-                <a16:creationId xmlns:a16="http://schemas.microsoft.com/office/drawing/2014/main" id="{B66FDB89-5B7A-44D0-9521-C95AC61E9F64}"/>
-              </a:ext>
-            </a:extLst>
-          </p:cNvPr>
-          <p:cNvSpPr/>
+      <p:pic>
+        <p:nvPicPr>
+          <p:cNvPr id="1036" name="Picture 12">
+            <a:extLst>
+              <a:ext uri="{FF2B5EF4-FFF2-40B4-BE49-F238E27FC236}">
+                <a16:creationId xmlns:a16="http://schemas.microsoft.com/office/drawing/2014/main" id="{AB427BB8-0AA8-4F7E-AA27-EA18ECDD59BE}"/>
+              </a:ext>
+            </a:extLst>
+          </p:cNvPr>
+          <p:cNvPicPr>
+            <a:picLocks noChangeAspect="1" noChangeArrowheads="1"/>
+          </p:cNvPicPr>
           <p:nvPr/>
-        </p:nvSpPr>
-        <p:spPr>
-          <a:xfrm>
-            <a:off x="9010834" y="594805"/>
-            <a:ext cx="2698812" cy="932154"/>
-          </a:xfrm>
-          <a:prstGeom prst="roundRect">
+        </p:nvPicPr>
+        <p:blipFill>
+          <a:blip r:embed="rId4">
+            <a:extLst>
+              <a:ext uri="{28A0092B-C50C-407E-A947-70E740481C1C}">
+                <a14:useLocalDpi xmlns:a14="http://schemas.microsoft.com/office/drawing/2010/main" val="0"/>
+              </a:ext>
+            </a:extLst>
+          </a:blip>
+          <a:srcRect/>
+          <a:stretch>
+            <a:fillRect/>
+          </a:stretch>
+        </p:blipFill>
+        <p:spPr bwMode="auto">
+          <a:xfrm>
+            <a:off x="3632510" y="3148651"/>
+            <a:ext cx="809625" cy="809625"/>
+          </a:xfrm>
+          <a:prstGeom prst="rect">
             <a:avLst/>
           </a:prstGeom>
           <a:noFill/>
+          <a:extLst>
+            <a:ext uri="{909E8E84-426E-40DD-AFC4-6F175D3DCCD1}">
+              <a14:hiddenFill xmlns:a14="http://schemas.microsoft.com/office/drawing/2010/main">
+                <a:solidFill>
+                  <a:srgbClr val="FFFFFF"/>
+                </a:solidFill>
+              </a14:hiddenFill>
+            </a:ext>
+          </a:extLst>
+        </p:spPr>
+      </p:pic>
+      <p:pic>
+        <p:nvPicPr>
+          <p:cNvPr id="1044" name="Picture 20">
+            <a:extLst>
+              <a:ext uri="{FF2B5EF4-FFF2-40B4-BE49-F238E27FC236}">
+                <a16:creationId xmlns:a16="http://schemas.microsoft.com/office/drawing/2014/main" id="{24CA475C-31C6-4B82-A0EA-16888492B5DE}"/>
+              </a:ext>
+            </a:extLst>
+          </p:cNvPr>
+          <p:cNvPicPr>
+            <a:picLocks noChangeAspect="1" noChangeArrowheads="1"/>
+          </p:cNvPicPr>
+          <p:nvPr/>
+        </p:nvPicPr>
+        <p:blipFill>
+          <a:blip r:embed="rId5">
+            <a:extLst>
+              <a:ext uri="{28A0092B-C50C-407E-A947-70E740481C1C}">
+                <a14:useLocalDpi xmlns:a14="http://schemas.microsoft.com/office/drawing/2010/main" val="0"/>
+              </a:ext>
+            </a:extLst>
+          </a:blip>
+          <a:srcRect/>
+          <a:stretch>
+            <a:fillRect/>
+          </a:stretch>
+        </p:blipFill>
+        <p:spPr bwMode="auto">
+          <a:xfrm>
+            <a:off x="414338" y="3207382"/>
+            <a:ext cx="657225" cy="676275"/>
+          </a:xfrm>
+          <a:prstGeom prst="rect">
+            <a:avLst/>
+          </a:prstGeom>
+          <a:noFill/>
+          <a:extLst>
+            <a:ext uri="{909E8E84-426E-40DD-AFC4-6F175D3DCCD1}">
+              <a14:hiddenFill xmlns:a14="http://schemas.microsoft.com/office/drawing/2010/main">
+                <a:solidFill>
+                  <a:srgbClr val="FFFFFF"/>
+                </a:solidFill>
+              </a14:hiddenFill>
+            </a:ext>
+          </a:extLst>
+        </p:spPr>
+      </p:pic>
+      <p:pic>
+        <p:nvPicPr>
+          <p:cNvPr id="22" name="Picture 12">
+            <a:extLst>
+              <a:ext uri="{FF2B5EF4-FFF2-40B4-BE49-F238E27FC236}">
+                <a16:creationId xmlns:a16="http://schemas.microsoft.com/office/drawing/2014/main" id="{CDD441FC-ED8A-4B90-A512-1FFA05777E63}"/>
+              </a:ext>
+            </a:extLst>
+          </p:cNvPr>
+          <p:cNvPicPr>
+            <a:picLocks noChangeAspect="1" noChangeArrowheads="1"/>
+          </p:cNvPicPr>
+          <p:nvPr/>
+        </p:nvPicPr>
+        <p:blipFill>
+          <a:blip r:embed="rId4">
+            <a:extLst>
+              <a:ext uri="{28A0092B-C50C-407E-A947-70E740481C1C}">
+                <a14:useLocalDpi xmlns:a14="http://schemas.microsoft.com/office/drawing/2010/main" val="0"/>
+              </a:ext>
+            </a:extLst>
+          </a:blip>
+          <a:srcRect/>
+          <a:stretch>
+            <a:fillRect/>
+          </a:stretch>
+        </p:blipFill>
+        <p:spPr bwMode="auto">
+          <a:xfrm>
+            <a:off x="7010400" y="3140706"/>
+            <a:ext cx="809625" cy="809625"/>
+          </a:xfrm>
+          <a:prstGeom prst="rect">
+            <a:avLst/>
+          </a:prstGeom>
+          <a:noFill/>
+          <a:extLst>
+            <a:ext uri="{909E8E84-426E-40DD-AFC4-6F175D3DCCD1}">
+              <a14:hiddenFill xmlns:a14="http://schemas.microsoft.com/office/drawing/2010/main">
+                <a:solidFill>
+                  <a:srgbClr val="FFFFFF"/>
+                </a:solidFill>
+              </a14:hiddenFill>
+            </a:ext>
+          </a:extLst>
+        </p:spPr>
+      </p:pic>
+      <p:sp>
+        <p:nvSpPr>
+          <p:cNvPr id="11" name="Heptagon 10">
+            <a:extLst>
+              <a:ext uri="{FF2B5EF4-FFF2-40B4-BE49-F238E27FC236}">
+                <a16:creationId xmlns:a16="http://schemas.microsoft.com/office/drawing/2014/main" id="{8EF000E9-1A1B-40B9-BF7B-8E7326AAFA24}"/>
+              </a:ext>
+            </a:extLst>
+          </p:cNvPr>
+          <p:cNvSpPr/>
+          <p:nvPr/>
+        </p:nvSpPr>
+        <p:spPr>
+          <a:xfrm>
+            <a:off x="240913" y="3082562"/>
+            <a:ext cx="307435" cy="344102"/>
+          </a:xfrm>
+          <a:prstGeom prst="heptagon">
+            <a:avLst/>
+          </a:prstGeom>
         </p:spPr>
         <p:style>
           <a:lnRef idx="2">
@@ -21643,16 +21539,58 @@
           <a:lstStyle/>
           <a:p>
             <a:pPr algn="ctr"/>
-            <a:endParaRPr lang="en-IN"/>
-          </a:p>
-        </p:txBody>
-      </p:sp>
-      <p:sp>
-        <p:nvSpPr>
-          <p:cNvPr id="7" name="Rectangle: Rounded Corners 6">
-            <a:extLst>
-              <a:ext uri="{FF2B5EF4-FFF2-40B4-BE49-F238E27FC236}">
-                <a16:creationId xmlns:a16="http://schemas.microsoft.com/office/drawing/2014/main" id="{A2D272BD-19C4-4CCC-98BF-5E5942B48D5E}"/>
+            <a:r>
+              <a:rPr lang="en-US" dirty="0"/>
+              <a:t>1</a:t>
+            </a:r>
+          </a:p>
+        </p:txBody>
+      </p:sp>
+      <p:cxnSp>
+        <p:nvCxnSpPr>
+          <p:cNvPr id="23" name="Straight Connector 22">
+            <a:extLst>
+              <a:ext uri="{FF2B5EF4-FFF2-40B4-BE49-F238E27FC236}">
+                <a16:creationId xmlns:a16="http://schemas.microsoft.com/office/drawing/2014/main" id="{2F483661-8B57-4D41-8C50-C7739BB2C923}"/>
+              </a:ext>
+            </a:extLst>
+          </p:cNvPr>
+          <p:cNvCxnSpPr>
+            <a:stCxn id="22" idx="0"/>
+            <a:endCxn id="1026" idx="2"/>
+          </p:cNvCxnSpPr>
+          <p:nvPr/>
+        </p:nvCxnSpPr>
+        <p:spPr>
+          <a:xfrm flipH="1" flipV="1">
+            <a:off x="7407679" y="1831574"/>
+            <a:ext cx="7534" cy="1309132"/>
+          </a:xfrm>
+          <a:prstGeom prst="line">
+            <a:avLst/>
+          </a:prstGeom>
+        </p:spPr>
+        <p:style>
+          <a:lnRef idx="1">
+            <a:schemeClr val="accent1"/>
+          </a:lnRef>
+          <a:fillRef idx="0">
+            <a:schemeClr val="accent1"/>
+          </a:fillRef>
+          <a:effectRef idx="0">
+            <a:schemeClr val="accent1"/>
+          </a:effectRef>
+          <a:fontRef idx="minor">
+            <a:schemeClr val="tx1"/>
+          </a:fontRef>
+        </p:style>
+      </p:cxnSp>
+      <p:sp>
+        <p:nvSpPr>
+          <p:cNvPr id="45" name="Heptagon 44">
+            <a:extLst>
+              <a:ext uri="{FF2B5EF4-FFF2-40B4-BE49-F238E27FC236}">
+                <a16:creationId xmlns:a16="http://schemas.microsoft.com/office/drawing/2014/main" id="{E7A80D65-5ADB-4DCD-A7A2-5DFBCA0C9B8D}"/>
               </a:ext>
             </a:extLst>
           </p:cNvPr>
@@ -21661,13 +21599,12 @@
         </p:nvSpPr>
         <p:spPr>
           <a:xfrm>
-            <a:off x="9074458" y="1963445"/>
-            <a:ext cx="2698812" cy="932154"/>
-          </a:xfrm>
-          <a:prstGeom prst="roundRect">
+            <a:off x="3273843" y="3082562"/>
+            <a:ext cx="307435" cy="344102"/>
+          </a:xfrm>
+          <a:prstGeom prst="heptagon">
             <a:avLst/>
           </a:prstGeom>
-          <a:noFill/>
         </p:spPr>
         <p:style>
           <a:lnRef idx="2">
@@ -21691,49 +21628,18 @@
           <a:p>
             <a:pPr algn="ctr"/>
             <a:r>
-              <a:rPr lang="en-US" dirty="0">
-                <a:solidFill>
-                  <a:srgbClr val="002060"/>
-                </a:solidFill>
-              </a:rPr>
-              <a:t>Basket API</a:t>
-            </a:r>
-          </a:p>
-          <a:p>
-            <a:pPr algn="ctr"/>
-            <a:r>
-              <a:rPr lang="en-US" dirty="0">
-                <a:solidFill>
-                  <a:srgbClr val="002060"/>
-                </a:solidFill>
-              </a:rPr>
-              <a:t>+</a:t>
-            </a:r>
-          </a:p>
-          <a:p>
-            <a:pPr algn="ctr"/>
-            <a:r>
-              <a:rPr lang="en-US" dirty="0">
-                <a:solidFill>
-                  <a:srgbClr val="002060"/>
-                </a:solidFill>
-              </a:rPr>
-              <a:t>Data Store</a:t>
-            </a:r>
-            <a:endParaRPr lang="en-IN" dirty="0">
-              <a:solidFill>
-                <a:srgbClr val="002060"/>
-              </a:solidFill>
-            </a:endParaRPr>
-          </a:p>
-        </p:txBody>
-      </p:sp>
-      <p:sp>
-        <p:nvSpPr>
-          <p:cNvPr id="8" name="Rectangle: Rounded Corners 7">
-            <a:extLst>
-              <a:ext uri="{FF2B5EF4-FFF2-40B4-BE49-F238E27FC236}">
-                <a16:creationId xmlns:a16="http://schemas.microsoft.com/office/drawing/2014/main" id="{A5552548-78B9-4209-A399-D93F4C299158}"/>
+              <a:rPr lang="en-US" dirty="0"/>
+              <a:t>2</a:t>
+            </a:r>
+          </a:p>
+        </p:txBody>
+      </p:sp>
+      <p:sp>
+        <p:nvSpPr>
+          <p:cNvPr id="46" name="Heptagon 45">
+            <a:extLst>
+              <a:ext uri="{FF2B5EF4-FFF2-40B4-BE49-F238E27FC236}">
+                <a16:creationId xmlns:a16="http://schemas.microsoft.com/office/drawing/2014/main" id="{41E19403-B49B-4C20-BB68-98A12476BA78}"/>
               </a:ext>
             </a:extLst>
           </p:cNvPr>
@@ -21742,13 +21648,12 @@
         </p:nvSpPr>
         <p:spPr>
           <a:xfrm>
-            <a:off x="9074458" y="3317288"/>
-            <a:ext cx="2698812" cy="932154"/>
-          </a:xfrm>
-          <a:prstGeom prst="roundRect">
+            <a:off x="6680128" y="3082562"/>
+            <a:ext cx="307435" cy="344102"/>
+          </a:xfrm>
+          <a:prstGeom prst="heptagon">
             <a:avLst/>
           </a:prstGeom>
-          <a:noFill/>
         </p:spPr>
         <p:style>
           <a:lnRef idx="2">
@@ -21772,49 +21677,18 @@
           <a:p>
             <a:pPr algn="ctr"/>
             <a:r>
-              <a:rPr lang="en-US" dirty="0">
-                <a:solidFill>
-                  <a:srgbClr val="002060"/>
-                </a:solidFill>
-              </a:rPr>
-              <a:t>Discount API</a:t>
-            </a:r>
-          </a:p>
-          <a:p>
-            <a:pPr algn="ctr"/>
-            <a:r>
-              <a:rPr lang="en-US" dirty="0">
-                <a:solidFill>
-                  <a:srgbClr val="002060"/>
-                </a:solidFill>
-              </a:rPr>
-              <a:t>+</a:t>
-            </a:r>
-          </a:p>
-          <a:p>
-            <a:pPr algn="ctr"/>
-            <a:r>
-              <a:rPr lang="en-US" dirty="0">
-                <a:solidFill>
-                  <a:srgbClr val="002060"/>
-                </a:solidFill>
-              </a:rPr>
-              <a:t>Data Store</a:t>
-            </a:r>
-            <a:endParaRPr lang="en-IN" dirty="0">
-              <a:solidFill>
-                <a:srgbClr val="002060"/>
-              </a:solidFill>
-            </a:endParaRPr>
-          </a:p>
-        </p:txBody>
-      </p:sp>
-      <p:sp>
-        <p:nvSpPr>
-          <p:cNvPr id="9" name="Rectangle: Rounded Corners 8">
-            <a:extLst>
-              <a:ext uri="{FF2B5EF4-FFF2-40B4-BE49-F238E27FC236}">
-                <a16:creationId xmlns:a16="http://schemas.microsoft.com/office/drawing/2014/main" id="{A92C872B-70D9-4F65-B6FB-E7D3026D7F23}"/>
+              <a:rPr lang="en-US" dirty="0"/>
+              <a:t>3</a:t>
+            </a:r>
+          </a:p>
+        </p:txBody>
+      </p:sp>
+      <p:sp>
+        <p:nvSpPr>
+          <p:cNvPr id="47" name="Heptagon 46">
+            <a:extLst>
+              <a:ext uri="{FF2B5EF4-FFF2-40B4-BE49-F238E27FC236}">
+                <a16:creationId xmlns:a16="http://schemas.microsoft.com/office/drawing/2014/main" id="{AB00409F-5084-44E7-90AA-34000E295530}"/>
               </a:ext>
             </a:extLst>
           </p:cNvPr>
@@ -21823,13 +21697,12 @@
         </p:nvSpPr>
         <p:spPr>
           <a:xfrm>
-            <a:off x="9074458" y="4671131"/>
-            <a:ext cx="2698812" cy="932154"/>
-          </a:xfrm>
-          <a:prstGeom prst="roundRect">
+            <a:off x="6674459" y="1157482"/>
+            <a:ext cx="307435" cy="344102"/>
+          </a:xfrm>
+          <a:prstGeom prst="heptagon">
             <a:avLst/>
           </a:prstGeom>
-          <a:noFill/>
         </p:spPr>
         <p:style>
           <a:lnRef idx="2">
@@ -21853,49 +21726,18 @@
           <a:p>
             <a:pPr algn="ctr"/>
             <a:r>
-              <a:rPr lang="en-US" dirty="0">
-                <a:solidFill>
-                  <a:srgbClr val="002060"/>
-                </a:solidFill>
-              </a:rPr>
-              <a:t>Orders API</a:t>
-            </a:r>
-          </a:p>
-          <a:p>
-            <a:pPr algn="ctr"/>
-            <a:r>
-              <a:rPr lang="en-US" dirty="0">
-                <a:solidFill>
-                  <a:srgbClr val="002060"/>
-                </a:solidFill>
-              </a:rPr>
-              <a:t>+</a:t>
-            </a:r>
-          </a:p>
-          <a:p>
-            <a:pPr algn="ctr"/>
-            <a:r>
-              <a:rPr lang="en-US" dirty="0">
-                <a:solidFill>
-                  <a:srgbClr val="002060"/>
-                </a:solidFill>
-              </a:rPr>
-              <a:t>Data Store</a:t>
-            </a:r>
-            <a:endParaRPr lang="en-IN" dirty="0">
-              <a:solidFill>
-                <a:srgbClr val="002060"/>
-              </a:solidFill>
-            </a:endParaRPr>
-          </a:p>
-        </p:txBody>
-      </p:sp>
-      <p:sp>
-        <p:nvSpPr>
-          <p:cNvPr id="5" name="Rectangle 4">
-            <a:extLst>
-              <a:ext uri="{FF2B5EF4-FFF2-40B4-BE49-F238E27FC236}">
-                <a16:creationId xmlns:a16="http://schemas.microsoft.com/office/drawing/2014/main" id="{B5B283AE-04A1-4B80-939C-21B7C975E533}"/>
+              <a:rPr lang="en-US" dirty="0"/>
+              <a:t>4</a:t>
+            </a:r>
+          </a:p>
+        </p:txBody>
+      </p:sp>
+      <p:sp>
+        <p:nvSpPr>
+          <p:cNvPr id="48" name="Heptagon 47">
+            <a:extLst>
+              <a:ext uri="{FF2B5EF4-FFF2-40B4-BE49-F238E27FC236}">
+                <a16:creationId xmlns:a16="http://schemas.microsoft.com/office/drawing/2014/main" id="{7404ADED-C51D-46C9-8F7A-0B3E6F45A5B6}"/>
               </a:ext>
             </a:extLst>
           </p:cNvPr>
@@ -21904,10 +21746,10 @@
         </p:nvSpPr>
         <p:spPr>
           <a:xfrm>
-            <a:off x="4891596" y="2237173"/>
-            <a:ext cx="1411550" cy="1553592"/>
-          </a:xfrm>
-          <a:prstGeom prst="rect">
+            <a:off x="10022305" y="3082562"/>
+            <a:ext cx="307435" cy="344102"/>
+          </a:xfrm>
+          <a:prstGeom prst="heptagon">
             <a:avLst/>
           </a:prstGeom>
         </p:spPr>
@@ -21934,39 +21776,531 @@
             <a:pPr algn="ctr"/>
             <a:r>
               <a:rPr lang="en-US" dirty="0"/>
-              <a:t>API</a:t>
-            </a:r>
-          </a:p>
-          <a:p>
-            <a:pPr algn="ctr"/>
-            <a:r>
-              <a:rPr lang="en-US" dirty="0"/>
-              <a:t>Gateway</a:t>
-            </a:r>
-            <a:endParaRPr lang="en-IN" dirty="0"/>
-          </a:p>
-        </p:txBody>
-      </p:sp>
-      <p:sp>
-        <p:nvSpPr>
-          <p:cNvPr id="6" name="Rectangle 5">
-            <a:extLst>
-              <a:ext uri="{FF2B5EF4-FFF2-40B4-BE49-F238E27FC236}">
-                <a16:creationId xmlns:a16="http://schemas.microsoft.com/office/drawing/2014/main" id="{E681EEBF-DED0-49C3-82BA-C359A5D505B5}"/>
-              </a:ext>
-            </a:extLst>
-          </p:cNvPr>
-          <p:cNvSpPr/>
+              <a:t>5</a:t>
+            </a:r>
+          </a:p>
+        </p:txBody>
+      </p:sp>
+      <p:sp>
+        <p:nvSpPr>
+          <p:cNvPr id="35" name="TextBox 34">
+            <a:extLst>
+              <a:ext uri="{FF2B5EF4-FFF2-40B4-BE49-F238E27FC236}">
+                <a16:creationId xmlns:a16="http://schemas.microsoft.com/office/drawing/2014/main" id="{E2F5F6A0-D510-4DE5-B9DB-EE0C0D374DC9}"/>
+              </a:ext>
+            </a:extLst>
+          </p:cNvPr>
+          <p:cNvSpPr txBox="1"/>
           <p:nvPr/>
         </p:nvSpPr>
         <p:spPr>
           <a:xfrm>
-            <a:off x="1322773" y="1038687"/>
-            <a:ext cx="1518081" cy="1065321"/>
+            <a:off x="9219304" y="5138637"/>
+            <a:ext cx="2893741" cy="369332"/>
           </a:xfrm>
           <a:prstGeom prst="rect">
             <a:avLst/>
           </a:prstGeom>
+          <a:noFill/>
+          <a:ln>
+            <a:solidFill>
+              <a:schemeClr val="tx1"/>
+            </a:solidFill>
+            <a:prstDash val="solid"/>
+          </a:ln>
+        </p:spPr>
+        <p:txBody>
+          <a:bodyPr wrap="none" rtlCol="0">
+            <a:spAutoFit/>
+          </a:bodyPr>
+          <a:lstStyle/>
+          <a:p>
+            <a:r>
+              <a:rPr lang="en-US" b="1" dirty="0">
+                <a:solidFill>
+                  <a:srgbClr val="0070C0"/>
+                </a:solidFill>
+                <a:latin typeface="Verdana" panose="020B0604030504040204" pitchFamily="34" charset="0"/>
+                <a:ea typeface="Verdana" panose="020B0604030504040204" pitchFamily="34" charset="0"/>
+              </a:rPr>
+              <a:t>August 2021 Version</a:t>
+            </a:r>
+          </a:p>
+        </p:txBody>
+      </p:sp>
+      <p:sp>
+        <p:nvSpPr>
+          <p:cNvPr id="29" name="TextBox 28">
+            <a:extLst>
+              <a:ext uri="{FF2B5EF4-FFF2-40B4-BE49-F238E27FC236}">
+                <a16:creationId xmlns:a16="http://schemas.microsoft.com/office/drawing/2014/main" id="{73DEDEAB-57DE-46F8-9469-78112F7FEB52}"/>
+              </a:ext>
+            </a:extLst>
+          </p:cNvPr>
+          <p:cNvSpPr txBox="1"/>
+          <p:nvPr/>
+        </p:nvSpPr>
+        <p:spPr>
+          <a:xfrm>
+            <a:off x="3433951" y="3868771"/>
+            <a:ext cx="1206741" cy="276999"/>
+          </a:xfrm>
+          <a:prstGeom prst="rect">
+            <a:avLst/>
+          </a:prstGeom>
+          <a:noFill/>
+        </p:spPr>
+        <p:txBody>
+          <a:bodyPr wrap="none" rtlCol="0">
+            <a:spAutoFit/>
+          </a:bodyPr>
+          <a:lstStyle/>
+          <a:p>
+            <a:r>
+              <a:rPr lang="en-US" sz="1200" dirty="0">
+                <a:solidFill>
+                  <a:srgbClr val="002060"/>
+                </a:solidFill>
+                <a:latin typeface="Verdana" panose="020B0604030504040204" pitchFamily="34" charset="0"/>
+                <a:ea typeface="Verdana" panose="020B0604030504040204" pitchFamily="34" charset="0"/>
+              </a:rPr>
+              <a:t>Blazor WASM</a:t>
+            </a:r>
+          </a:p>
+        </p:txBody>
+      </p:sp>
+      <p:sp>
+        <p:nvSpPr>
+          <p:cNvPr id="32" name="TextBox 31">
+            <a:extLst>
+              <a:ext uri="{FF2B5EF4-FFF2-40B4-BE49-F238E27FC236}">
+                <a16:creationId xmlns:a16="http://schemas.microsoft.com/office/drawing/2014/main" id="{7ACD62D2-6EA3-462B-9EE3-1AE82A658BDE}"/>
+              </a:ext>
+            </a:extLst>
+          </p:cNvPr>
+          <p:cNvSpPr txBox="1"/>
+          <p:nvPr/>
+        </p:nvSpPr>
+        <p:spPr>
+          <a:xfrm>
+            <a:off x="7003080" y="3868771"/>
+            <a:ext cx="834396" cy="276999"/>
+          </a:xfrm>
+          <a:prstGeom prst="rect">
+            <a:avLst/>
+          </a:prstGeom>
+          <a:noFill/>
+        </p:spPr>
+        <p:txBody>
+          <a:bodyPr wrap="none" rtlCol="0">
+            <a:spAutoFit/>
+          </a:bodyPr>
+          <a:lstStyle/>
+          <a:p>
+            <a:r>
+              <a:rPr lang="en-US" sz="1200" dirty="0">
+                <a:solidFill>
+                  <a:srgbClr val="002060"/>
+                </a:solidFill>
+                <a:latin typeface="Verdana" panose="020B0604030504040204" pitchFamily="34" charset="0"/>
+                <a:ea typeface="Verdana" panose="020B0604030504040204" pitchFamily="34" charset="0"/>
+              </a:rPr>
+              <a:t>Web API</a:t>
+            </a:r>
+          </a:p>
+        </p:txBody>
+      </p:sp>
+      <p:sp>
+        <p:nvSpPr>
+          <p:cNvPr id="33" name="TextBox 32">
+            <a:extLst>
+              <a:ext uri="{FF2B5EF4-FFF2-40B4-BE49-F238E27FC236}">
+                <a16:creationId xmlns:a16="http://schemas.microsoft.com/office/drawing/2014/main" id="{B2F4BAD8-B680-472E-AAAA-BA6C3042BA54}"/>
+              </a:ext>
+            </a:extLst>
+          </p:cNvPr>
+          <p:cNvSpPr txBox="1"/>
+          <p:nvPr/>
+        </p:nvSpPr>
+        <p:spPr>
+          <a:xfrm>
+            <a:off x="6657173" y="761510"/>
+            <a:ext cx="1411027" cy="276999"/>
+          </a:xfrm>
+          <a:prstGeom prst="rect">
+            <a:avLst/>
+          </a:prstGeom>
+          <a:noFill/>
+        </p:spPr>
+        <p:txBody>
+          <a:bodyPr wrap="none" rtlCol="0">
+            <a:spAutoFit/>
+          </a:bodyPr>
+          <a:lstStyle/>
+          <a:p>
+            <a:r>
+              <a:rPr lang="en-US" sz="1200" dirty="0">
+                <a:solidFill>
+                  <a:srgbClr val="002060"/>
+                </a:solidFill>
+                <a:latin typeface="Verdana" panose="020B0604030504040204" pitchFamily="34" charset="0"/>
+                <a:ea typeface="Verdana" panose="020B0604030504040204" pitchFamily="34" charset="0"/>
+              </a:rPr>
+              <a:t>Azure Key Vault</a:t>
+            </a:r>
+          </a:p>
+        </p:txBody>
+      </p:sp>
+      <p:sp>
+        <p:nvSpPr>
+          <p:cNvPr id="37" name="TextBox 36">
+            <a:extLst>
+              <a:ext uri="{FF2B5EF4-FFF2-40B4-BE49-F238E27FC236}">
+                <a16:creationId xmlns:a16="http://schemas.microsoft.com/office/drawing/2014/main" id="{E472F245-397E-4CEE-88C2-F7D04A607F7F}"/>
+              </a:ext>
+            </a:extLst>
+          </p:cNvPr>
+          <p:cNvSpPr txBox="1"/>
+          <p:nvPr/>
+        </p:nvSpPr>
+        <p:spPr>
+          <a:xfrm>
+            <a:off x="9978904" y="3868771"/>
+            <a:ext cx="1557093" cy="276999"/>
+          </a:xfrm>
+          <a:prstGeom prst="rect">
+            <a:avLst/>
+          </a:prstGeom>
+          <a:noFill/>
+        </p:spPr>
+        <p:txBody>
+          <a:bodyPr wrap="none" rtlCol="0">
+            <a:spAutoFit/>
+          </a:bodyPr>
+          <a:lstStyle/>
+          <a:p>
+            <a:r>
+              <a:rPr lang="en-US" sz="1200" dirty="0">
+                <a:solidFill>
+                  <a:srgbClr val="002060"/>
+                </a:solidFill>
+                <a:latin typeface="Verdana" panose="020B0604030504040204" pitchFamily="34" charset="0"/>
+                <a:ea typeface="Verdana" panose="020B0604030504040204" pitchFamily="34" charset="0"/>
+              </a:rPr>
+              <a:t>Azure SQL Server</a:t>
+            </a:r>
+          </a:p>
+        </p:txBody>
+      </p:sp>
+      <p:cxnSp>
+        <p:nvCxnSpPr>
+          <p:cNvPr id="43" name="Straight Arrow Connector 42">
+            <a:extLst>
+              <a:ext uri="{FF2B5EF4-FFF2-40B4-BE49-F238E27FC236}">
+                <a16:creationId xmlns:a16="http://schemas.microsoft.com/office/drawing/2014/main" id="{BB3E70C0-B1EA-4E72-AF0A-7A34EFBCE473}"/>
+              </a:ext>
+            </a:extLst>
+          </p:cNvPr>
+          <p:cNvCxnSpPr>
+            <a:cxnSpLocks/>
+          </p:cNvCxnSpPr>
+          <p:nvPr/>
+        </p:nvCxnSpPr>
+        <p:spPr>
+          <a:xfrm flipV="1">
+            <a:off x="973819" y="3563806"/>
+            <a:ext cx="2712126" cy="1"/>
+          </a:xfrm>
+          <a:prstGeom prst="straightConnector1">
+            <a:avLst/>
+          </a:prstGeom>
+          <a:ln>
+            <a:tailEnd type="triangle"/>
+          </a:ln>
+        </p:spPr>
+        <p:style>
+          <a:lnRef idx="1">
+            <a:schemeClr val="accent1"/>
+          </a:lnRef>
+          <a:fillRef idx="0">
+            <a:schemeClr val="accent1"/>
+          </a:fillRef>
+          <a:effectRef idx="0">
+            <a:schemeClr val="accent1"/>
+          </a:effectRef>
+          <a:fontRef idx="minor">
+            <a:schemeClr val="tx1"/>
+          </a:fontRef>
+        </p:style>
+      </p:cxnSp>
+      <p:cxnSp>
+        <p:nvCxnSpPr>
+          <p:cNvPr id="52" name="Straight Arrow Connector 51">
+            <a:extLst>
+              <a:ext uri="{FF2B5EF4-FFF2-40B4-BE49-F238E27FC236}">
+                <a16:creationId xmlns:a16="http://schemas.microsoft.com/office/drawing/2014/main" id="{32B65C11-0411-4270-B765-93FD97EF4FD7}"/>
+              </a:ext>
+            </a:extLst>
+          </p:cNvPr>
+          <p:cNvCxnSpPr>
+            <a:cxnSpLocks/>
+          </p:cNvCxnSpPr>
+          <p:nvPr/>
+        </p:nvCxnSpPr>
+        <p:spPr>
+          <a:xfrm flipV="1">
+            <a:off x="4357700" y="3556406"/>
+            <a:ext cx="2712126" cy="1"/>
+          </a:xfrm>
+          <a:prstGeom prst="straightConnector1">
+            <a:avLst/>
+          </a:prstGeom>
+          <a:ln>
+            <a:tailEnd type="triangle"/>
+          </a:ln>
+        </p:spPr>
+        <p:style>
+          <a:lnRef idx="1">
+            <a:schemeClr val="accent1"/>
+          </a:lnRef>
+          <a:fillRef idx="0">
+            <a:schemeClr val="accent1"/>
+          </a:fillRef>
+          <a:effectRef idx="0">
+            <a:schemeClr val="accent1"/>
+          </a:effectRef>
+          <a:fontRef idx="minor">
+            <a:schemeClr val="tx1"/>
+          </a:fontRef>
+        </p:style>
+      </p:cxnSp>
+      <p:cxnSp>
+        <p:nvCxnSpPr>
+          <p:cNvPr id="53" name="Straight Arrow Connector 52">
+            <a:extLst>
+              <a:ext uri="{FF2B5EF4-FFF2-40B4-BE49-F238E27FC236}">
+                <a16:creationId xmlns:a16="http://schemas.microsoft.com/office/drawing/2014/main" id="{377EAAA1-50F0-433E-A218-35B4BA6C37EB}"/>
+              </a:ext>
+            </a:extLst>
+          </p:cNvPr>
+          <p:cNvCxnSpPr>
+            <a:cxnSpLocks/>
+          </p:cNvCxnSpPr>
+          <p:nvPr/>
+        </p:nvCxnSpPr>
+        <p:spPr>
+          <a:xfrm flipV="1">
+            <a:off x="7784487" y="3556403"/>
+            <a:ext cx="2712126" cy="1"/>
+          </a:xfrm>
+          <a:prstGeom prst="straightConnector1">
+            <a:avLst/>
+          </a:prstGeom>
+          <a:ln>
+            <a:tailEnd type="triangle"/>
+          </a:ln>
+        </p:spPr>
+        <p:style>
+          <a:lnRef idx="1">
+            <a:schemeClr val="accent1"/>
+          </a:lnRef>
+          <a:fillRef idx="0">
+            <a:schemeClr val="accent1"/>
+          </a:fillRef>
+          <a:effectRef idx="0">
+            <a:schemeClr val="accent1"/>
+          </a:effectRef>
+          <a:fontRef idx="minor">
+            <a:schemeClr val="tx1"/>
+          </a:fontRef>
+        </p:style>
+      </p:cxnSp>
+      <p:sp>
+        <p:nvSpPr>
+          <p:cNvPr id="54" name="TextBox 53">
+            <a:extLst>
+              <a:ext uri="{FF2B5EF4-FFF2-40B4-BE49-F238E27FC236}">
+                <a16:creationId xmlns:a16="http://schemas.microsoft.com/office/drawing/2014/main" id="{4AAB1816-7919-42F9-855B-2F50292B0ADB}"/>
+              </a:ext>
+            </a:extLst>
+          </p:cNvPr>
+          <p:cNvSpPr txBox="1"/>
+          <p:nvPr/>
+        </p:nvSpPr>
+        <p:spPr>
+          <a:xfrm>
+            <a:off x="488327" y="3870249"/>
+            <a:ext cx="534121" cy="276999"/>
+          </a:xfrm>
+          <a:prstGeom prst="rect">
+            <a:avLst/>
+          </a:prstGeom>
+          <a:noFill/>
+        </p:spPr>
+        <p:txBody>
+          <a:bodyPr wrap="none" rtlCol="0">
+            <a:spAutoFit/>
+          </a:bodyPr>
+          <a:lstStyle/>
+          <a:p>
+            <a:r>
+              <a:rPr lang="en-US" sz="1200" dirty="0">
+                <a:solidFill>
+                  <a:srgbClr val="002060"/>
+                </a:solidFill>
+                <a:latin typeface="Verdana" panose="020B0604030504040204" pitchFamily="34" charset="0"/>
+                <a:ea typeface="Verdana" panose="020B0604030504040204" pitchFamily="34" charset="0"/>
+              </a:rPr>
+              <a:t>User</a:t>
+            </a:r>
+          </a:p>
+        </p:txBody>
+      </p:sp>
+    </p:spTree>
+    <p:extLst>
+      <p:ext uri="{BB962C8B-B14F-4D97-AF65-F5344CB8AC3E}">
+        <p14:creationId xmlns:p14="http://schemas.microsoft.com/office/powerpoint/2010/main" val="4050206399"/>
+      </p:ext>
+    </p:extLst>
+  </p:cSld>
+  <p:clrMapOvr>
+    <a:masterClrMapping/>
+  </p:clrMapOvr>
+</p:sld>
+</file>
+
+<file path=ppt/slides/slide7.xml><?xml version="1.0" encoding="utf-8"?>
+<p:sld xmlns:a="http://schemas.openxmlformats.org/drawingml/2006/main" xmlns:r="http://schemas.openxmlformats.org/officeDocument/2006/relationships" xmlns:p="http://schemas.openxmlformats.org/presentationml/2006/main">
+  <p:cSld>
+    <p:spTree>
+      <p:nvGrpSpPr>
+        <p:cNvPr id="1" name=""/>
+        <p:cNvGrpSpPr/>
+        <p:nvPr/>
+      </p:nvGrpSpPr>
+      <p:grpSpPr>
+        <a:xfrm>
+          <a:off x="0" y="0"/>
+          <a:ext cx="0" cy="0"/>
+          <a:chOff x="0" y="0"/>
+          <a:chExt cx="0" cy="0"/>
+        </a:xfrm>
+      </p:grpSpPr>
+      <p:pic>
+        <p:nvPicPr>
+          <p:cNvPr id="1026" name="Picture 2">
+            <a:extLst>
+              <a:ext uri="{FF2B5EF4-FFF2-40B4-BE49-F238E27FC236}">
+                <a16:creationId xmlns:a16="http://schemas.microsoft.com/office/drawing/2014/main" id="{F425339A-A236-46E1-92D6-7C151737B536}"/>
+              </a:ext>
+            </a:extLst>
+          </p:cNvPr>
+          <p:cNvPicPr>
+            <a:picLocks noChangeAspect="1" noChangeArrowheads="1"/>
+          </p:cNvPicPr>
+          <p:nvPr/>
+        </p:nvPicPr>
+        <p:blipFill>
+          <a:blip r:embed="rId2">
+            <a:extLst>
+              <a:ext uri="{28A0092B-C50C-407E-A947-70E740481C1C}">
+                <a14:useLocalDpi xmlns:a14="http://schemas.microsoft.com/office/drawing/2010/main" val="0"/>
+              </a:ext>
+            </a:extLst>
+          </a:blip>
+          <a:srcRect/>
+          <a:stretch>
+            <a:fillRect/>
+          </a:stretch>
+        </p:blipFill>
+        <p:spPr bwMode="auto">
+          <a:xfrm>
+            <a:off x="9328859" y="722744"/>
+            <a:ext cx="676275" cy="676275"/>
+          </a:xfrm>
+          <a:prstGeom prst="rect">
+            <a:avLst/>
+          </a:prstGeom>
+          <a:noFill/>
+          <a:extLst>
+            <a:ext uri="{909E8E84-426E-40DD-AFC4-6F175D3DCCD1}">
+              <a14:hiddenFill xmlns:a14="http://schemas.microsoft.com/office/drawing/2010/main">
+                <a:solidFill>
+                  <a:srgbClr val="FFFFFF"/>
+                </a:solidFill>
+              </a14:hiddenFill>
+            </a:ext>
+          </a:extLst>
+        </p:spPr>
+      </p:pic>
+      <p:pic>
+        <p:nvPicPr>
+          <p:cNvPr id="1028" name="Picture 4">
+            <a:extLst>
+              <a:ext uri="{FF2B5EF4-FFF2-40B4-BE49-F238E27FC236}">
+                <a16:creationId xmlns:a16="http://schemas.microsoft.com/office/drawing/2014/main" id="{4DF7CF91-FD9D-4160-B6CC-06C2E31F3789}"/>
+              </a:ext>
+            </a:extLst>
+          </p:cNvPr>
+          <p:cNvPicPr>
+            <a:picLocks noChangeAspect="1" noChangeArrowheads="1"/>
+          </p:cNvPicPr>
+          <p:nvPr/>
+        </p:nvPicPr>
+        <p:blipFill>
+          <a:blip r:embed="rId3">
+            <a:extLst>
+              <a:ext uri="{28A0092B-C50C-407E-A947-70E740481C1C}">
+                <a14:useLocalDpi xmlns:a14="http://schemas.microsoft.com/office/drawing/2010/main" val="0"/>
+              </a:ext>
+            </a:extLst>
+          </a:blip>
+          <a:srcRect/>
+          <a:stretch>
+            <a:fillRect/>
+          </a:stretch>
+        </p:blipFill>
+        <p:spPr bwMode="auto">
+          <a:xfrm>
+            <a:off x="10610850" y="773791"/>
+            <a:ext cx="647700" cy="676275"/>
+          </a:xfrm>
+          <a:prstGeom prst="rect">
+            <a:avLst/>
+          </a:prstGeom>
+          <a:noFill/>
+          <a:extLst>
+            <a:ext uri="{909E8E84-426E-40DD-AFC4-6F175D3DCCD1}">
+              <a14:hiddenFill xmlns:a14="http://schemas.microsoft.com/office/drawing/2010/main">
+                <a:solidFill>
+                  <a:srgbClr val="FFFFFF"/>
+                </a:solidFill>
+              </a14:hiddenFill>
+            </a:ext>
+          </a:extLst>
+        </p:spPr>
+      </p:pic>
+      <p:sp>
+        <p:nvSpPr>
+          <p:cNvPr id="4" name="Rectangle: Rounded Corners 3">
+            <a:extLst>
+              <a:ext uri="{FF2B5EF4-FFF2-40B4-BE49-F238E27FC236}">
+                <a16:creationId xmlns:a16="http://schemas.microsoft.com/office/drawing/2014/main" id="{B66FDB89-5B7A-44D0-9521-C95AC61E9F64}"/>
+              </a:ext>
+            </a:extLst>
+          </p:cNvPr>
+          <p:cNvSpPr/>
+          <p:nvPr/>
+        </p:nvSpPr>
+        <p:spPr>
+          <a:xfrm>
+            <a:off x="9010834" y="594805"/>
+            <a:ext cx="2698812" cy="932154"/>
+          </a:xfrm>
+          <a:prstGeom prst="roundRect">
+            <a:avLst/>
+          </a:prstGeom>
+          <a:noFill/>
         </p:spPr>
         <p:style>
           <a:lnRef idx="2">
@@ -21995,10 +22329,10 @@
       </p:sp>
       <p:sp>
         <p:nvSpPr>
-          <p:cNvPr id="12" name="Rectangle: Rounded Corners 11">
-            <a:extLst>
-              <a:ext uri="{FF2B5EF4-FFF2-40B4-BE49-F238E27FC236}">
-                <a16:creationId xmlns:a16="http://schemas.microsoft.com/office/drawing/2014/main" id="{97C2BB1D-0F57-4637-9199-2635C934B556}"/>
+          <p:cNvPr id="7" name="Rectangle: Rounded Corners 6">
+            <a:extLst>
+              <a:ext uri="{FF2B5EF4-FFF2-40B4-BE49-F238E27FC236}">
+                <a16:creationId xmlns:a16="http://schemas.microsoft.com/office/drawing/2014/main" id="{A2D272BD-19C4-4CCC-98BF-5E5942B48D5E}"/>
               </a:ext>
             </a:extLst>
           </p:cNvPr>
@@ -22007,7 +22341,7 @@
         </p:nvSpPr>
         <p:spPr>
           <a:xfrm>
-            <a:off x="9074458" y="5797118"/>
+            <a:off x="9074458" y="1963445"/>
             <a:ext cx="2698812" cy="932154"/>
           </a:xfrm>
           <a:prstGeom prst="roundRect">
@@ -22042,6 +22376,352 @@
                   <a:srgbClr val="002060"/>
                 </a:solidFill>
               </a:rPr>
+              <a:t>Basket API</a:t>
+            </a:r>
+          </a:p>
+          <a:p>
+            <a:pPr algn="ctr"/>
+            <a:r>
+              <a:rPr lang="en-US" dirty="0">
+                <a:solidFill>
+                  <a:srgbClr val="002060"/>
+                </a:solidFill>
+              </a:rPr>
+              <a:t>+</a:t>
+            </a:r>
+          </a:p>
+          <a:p>
+            <a:pPr algn="ctr"/>
+            <a:r>
+              <a:rPr lang="en-US" dirty="0">
+                <a:solidFill>
+                  <a:srgbClr val="002060"/>
+                </a:solidFill>
+              </a:rPr>
+              <a:t>Data Store</a:t>
+            </a:r>
+            <a:endParaRPr lang="en-IN" dirty="0">
+              <a:solidFill>
+                <a:srgbClr val="002060"/>
+              </a:solidFill>
+            </a:endParaRPr>
+          </a:p>
+        </p:txBody>
+      </p:sp>
+      <p:sp>
+        <p:nvSpPr>
+          <p:cNvPr id="8" name="Rectangle: Rounded Corners 7">
+            <a:extLst>
+              <a:ext uri="{FF2B5EF4-FFF2-40B4-BE49-F238E27FC236}">
+                <a16:creationId xmlns:a16="http://schemas.microsoft.com/office/drawing/2014/main" id="{A5552548-78B9-4209-A399-D93F4C299158}"/>
+              </a:ext>
+            </a:extLst>
+          </p:cNvPr>
+          <p:cNvSpPr/>
+          <p:nvPr/>
+        </p:nvSpPr>
+        <p:spPr>
+          <a:xfrm>
+            <a:off x="9074458" y="3317288"/>
+            <a:ext cx="2698812" cy="932154"/>
+          </a:xfrm>
+          <a:prstGeom prst="roundRect">
+            <a:avLst/>
+          </a:prstGeom>
+          <a:noFill/>
+        </p:spPr>
+        <p:style>
+          <a:lnRef idx="2">
+            <a:schemeClr val="accent1">
+              <a:shade val="50000"/>
+            </a:schemeClr>
+          </a:lnRef>
+          <a:fillRef idx="1">
+            <a:schemeClr val="accent1"/>
+          </a:fillRef>
+          <a:effectRef idx="0">
+            <a:schemeClr val="accent1"/>
+          </a:effectRef>
+          <a:fontRef idx="minor">
+            <a:schemeClr val="lt1"/>
+          </a:fontRef>
+        </p:style>
+        <p:txBody>
+          <a:bodyPr rtlCol="0" anchor="ctr"/>
+          <a:lstStyle/>
+          <a:p>
+            <a:pPr algn="ctr"/>
+            <a:r>
+              <a:rPr lang="en-US" dirty="0">
+                <a:solidFill>
+                  <a:srgbClr val="002060"/>
+                </a:solidFill>
+              </a:rPr>
+              <a:t>Discount API</a:t>
+            </a:r>
+          </a:p>
+          <a:p>
+            <a:pPr algn="ctr"/>
+            <a:r>
+              <a:rPr lang="en-US" dirty="0">
+                <a:solidFill>
+                  <a:srgbClr val="002060"/>
+                </a:solidFill>
+              </a:rPr>
+              <a:t>+</a:t>
+            </a:r>
+          </a:p>
+          <a:p>
+            <a:pPr algn="ctr"/>
+            <a:r>
+              <a:rPr lang="en-US" dirty="0">
+                <a:solidFill>
+                  <a:srgbClr val="002060"/>
+                </a:solidFill>
+              </a:rPr>
+              <a:t>Data Store</a:t>
+            </a:r>
+            <a:endParaRPr lang="en-IN" dirty="0">
+              <a:solidFill>
+                <a:srgbClr val="002060"/>
+              </a:solidFill>
+            </a:endParaRPr>
+          </a:p>
+        </p:txBody>
+      </p:sp>
+      <p:sp>
+        <p:nvSpPr>
+          <p:cNvPr id="9" name="Rectangle: Rounded Corners 8">
+            <a:extLst>
+              <a:ext uri="{FF2B5EF4-FFF2-40B4-BE49-F238E27FC236}">
+                <a16:creationId xmlns:a16="http://schemas.microsoft.com/office/drawing/2014/main" id="{A92C872B-70D9-4F65-B6FB-E7D3026D7F23}"/>
+              </a:ext>
+            </a:extLst>
+          </p:cNvPr>
+          <p:cNvSpPr/>
+          <p:nvPr/>
+        </p:nvSpPr>
+        <p:spPr>
+          <a:xfrm>
+            <a:off x="9074458" y="4671131"/>
+            <a:ext cx="2698812" cy="932154"/>
+          </a:xfrm>
+          <a:prstGeom prst="roundRect">
+            <a:avLst/>
+          </a:prstGeom>
+          <a:noFill/>
+        </p:spPr>
+        <p:style>
+          <a:lnRef idx="2">
+            <a:schemeClr val="accent1">
+              <a:shade val="50000"/>
+            </a:schemeClr>
+          </a:lnRef>
+          <a:fillRef idx="1">
+            <a:schemeClr val="accent1"/>
+          </a:fillRef>
+          <a:effectRef idx="0">
+            <a:schemeClr val="accent1"/>
+          </a:effectRef>
+          <a:fontRef idx="minor">
+            <a:schemeClr val="lt1"/>
+          </a:fontRef>
+        </p:style>
+        <p:txBody>
+          <a:bodyPr rtlCol="0" anchor="ctr"/>
+          <a:lstStyle/>
+          <a:p>
+            <a:pPr algn="ctr"/>
+            <a:r>
+              <a:rPr lang="en-US" dirty="0">
+                <a:solidFill>
+                  <a:srgbClr val="002060"/>
+                </a:solidFill>
+              </a:rPr>
+              <a:t>Orders API</a:t>
+            </a:r>
+          </a:p>
+          <a:p>
+            <a:pPr algn="ctr"/>
+            <a:r>
+              <a:rPr lang="en-US" dirty="0">
+                <a:solidFill>
+                  <a:srgbClr val="002060"/>
+                </a:solidFill>
+              </a:rPr>
+              <a:t>+</a:t>
+            </a:r>
+          </a:p>
+          <a:p>
+            <a:pPr algn="ctr"/>
+            <a:r>
+              <a:rPr lang="en-US" dirty="0">
+                <a:solidFill>
+                  <a:srgbClr val="002060"/>
+                </a:solidFill>
+              </a:rPr>
+              <a:t>Data Store</a:t>
+            </a:r>
+            <a:endParaRPr lang="en-IN" dirty="0">
+              <a:solidFill>
+                <a:srgbClr val="002060"/>
+              </a:solidFill>
+            </a:endParaRPr>
+          </a:p>
+        </p:txBody>
+      </p:sp>
+      <p:sp>
+        <p:nvSpPr>
+          <p:cNvPr id="5" name="Rectangle 4">
+            <a:extLst>
+              <a:ext uri="{FF2B5EF4-FFF2-40B4-BE49-F238E27FC236}">
+                <a16:creationId xmlns:a16="http://schemas.microsoft.com/office/drawing/2014/main" id="{B5B283AE-04A1-4B80-939C-21B7C975E533}"/>
+              </a:ext>
+            </a:extLst>
+          </p:cNvPr>
+          <p:cNvSpPr/>
+          <p:nvPr/>
+        </p:nvSpPr>
+        <p:spPr>
+          <a:xfrm>
+            <a:off x="4891596" y="2237173"/>
+            <a:ext cx="1411550" cy="1553592"/>
+          </a:xfrm>
+          <a:prstGeom prst="rect">
+            <a:avLst/>
+          </a:prstGeom>
+        </p:spPr>
+        <p:style>
+          <a:lnRef idx="2">
+            <a:schemeClr val="accent1">
+              <a:shade val="50000"/>
+            </a:schemeClr>
+          </a:lnRef>
+          <a:fillRef idx="1">
+            <a:schemeClr val="accent1"/>
+          </a:fillRef>
+          <a:effectRef idx="0">
+            <a:schemeClr val="accent1"/>
+          </a:effectRef>
+          <a:fontRef idx="minor">
+            <a:schemeClr val="lt1"/>
+          </a:fontRef>
+        </p:style>
+        <p:txBody>
+          <a:bodyPr rtlCol="0" anchor="ctr"/>
+          <a:lstStyle/>
+          <a:p>
+            <a:pPr algn="ctr"/>
+            <a:r>
+              <a:rPr lang="en-US" dirty="0"/>
+              <a:t>API</a:t>
+            </a:r>
+          </a:p>
+          <a:p>
+            <a:pPr algn="ctr"/>
+            <a:r>
+              <a:rPr lang="en-US" dirty="0"/>
+              <a:t>Gateway</a:t>
+            </a:r>
+            <a:endParaRPr lang="en-IN" dirty="0"/>
+          </a:p>
+        </p:txBody>
+      </p:sp>
+      <p:sp>
+        <p:nvSpPr>
+          <p:cNvPr id="6" name="Rectangle 5">
+            <a:extLst>
+              <a:ext uri="{FF2B5EF4-FFF2-40B4-BE49-F238E27FC236}">
+                <a16:creationId xmlns:a16="http://schemas.microsoft.com/office/drawing/2014/main" id="{E681EEBF-DED0-49C3-82BA-C359A5D505B5}"/>
+              </a:ext>
+            </a:extLst>
+          </p:cNvPr>
+          <p:cNvSpPr/>
+          <p:nvPr/>
+        </p:nvSpPr>
+        <p:spPr>
+          <a:xfrm>
+            <a:off x="1322773" y="1038687"/>
+            <a:ext cx="1518081" cy="1065321"/>
+          </a:xfrm>
+          <a:prstGeom prst="rect">
+            <a:avLst/>
+          </a:prstGeom>
+        </p:spPr>
+        <p:style>
+          <a:lnRef idx="2">
+            <a:schemeClr val="accent1">
+              <a:shade val="50000"/>
+            </a:schemeClr>
+          </a:lnRef>
+          <a:fillRef idx="1">
+            <a:schemeClr val="accent1"/>
+          </a:fillRef>
+          <a:effectRef idx="0">
+            <a:schemeClr val="accent1"/>
+          </a:effectRef>
+          <a:fontRef idx="minor">
+            <a:schemeClr val="lt1"/>
+          </a:fontRef>
+        </p:style>
+        <p:txBody>
+          <a:bodyPr rtlCol="0" anchor="ctr"/>
+          <a:lstStyle/>
+          <a:p>
+            <a:pPr algn="ctr"/>
+            <a:endParaRPr lang="en-IN"/>
+          </a:p>
+        </p:txBody>
+      </p:sp>
+      <p:sp>
+        <p:nvSpPr>
+          <p:cNvPr id="12" name="Rectangle: Rounded Corners 11">
+            <a:extLst>
+              <a:ext uri="{FF2B5EF4-FFF2-40B4-BE49-F238E27FC236}">
+                <a16:creationId xmlns:a16="http://schemas.microsoft.com/office/drawing/2014/main" id="{97C2BB1D-0F57-4637-9199-2635C934B556}"/>
+              </a:ext>
+            </a:extLst>
+          </p:cNvPr>
+          <p:cNvSpPr/>
+          <p:nvPr/>
+        </p:nvSpPr>
+        <p:spPr>
+          <a:xfrm>
+            <a:off x="9074458" y="5797118"/>
+            <a:ext cx="2698812" cy="932154"/>
+          </a:xfrm>
+          <a:prstGeom prst="roundRect">
+            <a:avLst/>
+          </a:prstGeom>
+          <a:noFill/>
+        </p:spPr>
+        <p:style>
+          <a:lnRef idx="2">
+            <a:schemeClr val="accent1">
+              <a:shade val="50000"/>
+            </a:schemeClr>
+          </a:lnRef>
+          <a:fillRef idx="1">
+            <a:schemeClr val="accent1"/>
+          </a:fillRef>
+          <a:effectRef idx="0">
+            <a:schemeClr val="accent1"/>
+          </a:effectRef>
+          <a:fontRef idx="minor">
+            <a:schemeClr val="lt1"/>
+          </a:fontRef>
+        </p:style>
+        <p:txBody>
+          <a:bodyPr rtlCol="0" anchor="ctr"/>
+          <a:lstStyle/>
+          <a:p>
+            <a:pPr algn="ctr"/>
+            <a:r>
+              <a:rPr lang="en-US" dirty="0">
+                <a:solidFill>
+                  <a:srgbClr val="002060"/>
+                </a:solidFill>
+              </a:rPr>
               <a:t>Identity API</a:t>
             </a:r>
           </a:p>
@@ -22087,7 +22767,7 @@
 </p:sld>
 </file>
 
-<file path=ppt/slides/slide7.xml><?xml version="1.0" encoding="utf-8"?>
+<file path=ppt/slides/slide8.xml><?xml version="1.0" encoding="utf-8"?>
 <p:sld xmlns:a="http://schemas.openxmlformats.org/drawingml/2006/main" xmlns:r="http://schemas.openxmlformats.org/officeDocument/2006/relationships" xmlns:p="http://schemas.openxmlformats.org/presentationml/2006/main">
   <p:cSld>
     <p:bg>
@@ -22444,7 +23124,7 @@
 </p:sld>
 </file>
 
-<file path=ppt/slides/slide8.xml><?xml version="1.0" encoding="utf-8"?>
+<file path=ppt/slides/slide9.xml><?xml version="1.0" encoding="utf-8"?>
 <p:sld xmlns:a="http://schemas.openxmlformats.org/drawingml/2006/main" xmlns:r="http://schemas.openxmlformats.org/officeDocument/2006/relationships" xmlns:p="http://schemas.openxmlformats.org/presentationml/2006/main">
   <p:cSld>
     <p:spTree>
@@ -22943,177 +23623,6 @@
     <p:extLst>
       <p:ext uri="{BB962C8B-B14F-4D97-AF65-F5344CB8AC3E}">
         <p14:creationId xmlns:p14="http://schemas.microsoft.com/office/powerpoint/2010/main" val="3590700161"/>
-      </p:ext>
-    </p:extLst>
-  </p:cSld>
-  <p:clrMapOvr>
-    <a:masterClrMapping/>
-  </p:clrMapOvr>
-</p:sld>
-</file>
-
-<file path=ppt/slides/slide9.xml><?xml version="1.0" encoding="utf-8"?>
-<p:sld xmlns:a="http://schemas.openxmlformats.org/drawingml/2006/main" xmlns:r="http://schemas.openxmlformats.org/officeDocument/2006/relationships" xmlns:p="http://schemas.openxmlformats.org/presentationml/2006/main">
-  <p:cSld>
-    <p:bg>
-      <p:bgPr>
-        <a:solidFill>
-          <a:schemeClr val="accent5">
-            <a:lumMod val="20000"/>
-            <a:lumOff val="80000"/>
-          </a:schemeClr>
-        </a:solidFill>
-        <a:effectLst/>
-      </p:bgPr>
-    </p:bg>
-    <p:spTree>
-      <p:nvGrpSpPr>
-        <p:cNvPr id="1" name=""/>
-        <p:cNvGrpSpPr/>
-        <p:nvPr/>
-      </p:nvGrpSpPr>
-      <p:grpSpPr>
-        <a:xfrm>
-          <a:off x="0" y="0"/>
-          <a:ext cx="0" cy="0"/>
-          <a:chOff x="0" y="0"/>
-          <a:chExt cx="0" cy="0"/>
-        </a:xfrm>
-      </p:grpSpPr>
-      <p:pic>
-        <p:nvPicPr>
-          <p:cNvPr id="1026" name="Picture 2">
-            <a:extLst>
-              <a:ext uri="{FF2B5EF4-FFF2-40B4-BE49-F238E27FC236}">
-                <a16:creationId xmlns:a16="http://schemas.microsoft.com/office/drawing/2014/main" id="{114AC09B-4FB4-447F-87C2-858B6AE606C0}"/>
-              </a:ext>
-            </a:extLst>
-          </p:cNvPr>
-          <p:cNvPicPr>
-            <a:picLocks noChangeAspect="1" noChangeArrowheads="1"/>
-          </p:cNvPicPr>
-          <p:nvPr/>
-        </p:nvPicPr>
-        <p:blipFill>
-          <a:blip r:embed="rId2">
-            <a:extLst>
-              <a:ext uri="{28A0092B-C50C-407E-A947-70E740481C1C}">
-                <a14:useLocalDpi xmlns:a14="http://schemas.microsoft.com/office/drawing/2010/main" val="0"/>
-              </a:ext>
-            </a:extLst>
-          </a:blip>
-          <a:srcRect/>
-          <a:stretch>
-            <a:fillRect/>
-          </a:stretch>
-        </p:blipFill>
-        <p:spPr bwMode="auto">
-          <a:xfrm>
-            <a:off x="3484995" y="1856682"/>
-            <a:ext cx="2811030" cy="2811030"/>
-          </a:xfrm>
-          <a:prstGeom prst="rect">
-            <a:avLst/>
-          </a:prstGeom>
-          <a:noFill/>
-          <a:extLst>
-            <a:ext uri="{909E8E84-426E-40DD-AFC4-6F175D3DCCD1}">
-              <a14:hiddenFill xmlns:a14="http://schemas.microsoft.com/office/drawing/2010/main">
-                <a:solidFill>
-                  <a:srgbClr val="FFFFFF"/>
-                </a:solidFill>
-              </a14:hiddenFill>
-            </a:ext>
-          </a:extLst>
-        </p:spPr>
-      </p:pic>
-      <p:pic>
-        <p:nvPicPr>
-          <p:cNvPr id="1030" name="Picture 6">
-            <a:extLst>
-              <a:ext uri="{FF2B5EF4-FFF2-40B4-BE49-F238E27FC236}">
-                <a16:creationId xmlns:a16="http://schemas.microsoft.com/office/drawing/2014/main" id="{9280C375-3CEC-43CA-B3C7-267E730B4AAE}"/>
-              </a:ext>
-            </a:extLst>
-          </p:cNvPr>
-          <p:cNvPicPr>
-            <a:picLocks noChangeAspect="1" noChangeArrowheads="1"/>
-          </p:cNvPicPr>
-          <p:nvPr/>
-        </p:nvPicPr>
-        <p:blipFill>
-          <a:blip r:embed="rId3">
-            <a:extLst>
-              <a:ext uri="{28A0092B-C50C-407E-A947-70E740481C1C}">
-                <a14:useLocalDpi xmlns:a14="http://schemas.microsoft.com/office/drawing/2010/main" val="0"/>
-              </a:ext>
-            </a:extLst>
-          </a:blip>
-          <a:srcRect/>
-          <a:stretch>
-            <a:fillRect/>
-          </a:stretch>
-        </p:blipFill>
-        <p:spPr bwMode="auto">
-          <a:xfrm>
-            <a:off x="3726554" y="2102334"/>
-            <a:ext cx="776287" cy="776287"/>
-          </a:xfrm>
-          <a:prstGeom prst="rect">
-            <a:avLst/>
-          </a:prstGeom>
-          <a:noFill/>
-          <a:extLst>
-            <a:ext uri="{909E8E84-426E-40DD-AFC4-6F175D3DCCD1}">
-              <a14:hiddenFill xmlns:a14="http://schemas.microsoft.com/office/drawing/2010/main">
-                <a:solidFill>
-                  <a:srgbClr val="FFFFFF"/>
-                </a:solidFill>
-              </a14:hiddenFill>
-            </a:ext>
-          </a:extLst>
-        </p:spPr>
-      </p:pic>
-      <p:pic>
-        <p:nvPicPr>
-          <p:cNvPr id="9" name="Picture 8">
-            <a:extLst>
-              <a:ext uri="{FF2B5EF4-FFF2-40B4-BE49-F238E27FC236}">
-                <a16:creationId xmlns:a16="http://schemas.microsoft.com/office/drawing/2014/main" id="{A4C4AC82-9F06-4A21-B109-0B897DD9827F}"/>
-              </a:ext>
-            </a:extLst>
-          </p:cNvPr>
-          <p:cNvPicPr>
-            <a:picLocks noChangeAspect="1"/>
-          </p:cNvPicPr>
-          <p:nvPr/>
-        </p:nvPicPr>
-        <p:blipFill>
-          <a:blip r:embed="rId4">
-            <a:extLst>
-              <a:ext uri="{28A0092B-C50C-407E-A947-70E740481C1C}">
-                <a14:useLocalDpi xmlns:a14="http://schemas.microsoft.com/office/drawing/2010/main" val="0"/>
-              </a:ext>
-            </a:extLst>
-          </a:blip>
-          <a:stretch>
-            <a:fillRect/>
-          </a:stretch>
-        </p:blipFill>
-        <p:spPr>
-          <a:xfrm>
-            <a:off x="5543550" y="3943350"/>
-            <a:ext cx="304800" cy="304800"/>
-          </a:xfrm>
-          <a:prstGeom prst="rect">
-            <a:avLst/>
-          </a:prstGeom>
-        </p:spPr>
-      </p:pic>
-    </p:spTree>
-    <p:extLst>
-      <p:ext uri="{BB962C8B-B14F-4D97-AF65-F5344CB8AC3E}">
-        <p14:creationId xmlns:p14="http://schemas.microsoft.com/office/powerpoint/2010/main" val="2364268692"/>
       </p:ext>
     </p:extLst>
   </p:cSld>
